--- a/poster.pptx
+++ b/poster.pptx
@@ -1,19 +1,114 @@
 
 <file path=ppt/presentation.xml><?xml version="1.0" encoding="utf-8"?>
-<p:presentation xmlns:a="http://schemas.openxmlformats.org/drawingml/2006/main" xmlns:p="http://schemas.openxmlformats.org/presentationml/2006/main" xmlns:r="http://schemas.openxmlformats.org/officeDocument/2006/relationships" xmlns:p14="http://schemas.microsoft.com/office/powerpoint/2010/main" xmlns:p15="http://schemas.microsoft.com/office/powerpoint/2012/main" xmlns:mc="http://schemas.openxmlformats.org/markup-compatibility/2006">
+<p:presentation xmlns:a="http://schemas.openxmlformats.org/drawingml/2006/main" xmlns:r="http://schemas.openxmlformats.org/officeDocument/2006/relationships" xmlns:p="http://schemas.openxmlformats.org/presentationml/2006/main">
   <p:sldMasterIdLst>
-    <p:sldMasterId id="2147483648" r:id="rId2"/>
+    <p:sldMasterId id="2147483648" r:id="rId1"/>
   </p:sldMasterIdLst>
   <p:sldIdLst>
-    <p:sldId id="256" r:id="rId3"/>
+    <p:sldId id="256" r:id="rId2"/>
   </p:sldIdLst>
   <p:sldSz cx="36576000" cy="27432000"/>
   <p:notesSz cx="7772400" cy="10058400"/>
+  <p:defaultTextStyle>
+    <a:defPPr>
+      <a:defRPr lang="en-US"/>
+    </a:defPPr>
+    <a:lvl1pPr marL="0" algn="l" defTabSz="914400" rtl="0" eaLnBrk="1" latinLnBrk="0" hangingPunct="1">
+      <a:defRPr sz="1800" kern="1200">
+        <a:solidFill>
+          <a:schemeClr val="tx1"/>
+        </a:solidFill>
+        <a:latin typeface="+mn-lt"/>
+        <a:ea typeface="+mn-ea"/>
+        <a:cs typeface="+mn-cs"/>
+      </a:defRPr>
+    </a:lvl1pPr>
+    <a:lvl2pPr marL="457200" algn="l" defTabSz="914400" rtl="0" eaLnBrk="1" latinLnBrk="0" hangingPunct="1">
+      <a:defRPr sz="1800" kern="1200">
+        <a:solidFill>
+          <a:schemeClr val="tx1"/>
+        </a:solidFill>
+        <a:latin typeface="+mn-lt"/>
+        <a:ea typeface="+mn-ea"/>
+        <a:cs typeface="+mn-cs"/>
+      </a:defRPr>
+    </a:lvl2pPr>
+    <a:lvl3pPr marL="914400" algn="l" defTabSz="914400" rtl="0" eaLnBrk="1" latinLnBrk="0" hangingPunct="1">
+      <a:defRPr sz="1800" kern="1200">
+        <a:solidFill>
+          <a:schemeClr val="tx1"/>
+        </a:solidFill>
+        <a:latin typeface="+mn-lt"/>
+        <a:ea typeface="+mn-ea"/>
+        <a:cs typeface="+mn-cs"/>
+      </a:defRPr>
+    </a:lvl3pPr>
+    <a:lvl4pPr marL="1371600" algn="l" defTabSz="914400" rtl="0" eaLnBrk="1" latinLnBrk="0" hangingPunct="1">
+      <a:defRPr sz="1800" kern="1200">
+        <a:solidFill>
+          <a:schemeClr val="tx1"/>
+        </a:solidFill>
+        <a:latin typeface="+mn-lt"/>
+        <a:ea typeface="+mn-ea"/>
+        <a:cs typeface="+mn-cs"/>
+      </a:defRPr>
+    </a:lvl4pPr>
+    <a:lvl5pPr marL="1828800" algn="l" defTabSz="914400" rtl="0" eaLnBrk="1" latinLnBrk="0" hangingPunct="1">
+      <a:defRPr sz="1800" kern="1200">
+        <a:solidFill>
+          <a:schemeClr val="tx1"/>
+        </a:solidFill>
+        <a:latin typeface="+mn-lt"/>
+        <a:ea typeface="+mn-ea"/>
+        <a:cs typeface="+mn-cs"/>
+      </a:defRPr>
+    </a:lvl5pPr>
+    <a:lvl6pPr marL="2286000" algn="l" defTabSz="914400" rtl="0" eaLnBrk="1" latinLnBrk="0" hangingPunct="1">
+      <a:defRPr sz="1800" kern="1200">
+        <a:solidFill>
+          <a:schemeClr val="tx1"/>
+        </a:solidFill>
+        <a:latin typeface="+mn-lt"/>
+        <a:ea typeface="+mn-ea"/>
+        <a:cs typeface="+mn-cs"/>
+      </a:defRPr>
+    </a:lvl6pPr>
+    <a:lvl7pPr marL="2743200" algn="l" defTabSz="914400" rtl="0" eaLnBrk="1" latinLnBrk="0" hangingPunct="1">
+      <a:defRPr sz="1800" kern="1200">
+        <a:solidFill>
+          <a:schemeClr val="tx1"/>
+        </a:solidFill>
+        <a:latin typeface="+mn-lt"/>
+        <a:ea typeface="+mn-ea"/>
+        <a:cs typeface="+mn-cs"/>
+      </a:defRPr>
+    </a:lvl7pPr>
+    <a:lvl8pPr marL="3200400" algn="l" defTabSz="914400" rtl="0" eaLnBrk="1" latinLnBrk="0" hangingPunct="1">
+      <a:defRPr sz="1800" kern="1200">
+        <a:solidFill>
+          <a:schemeClr val="tx1"/>
+        </a:solidFill>
+        <a:latin typeface="+mn-lt"/>
+        <a:ea typeface="+mn-ea"/>
+        <a:cs typeface="+mn-cs"/>
+      </a:defRPr>
+    </a:lvl8pPr>
+    <a:lvl9pPr marL="3657600" algn="l" defTabSz="914400" rtl="0" eaLnBrk="1" latinLnBrk="0" hangingPunct="1">
+      <a:defRPr sz="1800" kern="1200">
+        <a:solidFill>
+          <a:schemeClr val="tx1"/>
+        </a:solidFill>
+        <a:latin typeface="+mn-lt"/>
+        <a:ea typeface="+mn-ea"/>
+        <a:cs typeface="+mn-cs"/>
+      </a:defRPr>
+    </a:lvl9pPr>
+  </p:defaultTextStyle>
 </p:presentation>
 </file>
 
 <file path=ppt/slideLayouts/slideLayout1.xml><?xml version="1.0" encoding="utf-8"?>
-<p:sldLayout xmlns:a="http://schemas.openxmlformats.org/drawingml/2006/main" xmlns:p="http://schemas.openxmlformats.org/presentationml/2006/main" xmlns:r="http://schemas.openxmlformats.org/officeDocument/2006/relationships" xmlns:p14="http://schemas.microsoft.com/office/powerpoint/2010/main" xmlns:p15="http://schemas.microsoft.com/office/powerpoint/2012/main" xmlns:mc="http://schemas.openxmlformats.org/markup-compatibility/2006" type="blank" preserve="1">
+<p:sldLayout xmlns:a="http://schemas.openxmlformats.org/drawingml/2006/main" xmlns:r="http://schemas.openxmlformats.org/officeDocument/2006/relationships" xmlns:p="http://schemas.openxmlformats.org/presentationml/2006/main" type="blank" preserve="1">
   <p:cSld name="Blank Slide">
     <p:spTree>
       <p:nvGrpSpPr>
@@ -31,11 +126,14 @@
       </p:grpSpPr>
     </p:spTree>
   </p:cSld>
+  <p:clrMapOvr>
+    <a:masterClrMapping/>
+  </p:clrMapOvr>
 </p:sldLayout>
 </file>
 
 <file path=ppt/slideLayouts/slideLayout10.xml><?xml version="1.0" encoding="utf-8"?>
-<p:sldLayout xmlns:a="http://schemas.openxmlformats.org/drawingml/2006/main" xmlns:p="http://schemas.openxmlformats.org/presentationml/2006/main" xmlns:r="http://schemas.openxmlformats.org/officeDocument/2006/relationships" xmlns:p14="http://schemas.microsoft.com/office/powerpoint/2010/main" xmlns:p15="http://schemas.microsoft.com/office/powerpoint/2012/main" xmlns:mc="http://schemas.openxmlformats.org/markup-compatibility/2006" type="objOverTx" preserve="1">
+<p:sldLayout xmlns:a="http://schemas.openxmlformats.org/drawingml/2006/main" xmlns:r="http://schemas.openxmlformats.org/officeDocument/2006/relationships" xmlns:p="http://schemas.openxmlformats.org/presentationml/2006/main" type="objOverTx" preserve="1">
   <p:cSld name="Title, Content over Content">
     <p:spTree>
       <p:nvGrpSpPr>
@@ -71,15 +169,16 @@
           </a:prstGeom>
         </p:spPr>
         <p:txBody>
-          <a:bodyPr lIns="0" rIns="0" tIns="0" bIns="0" anchor="ctr"/>
-          <a:p>
-            <a:endParaRPr b="0" lang="en-US" sz="7169" spc="-1" strike="noStrike">
+          <a:bodyPr lIns="0" tIns="0" rIns="0" bIns="0" anchor="ctr"/>
+          <a:lstStyle/>
+          <a:p>
+            <a:endParaRPr lang="en-US" sz="7169" b="0" strike="noStrike" spc="-1">
               <a:solidFill>
                 <a:srgbClr val="000000"/>
               </a:solidFill>
               <a:uFill>
                 <a:solidFill>
-                  <a:srgbClr val="ffffff"/>
+                  <a:srgbClr val="FFFFFF"/>
                 </a:solidFill>
               </a:uFill>
               <a:latin typeface="Calibri"/>
@@ -107,15 +206,16 @@
           </a:prstGeom>
         </p:spPr>
         <p:txBody>
-          <a:bodyPr lIns="0" rIns="0" tIns="0" bIns="0"/>
-          <a:p>
-            <a:endParaRPr b="0" lang="en-US" sz="15400" spc="-1" strike="noStrike">
+          <a:bodyPr lIns="0" tIns="0" rIns="0" bIns="0"/>
+          <a:lstStyle/>
+          <a:p>
+            <a:endParaRPr lang="en-US" sz="15400" b="0" strike="noStrike" spc="-1">
               <a:solidFill>
                 <a:srgbClr val="000000"/>
               </a:solidFill>
               <a:uFill>
                 <a:solidFill>
-                  <a:srgbClr val="ffffff"/>
+                  <a:srgbClr val="FFFFFF"/>
                 </a:solidFill>
               </a:uFill>
               <a:latin typeface="Calibri"/>
@@ -143,15 +243,16 @@
           </a:prstGeom>
         </p:spPr>
         <p:txBody>
-          <a:bodyPr lIns="0" rIns="0" tIns="0" bIns="0"/>
-          <a:p>
-            <a:endParaRPr b="0" lang="en-US" sz="15400" spc="-1" strike="noStrike">
+          <a:bodyPr lIns="0" tIns="0" rIns="0" bIns="0"/>
+          <a:lstStyle/>
+          <a:p>
+            <a:endParaRPr lang="en-US" sz="15400" b="0" strike="noStrike" spc="-1">
               <a:solidFill>
                 <a:srgbClr val="000000"/>
               </a:solidFill>
               <a:uFill>
                 <a:solidFill>
-                  <a:srgbClr val="ffffff"/>
+                  <a:srgbClr val="FFFFFF"/>
                 </a:solidFill>
               </a:uFill>
               <a:latin typeface="Calibri"/>
@@ -161,11 +262,14 @@
       </p:sp>
     </p:spTree>
   </p:cSld>
+  <p:clrMapOvr>
+    <a:masterClrMapping/>
+  </p:clrMapOvr>
 </p:sldLayout>
 </file>
 
 <file path=ppt/slideLayouts/slideLayout11.xml><?xml version="1.0" encoding="utf-8"?>
-<p:sldLayout xmlns:a="http://schemas.openxmlformats.org/drawingml/2006/main" xmlns:p="http://schemas.openxmlformats.org/presentationml/2006/main" xmlns:r="http://schemas.openxmlformats.org/officeDocument/2006/relationships" xmlns:p14="http://schemas.microsoft.com/office/powerpoint/2010/main" xmlns:p15="http://schemas.microsoft.com/office/powerpoint/2012/main" xmlns:mc="http://schemas.openxmlformats.org/markup-compatibility/2006" type="fourObj" preserve="1">
+<p:sldLayout xmlns:a="http://schemas.openxmlformats.org/drawingml/2006/main" xmlns:r="http://schemas.openxmlformats.org/officeDocument/2006/relationships" xmlns:p="http://schemas.openxmlformats.org/presentationml/2006/main" type="fourObj" preserve="1">
   <p:cSld name="Title, 4 Content">
     <p:spTree>
       <p:nvGrpSpPr>
@@ -201,15 +305,16 @@
           </a:prstGeom>
         </p:spPr>
         <p:txBody>
-          <a:bodyPr lIns="0" rIns="0" tIns="0" bIns="0" anchor="ctr"/>
-          <a:p>
-            <a:endParaRPr b="0" lang="en-US" sz="7169" spc="-1" strike="noStrike">
+          <a:bodyPr lIns="0" tIns="0" rIns="0" bIns="0" anchor="ctr"/>
+          <a:lstStyle/>
+          <a:p>
+            <a:endParaRPr lang="en-US" sz="7169" b="0" strike="noStrike" spc="-1">
               <a:solidFill>
                 <a:srgbClr val="000000"/>
               </a:solidFill>
               <a:uFill>
                 <a:solidFill>
-                  <a:srgbClr val="ffffff"/>
+                  <a:srgbClr val="FFFFFF"/>
                 </a:solidFill>
               </a:uFill>
               <a:latin typeface="Calibri"/>
@@ -237,15 +342,16 @@
           </a:prstGeom>
         </p:spPr>
         <p:txBody>
-          <a:bodyPr lIns="0" rIns="0" tIns="0" bIns="0"/>
-          <a:p>
-            <a:endParaRPr b="0" lang="en-US" sz="15400" spc="-1" strike="noStrike">
+          <a:bodyPr lIns="0" tIns="0" rIns="0" bIns="0"/>
+          <a:lstStyle/>
+          <a:p>
+            <a:endParaRPr lang="en-US" sz="15400" b="0" strike="noStrike" spc="-1">
               <a:solidFill>
                 <a:srgbClr val="000000"/>
               </a:solidFill>
               <a:uFill>
                 <a:solidFill>
-                  <a:srgbClr val="ffffff"/>
+                  <a:srgbClr val="FFFFFF"/>
                 </a:solidFill>
               </a:uFill>
               <a:latin typeface="Calibri"/>
@@ -273,15 +379,16 @@
           </a:prstGeom>
         </p:spPr>
         <p:txBody>
-          <a:bodyPr lIns="0" rIns="0" tIns="0" bIns="0"/>
-          <a:p>
-            <a:endParaRPr b="0" lang="en-US" sz="15400" spc="-1" strike="noStrike">
+          <a:bodyPr lIns="0" tIns="0" rIns="0" bIns="0"/>
+          <a:lstStyle/>
+          <a:p>
+            <a:endParaRPr lang="en-US" sz="15400" b="0" strike="noStrike" spc="-1">
               <a:solidFill>
                 <a:srgbClr val="000000"/>
               </a:solidFill>
               <a:uFill>
                 <a:solidFill>
-                  <a:srgbClr val="ffffff"/>
+                  <a:srgbClr val="FFFFFF"/>
                 </a:solidFill>
               </a:uFill>
               <a:latin typeface="Calibri"/>
@@ -309,15 +416,16 @@
           </a:prstGeom>
         </p:spPr>
         <p:txBody>
-          <a:bodyPr lIns="0" rIns="0" tIns="0" bIns="0"/>
-          <a:p>
-            <a:endParaRPr b="0" lang="en-US" sz="15400" spc="-1" strike="noStrike">
+          <a:bodyPr lIns="0" tIns="0" rIns="0" bIns="0"/>
+          <a:lstStyle/>
+          <a:p>
+            <a:endParaRPr lang="en-US" sz="15400" b="0" strike="noStrike" spc="-1">
               <a:solidFill>
                 <a:srgbClr val="000000"/>
               </a:solidFill>
               <a:uFill>
                 <a:solidFill>
-                  <a:srgbClr val="ffffff"/>
+                  <a:srgbClr val="FFFFFF"/>
                 </a:solidFill>
               </a:uFill>
               <a:latin typeface="Calibri"/>
@@ -345,15 +453,16 @@
           </a:prstGeom>
         </p:spPr>
         <p:txBody>
-          <a:bodyPr lIns="0" rIns="0" tIns="0" bIns="0"/>
-          <a:p>
-            <a:endParaRPr b="0" lang="en-US" sz="15400" spc="-1" strike="noStrike">
+          <a:bodyPr lIns="0" tIns="0" rIns="0" bIns="0"/>
+          <a:lstStyle/>
+          <a:p>
+            <a:endParaRPr lang="en-US" sz="15400" b="0" strike="noStrike" spc="-1">
               <a:solidFill>
                 <a:srgbClr val="000000"/>
               </a:solidFill>
               <a:uFill>
                 <a:solidFill>
-                  <a:srgbClr val="ffffff"/>
+                  <a:srgbClr val="FFFFFF"/>
                 </a:solidFill>
               </a:uFill>
               <a:latin typeface="Calibri"/>
@@ -363,11 +472,14 @@
       </p:sp>
     </p:spTree>
   </p:cSld>
+  <p:clrMapOvr>
+    <a:masterClrMapping/>
+  </p:clrMapOvr>
 </p:sldLayout>
 </file>
 
 <file path=ppt/slideLayouts/slideLayout12.xml><?xml version="1.0" encoding="utf-8"?>
-<p:sldLayout xmlns:a="http://schemas.openxmlformats.org/drawingml/2006/main" xmlns:p="http://schemas.openxmlformats.org/presentationml/2006/main" xmlns:r="http://schemas.openxmlformats.org/officeDocument/2006/relationships" xmlns:p14="http://schemas.microsoft.com/office/powerpoint/2010/main" xmlns:p15="http://schemas.microsoft.com/office/powerpoint/2012/main" xmlns:mc="http://schemas.openxmlformats.org/markup-compatibility/2006" type="blank" preserve="1">
+<p:sldLayout xmlns:a="http://schemas.openxmlformats.org/drawingml/2006/main" xmlns:r="http://schemas.openxmlformats.org/officeDocument/2006/relationships" xmlns:p="http://schemas.openxmlformats.org/presentationml/2006/main" type="blank" preserve="1">
   <p:cSld name="Title, 6 Content">
     <p:spTree>
       <p:nvGrpSpPr>
@@ -403,15 +515,16 @@
           </a:prstGeom>
         </p:spPr>
         <p:txBody>
-          <a:bodyPr lIns="0" rIns="0" tIns="0" bIns="0" anchor="ctr"/>
-          <a:p>
-            <a:endParaRPr b="0" lang="en-US" sz="7169" spc="-1" strike="noStrike">
+          <a:bodyPr lIns="0" tIns="0" rIns="0" bIns="0" anchor="ctr"/>
+          <a:lstStyle/>
+          <a:p>
+            <a:endParaRPr lang="en-US" sz="7169" b="0" strike="noStrike" spc="-1">
               <a:solidFill>
                 <a:srgbClr val="000000"/>
               </a:solidFill>
               <a:uFill>
                 <a:solidFill>
-                  <a:srgbClr val="ffffff"/>
+                  <a:srgbClr val="FFFFFF"/>
                 </a:solidFill>
               </a:uFill>
               <a:latin typeface="Calibri"/>
@@ -439,15 +552,16 @@
           </a:prstGeom>
         </p:spPr>
         <p:txBody>
-          <a:bodyPr lIns="0" rIns="0" tIns="0" bIns="0"/>
-          <a:p>
-            <a:endParaRPr b="0" lang="en-US" sz="15400" spc="-1" strike="noStrike">
+          <a:bodyPr lIns="0" tIns="0" rIns="0" bIns="0"/>
+          <a:lstStyle/>
+          <a:p>
+            <a:endParaRPr lang="en-US" sz="15400" b="0" strike="noStrike" spc="-1">
               <a:solidFill>
                 <a:srgbClr val="000000"/>
               </a:solidFill>
               <a:uFill>
                 <a:solidFill>
-                  <a:srgbClr val="ffffff"/>
+                  <a:srgbClr val="FFFFFF"/>
                 </a:solidFill>
               </a:uFill>
               <a:latin typeface="Calibri"/>
@@ -475,15 +589,16 @@
           </a:prstGeom>
         </p:spPr>
         <p:txBody>
-          <a:bodyPr lIns="0" rIns="0" tIns="0" bIns="0"/>
-          <a:p>
-            <a:endParaRPr b="0" lang="en-US" sz="15400" spc="-1" strike="noStrike">
+          <a:bodyPr lIns="0" tIns="0" rIns="0" bIns="0"/>
+          <a:lstStyle/>
+          <a:p>
+            <a:endParaRPr lang="en-US" sz="15400" b="0" strike="noStrike" spc="-1">
               <a:solidFill>
                 <a:srgbClr val="000000"/>
               </a:solidFill>
               <a:uFill>
                 <a:solidFill>
-                  <a:srgbClr val="ffffff"/>
+                  <a:srgbClr val="FFFFFF"/>
                 </a:solidFill>
               </a:uFill>
               <a:latin typeface="Calibri"/>
@@ -493,7 +608,7 @@
       </p:sp>
       <p:pic>
         <p:nvPicPr>
-          <p:cNvPr id="37" name="" descr=""/>
+          <p:cNvPr id="37" name="Picture 36"/>
           <p:cNvPicPr/>
           <p:nvPr/>
         </p:nvPicPr>
@@ -516,12 +631,12 @@
       </p:pic>
       <p:pic>
         <p:nvPicPr>
-          <p:cNvPr id="38" name="" descr=""/>
+          <p:cNvPr id="38" name="Picture 37"/>
           <p:cNvPicPr/>
           <p:nvPr/>
         </p:nvPicPr>
         <p:blipFill>
-          <a:blip r:embed="rId3"/>
+          <a:blip r:embed="rId2"/>
           <a:stretch/>
         </p:blipFill>
         <p:spPr>
@@ -539,11 +654,14 @@
       </p:pic>
     </p:spTree>
   </p:cSld>
+  <p:clrMapOvr>
+    <a:masterClrMapping/>
+  </p:clrMapOvr>
 </p:sldLayout>
 </file>
 
 <file path=ppt/slideLayouts/slideLayout2.xml><?xml version="1.0" encoding="utf-8"?>
-<p:sldLayout xmlns:a="http://schemas.openxmlformats.org/drawingml/2006/main" xmlns:p="http://schemas.openxmlformats.org/presentationml/2006/main" xmlns:r="http://schemas.openxmlformats.org/officeDocument/2006/relationships" xmlns:p14="http://schemas.microsoft.com/office/powerpoint/2010/main" xmlns:p15="http://schemas.microsoft.com/office/powerpoint/2012/main" xmlns:mc="http://schemas.openxmlformats.org/markup-compatibility/2006" type="tx" preserve="1">
+<p:sldLayout xmlns:a="http://schemas.openxmlformats.org/drawingml/2006/main" xmlns:r="http://schemas.openxmlformats.org/officeDocument/2006/relationships" xmlns:p="http://schemas.openxmlformats.org/presentationml/2006/main" type="tx" preserve="1">
   <p:cSld name="Title Slide">
     <p:spTree>
       <p:nvGrpSpPr>
@@ -579,15 +697,16 @@
           </a:prstGeom>
         </p:spPr>
         <p:txBody>
-          <a:bodyPr lIns="0" rIns="0" tIns="0" bIns="0" anchor="ctr"/>
-          <a:p>
-            <a:endParaRPr b="0" lang="en-US" sz="7169" spc="-1" strike="noStrike">
+          <a:bodyPr lIns="0" tIns="0" rIns="0" bIns="0" anchor="ctr"/>
+          <a:lstStyle/>
+          <a:p>
+            <a:endParaRPr lang="en-US" sz="7169" b="0" strike="noStrike" spc="-1">
               <a:solidFill>
                 <a:srgbClr val="000000"/>
               </a:solidFill>
               <a:uFill>
                 <a:solidFill>
-                  <a:srgbClr val="ffffff"/>
+                  <a:srgbClr val="FFFFFF"/>
                 </a:solidFill>
               </a:uFill>
               <a:latin typeface="Calibri"/>
@@ -615,16 +734,17 @@
           </a:prstGeom>
         </p:spPr>
         <p:txBody>
-          <a:bodyPr lIns="0" rIns="0" tIns="0" bIns="0" anchor="ctr"/>
+          <a:bodyPr lIns="0" tIns="0" rIns="0" bIns="0" anchor="ctr"/>
+          <a:lstStyle/>
           <a:p>
             <a:pPr algn="ctr"/>
-            <a:endParaRPr b="0" lang="en-US" sz="3200" spc="-1" strike="noStrike">
+            <a:endParaRPr lang="en-US" sz="3200" b="0" strike="noStrike" spc="-1">
               <a:solidFill>
                 <a:srgbClr val="000000"/>
               </a:solidFill>
               <a:uFill>
                 <a:solidFill>
-                  <a:srgbClr val="ffffff"/>
+                  <a:srgbClr val="FFFFFF"/>
                 </a:solidFill>
               </a:uFill>
               <a:latin typeface="Arial"/>
@@ -634,11 +754,14 @@
       </p:sp>
     </p:spTree>
   </p:cSld>
+  <p:clrMapOvr>
+    <a:masterClrMapping/>
+  </p:clrMapOvr>
 </p:sldLayout>
 </file>
 
 <file path=ppt/slideLayouts/slideLayout3.xml><?xml version="1.0" encoding="utf-8"?>
-<p:sldLayout xmlns:a="http://schemas.openxmlformats.org/drawingml/2006/main" xmlns:p="http://schemas.openxmlformats.org/presentationml/2006/main" xmlns:r="http://schemas.openxmlformats.org/officeDocument/2006/relationships" xmlns:p14="http://schemas.microsoft.com/office/powerpoint/2010/main" xmlns:p15="http://schemas.microsoft.com/office/powerpoint/2012/main" xmlns:mc="http://schemas.openxmlformats.org/markup-compatibility/2006" type="obj" preserve="1">
+<p:sldLayout xmlns:a="http://schemas.openxmlformats.org/drawingml/2006/main" xmlns:r="http://schemas.openxmlformats.org/officeDocument/2006/relationships" xmlns:p="http://schemas.openxmlformats.org/presentationml/2006/main" type="obj" preserve="1">
   <p:cSld name="Title, Content">
     <p:spTree>
       <p:nvGrpSpPr>
@@ -674,15 +797,16 @@
           </a:prstGeom>
         </p:spPr>
         <p:txBody>
-          <a:bodyPr lIns="0" rIns="0" tIns="0" bIns="0" anchor="ctr"/>
-          <a:p>
-            <a:endParaRPr b="0" lang="en-US" sz="7169" spc="-1" strike="noStrike">
+          <a:bodyPr lIns="0" tIns="0" rIns="0" bIns="0" anchor="ctr"/>
+          <a:lstStyle/>
+          <a:p>
+            <a:endParaRPr lang="en-US" sz="7169" b="0" strike="noStrike" spc="-1">
               <a:solidFill>
                 <a:srgbClr val="000000"/>
               </a:solidFill>
               <a:uFill>
                 <a:solidFill>
-                  <a:srgbClr val="ffffff"/>
+                  <a:srgbClr val="FFFFFF"/>
                 </a:solidFill>
               </a:uFill>
               <a:latin typeface="Calibri"/>
@@ -710,15 +834,16 @@
           </a:prstGeom>
         </p:spPr>
         <p:txBody>
-          <a:bodyPr lIns="0" rIns="0" tIns="0" bIns="0"/>
-          <a:p>
-            <a:endParaRPr b="0" lang="en-US" sz="15400" spc="-1" strike="noStrike">
+          <a:bodyPr lIns="0" tIns="0" rIns="0" bIns="0"/>
+          <a:lstStyle/>
+          <a:p>
+            <a:endParaRPr lang="en-US" sz="15400" b="0" strike="noStrike" spc="-1">
               <a:solidFill>
                 <a:srgbClr val="000000"/>
               </a:solidFill>
               <a:uFill>
                 <a:solidFill>
-                  <a:srgbClr val="ffffff"/>
+                  <a:srgbClr val="FFFFFF"/>
                 </a:solidFill>
               </a:uFill>
               <a:latin typeface="Calibri"/>
@@ -728,11 +853,14 @@
       </p:sp>
     </p:spTree>
   </p:cSld>
+  <p:clrMapOvr>
+    <a:masterClrMapping/>
+  </p:clrMapOvr>
 </p:sldLayout>
 </file>
 
 <file path=ppt/slideLayouts/slideLayout4.xml><?xml version="1.0" encoding="utf-8"?>
-<p:sldLayout xmlns:a="http://schemas.openxmlformats.org/drawingml/2006/main" xmlns:p="http://schemas.openxmlformats.org/presentationml/2006/main" xmlns:r="http://schemas.openxmlformats.org/officeDocument/2006/relationships" xmlns:p14="http://schemas.microsoft.com/office/powerpoint/2010/main" xmlns:p15="http://schemas.microsoft.com/office/powerpoint/2012/main" xmlns:mc="http://schemas.openxmlformats.org/markup-compatibility/2006" type="twoObj" preserve="1">
+<p:sldLayout xmlns:a="http://schemas.openxmlformats.org/drawingml/2006/main" xmlns:r="http://schemas.openxmlformats.org/officeDocument/2006/relationships" xmlns:p="http://schemas.openxmlformats.org/presentationml/2006/main" type="twoObj" preserve="1">
   <p:cSld name="Title, 2 Content">
     <p:spTree>
       <p:nvGrpSpPr>
@@ -768,15 +896,16 @@
           </a:prstGeom>
         </p:spPr>
         <p:txBody>
-          <a:bodyPr lIns="0" rIns="0" tIns="0" bIns="0" anchor="ctr"/>
-          <a:p>
-            <a:endParaRPr b="0" lang="en-US" sz="7169" spc="-1" strike="noStrike">
+          <a:bodyPr lIns="0" tIns="0" rIns="0" bIns="0" anchor="ctr"/>
+          <a:lstStyle/>
+          <a:p>
+            <a:endParaRPr lang="en-US" sz="7169" b="0" strike="noStrike" spc="-1">
               <a:solidFill>
                 <a:srgbClr val="000000"/>
               </a:solidFill>
               <a:uFill>
                 <a:solidFill>
-                  <a:srgbClr val="ffffff"/>
+                  <a:srgbClr val="FFFFFF"/>
                 </a:solidFill>
               </a:uFill>
               <a:latin typeface="Calibri"/>
@@ -804,15 +933,16 @@
           </a:prstGeom>
         </p:spPr>
         <p:txBody>
-          <a:bodyPr lIns="0" rIns="0" tIns="0" bIns="0"/>
-          <a:p>
-            <a:endParaRPr b="0" lang="en-US" sz="15400" spc="-1" strike="noStrike">
+          <a:bodyPr lIns="0" tIns="0" rIns="0" bIns="0"/>
+          <a:lstStyle/>
+          <a:p>
+            <a:endParaRPr lang="en-US" sz="15400" b="0" strike="noStrike" spc="-1">
               <a:solidFill>
                 <a:srgbClr val="000000"/>
               </a:solidFill>
               <a:uFill>
                 <a:solidFill>
-                  <a:srgbClr val="ffffff"/>
+                  <a:srgbClr val="FFFFFF"/>
                 </a:solidFill>
               </a:uFill>
               <a:latin typeface="Calibri"/>
@@ -840,15 +970,16 @@
           </a:prstGeom>
         </p:spPr>
         <p:txBody>
-          <a:bodyPr lIns="0" rIns="0" tIns="0" bIns="0"/>
-          <a:p>
-            <a:endParaRPr b="0" lang="en-US" sz="15400" spc="-1" strike="noStrike">
+          <a:bodyPr lIns="0" tIns="0" rIns="0" bIns="0"/>
+          <a:lstStyle/>
+          <a:p>
+            <a:endParaRPr lang="en-US" sz="15400" b="0" strike="noStrike" spc="-1">
               <a:solidFill>
                 <a:srgbClr val="000000"/>
               </a:solidFill>
               <a:uFill>
                 <a:solidFill>
-                  <a:srgbClr val="ffffff"/>
+                  <a:srgbClr val="FFFFFF"/>
                 </a:solidFill>
               </a:uFill>
               <a:latin typeface="Calibri"/>
@@ -858,11 +989,14 @@
       </p:sp>
     </p:spTree>
   </p:cSld>
+  <p:clrMapOvr>
+    <a:masterClrMapping/>
+  </p:clrMapOvr>
 </p:sldLayout>
 </file>
 
 <file path=ppt/slideLayouts/slideLayout5.xml><?xml version="1.0" encoding="utf-8"?>
-<p:sldLayout xmlns:a="http://schemas.openxmlformats.org/drawingml/2006/main" xmlns:p="http://schemas.openxmlformats.org/presentationml/2006/main" xmlns:r="http://schemas.openxmlformats.org/officeDocument/2006/relationships" xmlns:p14="http://schemas.microsoft.com/office/powerpoint/2010/main" xmlns:p15="http://schemas.microsoft.com/office/powerpoint/2012/main" xmlns:mc="http://schemas.openxmlformats.org/markup-compatibility/2006" type="titleOnly" preserve="1">
+<p:sldLayout xmlns:a="http://schemas.openxmlformats.org/drawingml/2006/main" xmlns:r="http://schemas.openxmlformats.org/officeDocument/2006/relationships" xmlns:p="http://schemas.openxmlformats.org/presentationml/2006/main" type="titleOnly" preserve="1">
   <p:cSld name="Title Only">
     <p:spTree>
       <p:nvGrpSpPr>
@@ -898,15 +1032,16 @@
           </a:prstGeom>
         </p:spPr>
         <p:txBody>
-          <a:bodyPr lIns="0" rIns="0" tIns="0" bIns="0" anchor="ctr"/>
-          <a:p>
-            <a:endParaRPr b="0" lang="en-US" sz="7169" spc="-1" strike="noStrike">
+          <a:bodyPr lIns="0" tIns="0" rIns="0" bIns="0" anchor="ctr"/>
+          <a:lstStyle/>
+          <a:p>
+            <a:endParaRPr lang="en-US" sz="7169" b="0" strike="noStrike" spc="-1">
               <a:solidFill>
                 <a:srgbClr val="000000"/>
               </a:solidFill>
               <a:uFill>
                 <a:solidFill>
-                  <a:srgbClr val="ffffff"/>
+                  <a:srgbClr val="FFFFFF"/>
                 </a:solidFill>
               </a:uFill>
               <a:latin typeface="Calibri"/>
@@ -916,11 +1051,14 @@
       </p:sp>
     </p:spTree>
   </p:cSld>
+  <p:clrMapOvr>
+    <a:masterClrMapping/>
+  </p:clrMapOvr>
 </p:sldLayout>
 </file>
 
 <file path=ppt/slideLayouts/slideLayout6.xml><?xml version="1.0" encoding="utf-8"?>
-<p:sldLayout xmlns:a="http://schemas.openxmlformats.org/drawingml/2006/main" xmlns:p="http://schemas.openxmlformats.org/presentationml/2006/main" xmlns:r="http://schemas.openxmlformats.org/officeDocument/2006/relationships" xmlns:p14="http://schemas.microsoft.com/office/powerpoint/2010/main" xmlns:p15="http://schemas.microsoft.com/office/powerpoint/2012/main" xmlns:mc="http://schemas.openxmlformats.org/markup-compatibility/2006" type="objOnly" preserve="1">
+<p:sldLayout xmlns:a="http://schemas.openxmlformats.org/drawingml/2006/main" xmlns:r="http://schemas.openxmlformats.org/officeDocument/2006/relationships" xmlns:p="http://schemas.openxmlformats.org/presentationml/2006/main" type="objOnly" preserve="1">
   <p:cSld name="Centered Text">
     <p:spTree>
       <p:nvGrpSpPr>
@@ -956,16 +1094,17 @@
           </a:prstGeom>
         </p:spPr>
         <p:txBody>
-          <a:bodyPr lIns="0" rIns="0" tIns="0" bIns="0" anchor="ctr"/>
+          <a:bodyPr lIns="0" tIns="0" rIns="0" bIns="0" anchor="ctr"/>
+          <a:lstStyle/>
           <a:p>
             <a:pPr algn="ctr"/>
-            <a:endParaRPr b="0" lang="en-US" sz="3200" spc="-1" strike="noStrike">
+            <a:endParaRPr lang="en-US" sz="3200" b="0" strike="noStrike" spc="-1">
               <a:solidFill>
                 <a:srgbClr val="000000"/>
               </a:solidFill>
               <a:uFill>
                 <a:solidFill>
-                  <a:srgbClr val="ffffff"/>
+                  <a:srgbClr val="FFFFFF"/>
                 </a:solidFill>
               </a:uFill>
               <a:latin typeface="Arial"/>
@@ -975,11 +1114,14 @@
       </p:sp>
     </p:spTree>
   </p:cSld>
+  <p:clrMapOvr>
+    <a:masterClrMapping/>
+  </p:clrMapOvr>
 </p:sldLayout>
 </file>
 
 <file path=ppt/slideLayouts/slideLayout7.xml><?xml version="1.0" encoding="utf-8"?>
-<p:sldLayout xmlns:a="http://schemas.openxmlformats.org/drawingml/2006/main" xmlns:p="http://schemas.openxmlformats.org/presentationml/2006/main" xmlns:r="http://schemas.openxmlformats.org/officeDocument/2006/relationships" xmlns:p14="http://schemas.microsoft.com/office/powerpoint/2010/main" xmlns:p15="http://schemas.microsoft.com/office/powerpoint/2012/main" xmlns:mc="http://schemas.openxmlformats.org/markup-compatibility/2006" type="twoObjAndObj" preserve="1">
+<p:sldLayout xmlns:a="http://schemas.openxmlformats.org/drawingml/2006/main" xmlns:r="http://schemas.openxmlformats.org/officeDocument/2006/relationships" xmlns:p="http://schemas.openxmlformats.org/presentationml/2006/main" type="twoObjAndObj" preserve="1">
   <p:cSld name="Title, 2 Content and Content">
     <p:spTree>
       <p:nvGrpSpPr>
@@ -1015,15 +1157,16 @@
           </a:prstGeom>
         </p:spPr>
         <p:txBody>
-          <a:bodyPr lIns="0" rIns="0" tIns="0" bIns="0" anchor="ctr"/>
-          <a:p>
-            <a:endParaRPr b="0" lang="en-US" sz="7169" spc="-1" strike="noStrike">
+          <a:bodyPr lIns="0" tIns="0" rIns="0" bIns="0" anchor="ctr"/>
+          <a:lstStyle/>
+          <a:p>
+            <a:endParaRPr lang="en-US" sz="7169" b="0" strike="noStrike" spc="-1">
               <a:solidFill>
                 <a:srgbClr val="000000"/>
               </a:solidFill>
               <a:uFill>
                 <a:solidFill>
-                  <a:srgbClr val="ffffff"/>
+                  <a:srgbClr val="FFFFFF"/>
                 </a:solidFill>
               </a:uFill>
               <a:latin typeface="Calibri"/>
@@ -1051,15 +1194,16 @@
           </a:prstGeom>
         </p:spPr>
         <p:txBody>
-          <a:bodyPr lIns="0" rIns="0" tIns="0" bIns="0"/>
-          <a:p>
-            <a:endParaRPr b="0" lang="en-US" sz="15400" spc="-1" strike="noStrike">
+          <a:bodyPr lIns="0" tIns="0" rIns="0" bIns="0"/>
+          <a:lstStyle/>
+          <a:p>
+            <a:endParaRPr lang="en-US" sz="15400" b="0" strike="noStrike" spc="-1">
               <a:solidFill>
                 <a:srgbClr val="000000"/>
               </a:solidFill>
               <a:uFill>
                 <a:solidFill>
-                  <a:srgbClr val="ffffff"/>
+                  <a:srgbClr val="FFFFFF"/>
                 </a:solidFill>
               </a:uFill>
               <a:latin typeface="Calibri"/>
@@ -1087,15 +1231,16 @@
           </a:prstGeom>
         </p:spPr>
         <p:txBody>
-          <a:bodyPr lIns="0" rIns="0" tIns="0" bIns="0"/>
-          <a:p>
-            <a:endParaRPr b="0" lang="en-US" sz="15400" spc="-1" strike="noStrike">
+          <a:bodyPr lIns="0" tIns="0" rIns="0" bIns="0"/>
+          <a:lstStyle/>
+          <a:p>
+            <a:endParaRPr lang="en-US" sz="15400" b="0" strike="noStrike" spc="-1">
               <a:solidFill>
                 <a:srgbClr val="000000"/>
               </a:solidFill>
               <a:uFill>
                 <a:solidFill>
-                  <a:srgbClr val="ffffff"/>
+                  <a:srgbClr val="FFFFFF"/>
                 </a:solidFill>
               </a:uFill>
               <a:latin typeface="Calibri"/>
@@ -1123,15 +1268,16 @@
           </a:prstGeom>
         </p:spPr>
         <p:txBody>
-          <a:bodyPr lIns="0" rIns="0" tIns="0" bIns="0"/>
-          <a:p>
-            <a:endParaRPr b="0" lang="en-US" sz="15400" spc="-1" strike="noStrike">
+          <a:bodyPr lIns="0" tIns="0" rIns="0" bIns="0"/>
+          <a:lstStyle/>
+          <a:p>
+            <a:endParaRPr lang="en-US" sz="15400" b="0" strike="noStrike" spc="-1">
               <a:solidFill>
                 <a:srgbClr val="000000"/>
               </a:solidFill>
               <a:uFill>
                 <a:solidFill>
-                  <a:srgbClr val="ffffff"/>
+                  <a:srgbClr val="FFFFFF"/>
                 </a:solidFill>
               </a:uFill>
               <a:latin typeface="Calibri"/>
@@ -1141,11 +1287,14 @@
       </p:sp>
     </p:spTree>
   </p:cSld>
+  <p:clrMapOvr>
+    <a:masterClrMapping/>
+  </p:clrMapOvr>
 </p:sldLayout>
 </file>
 
 <file path=ppt/slideLayouts/slideLayout8.xml><?xml version="1.0" encoding="utf-8"?>
-<p:sldLayout xmlns:a="http://schemas.openxmlformats.org/drawingml/2006/main" xmlns:p="http://schemas.openxmlformats.org/presentationml/2006/main" xmlns:r="http://schemas.openxmlformats.org/officeDocument/2006/relationships" xmlns:p14="http://schemas.microsoft.com/office/powerpoint/2010/main" xmlns:p15="http://schemas.microsoft.com/office/powerpoint/2012/main" xmlns:mc="http://schemas.openxmlformats.org/markup-compatibility/2006" type="objAndTwoObj" preserve="1">
+<p:sldLayout xmlns:a="http://schemas.openxmlformats.org/drawingml/2006/main" xmlns:r="http://schemas.openxmlformats.org/officeDocument/2006/relationships" xmlns:p="http://schemas.openxmlformats.org/presentationml/2006/main" type="objAndTwoObj" preserve="1">
   <p:cSld name="Title Content and 2 Content">
     <p:spTree>
       <p:nvGrpSpPr>
@@ -1181,15 +1330,16 @@
           </a:prstGeom>
         </p:spPr>
         <p:txBody>
-          <a:bodyPr lIns="0" rIns="0" tIns="0" bIns="0" anchor="ctr"/>
-          <a:p>
-            <a:endParaRPr b="0" lang="en-US" sz="7169" spc="-1" strike="noStrike">
+          <a:bodyPr lIns="0" tIns="0" rIns="0" bIns="0" anchor="ctr"/>
+          <a:lstStyle/>
+          <a:p>
+            <a:endParaRPr lang="en-US" sz="7169" b="0" strike="noStrike" spc="-1">
               <a:solidFill>
                 <a:srgbClr val="000000"/>
               </a:solidFill>
               <a:uFill>
                 <a:solidFill>
-                  <a:srgbClr val="ffffff"/>
+                  <a:srgbClr val="FFFFFF"/>
                 </a:solidFill>
               </a:uFill>
               <a:latin typeface="Calibri"/>
@@ -1217,15 +1367,16 @@
           </a:prstGeom>
         </p:spPr>
         <p:txBody>
-          <a:bodyPr lIns="0" rIns="0" tIns="0" bIns="0"/>
-          <a:p>
-            <a:endParaRPr b="0" lang="en-US" sz="15400" spc="-1" strike="noStrike">
+          <a:bodyPr lIns="0" tIns="0" rIns="0" bIns="0"/>
+          <a:lstStyle/>
+          <a:p>
+            <a:endParaRPr lang="en-US" sz="15400" b="0" strike="noStrike" spc="-1">
               <a:solidFill>
                 <a:srgbClr val="000000"/>
               </a:solidFill>
               <a:uFill>
                 <a:solidFill>
-                  <a:srgbClr val="ffffff"/>
+                  <a:srgbClr val="FFFFFF"/>
                 </a:solidFill>
               </a:uFill>
               <a:latin typeface="Calibri"/>
@@ -1253,15 +1404,16 @@
           </a:prstGeom>
         </p:spPr>
         <p:txBody>
-          <a:bodyPr lIns="0" rIns="0" tIns="0" bIns="0"/>
-          <a:p>
-            <a:endParaRPr b="0" lang="en-US" sz="15400" spc="-1" strike="noStrike">
+          <a:bodyPr lIns="0" tIns="0" rIns="0" bIns="0"/>
+          <a:lstStyle/>
+          <a:p>
+            <a:endParaRPr lang="en-US" sz="15400" b="0" strike="noStrike" spc="-1">
               <a:solidFill>
                 <a:srgbClr val="000000"/>
               </a:solidFill>
               <a:uFill>
                 <a:solidFill>
-                  <a:srgbClr val="ffffff"/>
+                  <a:srgbClr val="FFFFFF"/>
                 </a:solidFill>
               </a:uFill>
               <a:latin typeface="Calibri"/>
@@ -1289,15 +1441,16 @@
           </a:prstGeom>
         </p:spPr>
         <p:txBody>
-          <a:bodyPr lIns="0" rIns="0" tIns="0" bIns="0"/>
-          <a:p>
-            <a:endParaRPr b="0" lang="en-US" sz="15400" spc="-1" strike="noStrike">
+          <a:bodyPr lIns="0" tIns="0" rIns="0" bIns="0"/>
+          <a:lstStyle/>
+          <a:p>
+            <a:endParaRPr lang="en-US" sz="15400" b="0" strike="noStrike" spc="-1">
               <a:solidFill>
                 <a:srgbClr val="000000"/>
               </a:solidFill>
               <a:uFill>
                 <a:solidFill>
-                  <a:srgbClr val="ffffff"/>
+                  <a:srgbClr val="FFFFFF"/>
                 </a:solidFill>
               </a:uFill>
               <a:latin typeface="Calibri"/>
@@ -1307,11 +1460,14 @@
       </p:sp>
     </p:spTree>
   </p:cSld>
+  <p:clrMapOvr>
+    <a:masterClrMapping/>
+  </p:clrMapOvr>
 </p:sldLayout>
 </file>
 
 <file path=ppt/slideLayouts/slideLayout9.xml><?xml version="1.0" encoding="utf-8"?>
-<p:sldLayout xmlns:a="http://schemas.openxmlformats.org/drawingml/2006/main" xmlns:p="http://schemas.openxmlformats.org/presentationml/2006/main" xmlns:r="http://schemas.openxmlformats.org/officeDocument/2006/relationships" xmlns:p14="http://schemas.microsoft.com/office/powerpoint/2010/main" xmlns:p15="http://schemas.microsoft.com/office/powerpoint/2012/main" xmlns:mc="http://schemas.openxmlformats.org/markup-compatibility/2006" type="twoObjOverTx" preserve="1">
+<p:sldLayout xmlns:a="http://schemas.openxmlformats.org/drawingml/2006/main" xmlns:r="http://schemas.openxmlformats.org/officeDocument/2006/relationships" xmlns:p="http://schemas.openxmlformats.org/presentationml/2006/main" type="twoObjOverTx" preserve="1">
   <p:cSld name="Title, 2 Content over Content">
     <p:spTree>
       <p:nvGrpSpPr>
@@ -1347,15 +1503,16 @@
           </a:prstGeom>
         </p:spPr>
         <p:txBody>
-          <a:bodyPr lIns="0" rIns="0" tIns="0" bIns="0" anchor="ctr"/>
-          <a:p>
-            <a:endParaRPr b="0" lang="en-US" sz="7169" spc="-1" strike="noStrike">
+          <a:bodyPr lIns="0" tIns="0" rIns="0" bIns="0" anchor="ctr"/>
+          <a:lstStyle/>
+          <a:p>
+            <a:endParaRPr lang="en-US" sz="7169" b="0" strike="noStrike" spc="-1">
               <a:solidFill>
                 <a:srgbClr val="000000"/>
               </a:solidFill>
               <a:uFill>
                 <a:solidFill>
-                  <a:srgbClr val="ffffff"/>
+                  <a:srgbClr val="FFFFFF"/>
                 </a:solidFill>
               </a:uFill>
               <a:latin typeface="Calibri"/>
@@ -1383,15 +1540,16 @@
           </a:prstGeom>
         </p:spPr>
         <p:txBody>
-          <a:bodyPr lIns="0" rIns="0" tIns="0" bIns="0"/>
-          <a:p>
-            <a:endParaRPr b="0" lang="en-US" sz="15400" spc="-1" strike="noStrike">
+          <a:bodyPr lIns="0" tIns="0" rIns="0" bIns="0"/>
+          <a:lstStyle/>
+          <a:p>
+            <a:endParaRPr lang="en-US" sz="15400" b="0" strike="noStrike" spc="-1">
               <a:solidFill>
                 <a:srgbClr val="000000"/>
               </a:solidFill>
               <a:uFill>
                 <a:solidFill>
-                  <a:srgbClr val="ffffff"/>
+                  <a:srgbClr val="FFFFFF"/>
                 </a:solidFill>
               </a:uFill>
               <a:latin typeface="Calibri"/>
@@ -1419,15 +1577,16 @@
           </a:prstGeom>
         </p:spPr>
         <p:txBody>
-          <a:bodyPr lIns="0" rIns="0" tIns="0" bIns="0"/>
-          <a:p>
-            <a:endParaRPr b="0" lang="en-US" sz="15400" spc="-1" strike="noStrike">
+          <a:bodyPr lIns="0" tIns="0" rIns="0" bIns="0"/>
+          <a:lstStyle/>
+          <a:p>
+            <a:endParaRPr lang="en-US" sz="15400" b="0" strike="noStrike" spc="-1">
               <a:solidFill>
                 <a:srgbClr val="000000"/>
               </a:solidFill>
               <a:uFill>
                 <a:solidFill>
-                  <a:srgbClr val="ffffff"/>
+                  <a:srgbClr val="FFFFFF"/>
                 </a:solidFill>
               </a:uFill>
               <a:latin typeface="Calibri"/>
@@ -1455,15 +1614,16 @@
           </a:prstGeom>
         </p:spPr>
         <p:txBody>
-          <a:bodyPr lIns="0" rIns="0" tIns="0" bIns="0"/>
-          <a:p>
-            <a:endParaRPr b="0" lang="en-US" sz="15400" spc="-1" strike="noStrike">
+          <a:bodyPr lIns="0" tIns="0" rIns="0" bIns="0"/>
+          <a:lstStyle/>
+          <a:p>
+            <a:endParaRPr lang="en-US" sz="15400" b="0" strike="noStrike" spc="-1">
               <a:solidFill>
                 <a:srgbClr val="000000"/>
               </a:solidFill>
               <a:uFill>
                 <a:solidFill>
-                  <a:srgbClr val="ffffff"/>
+                  <a:srgbClr val="FFFFFF"/>
                 </a:solidFill>
               </a:uFill>
               <a:latin typeface="Calibri"/>
@@ -1473,17 +1633,21 @@
       </p:sp>
     </p:spTree>
   </p:cSld>
+  <p:clrMapOvr>
+    <a:masterClrMapping/>
+  </p:clrMapOvr>
 </p:sldLayout>
 </file>
 
 <file path=ppt/slideMasters/slideMaster1.xml><?xml version="1.0" encoding="utf-8"?>
-<p:sldMaster xmlns:a="http://schemas.openxmlformats.org/drawingml/2006/main" xmlns:p="http://schemas.openxmlformats.org/presentationml/2006/main" xmlns:r="http://schemas.openxmlformats.org/officeDocument/2006/relationships" xmlns:p14="http://schemas.microsoft.com/office/powerpoint/2010/main" xmlns:p15="http://schemas.microsoft.com/office/powerpoint/2012/main" xmlns:mc="http://schemas.openxmlformats.org/markup-compatibility/2006">
+<p:sldMaster xmlns:a="http://schemas.openxmlformats.org/drawingml/2006/main" xmlns:r="http://schemas.openxmlformats.org/officeDocument/2006/relationships" xmlns:p="http://schemas.openxmlformats.org/presentationml/2006/main">
   <p:cSld>
     <p:bg>
       <p:bgPr>
         <a:solidFill>
-          <a:srgbClr val="ffffff"/>
+          <a:srgbClr val="FFFFFF"/>
         </a:solidFill>
+        <a:effectLst/>
       </p:bgPr>
     </p:bg>
     <p:spTree>
@@ -1502,7 +1666,7 @@
       </p:grpSpPr>
       <p:sp>
         <p:nvSpPr>
-          <p:cNvPr id="0" name="PlaceHolder 1"/>
+          <p:cNvPr id="5" name="PlaceHolder 1"/>
           <p:cNvSpPr>
             <a:spLocks noGrp="1"/>
           </p:cNvSpPr>
@@ -1520,7 +1684,8 @@
           </a:prstGeom>
         </p:spPr>
         <p:txBody>
-          <a:bodyPr lIns="438840" rIns="438840" tIns="219600" bIns="219600" anchor="ctr"/>
+          <a:bodyPr lIns="438840" tIns="219600" rIns="438840" bIns="219600" anchor="ctr"/>
+          <a:lstStyle/>
           <a:p>
             <a:pPr algn="ctr">
               <a:lnSpc>
@@ -1528,26 +1693,26 @@
               </a:lnSpc>
             </a:pPr>
             <a:r>
-              <a:rPr b="0" lang="en-US" sz="21100" spc="-1" strike="noStrike">
+              <a:rPr lang="en-US" sz="21100" b="0" strike="noStrike" spc="-1">
                 <a:solidFill>
                   <a:srgbClr val="000000"/>
                 </a:solidFill>
                 <a:uFill>
                   <a:solidFill>
-                    <a:srgbClr val="ffffff"/>
+                    <a:srgbClr val="FFFFFF"/>
                   </a:solidFill>
                 </a:uFill>
                 <a:latin typeface="Calibri"/>
               </a:rPr>
               <a:t>Click to edit Master title style</a:t>
             </a:r>
-            <a:endParaRPr b="0" lang="en-US" sz="7169" spc="-1" strike="noStrike">
+            <a:endParaRPr lang="en-US" sz="7169" b="0" strike="noStrike" spc="-1">
               <a:solidFill>
                 <a:srgbClr val="000000"/>
               </a:solidFill>
               <a:uFill>
                 <a:solidFill>
-                  <a:srgbClr val="ffffff"/>
+                  <a:srgbClr val="FFFFFF"/>
                 </a:solidFill>
               </a:uFill>
               <a:latin typeface="Calibri"/>
@@ -1557,7 +1722,7 @@
       </p:sp>
       <p:sp>
         <p:nvSpPr>
-          <p:cNvPr id="1" name="PlaceHolder 2"/>
+          <p:cNvPr id="6" name="PlaceHolder 2"/>
           <p:cNvSpPr>
             <a:spLocks noGrp="1"/>
           </p:cNvSpPr>
@@ -1575,7 +1740,8 @@
           </a:prstGeom>
         </p:spPr>
         <p:txBody>
-          <a:bodyPr lIns="438840" rIns="438840" tIns="219600" bIns="219600" anchor="ctr"/>
+          <a:bodyPr lIns="438840" tIns="219600" rIns="438840" bIns="219600" anchor="ctr"/>
+          <a:lstStyle/>
           <a:p>
             <a:pPr>
               <a:lnSpc>
@@ -1583,26 +1749,26 @@
               </a:lnSpc>
             </a:pPr>
             <a:r>
-              <a:rPr b="0" lang="en-US" sz="5800" spc="-1" strike="noStrike">
-                <a:solidFill>
-                  <a:srgbClr val="8b8b8b"/>
+              <a:rPr lang="en-US" sz="5800" b="0" strike="noStrike" spc="-1">
+                <a:solidFill>
+                  <a:srgbClr val="8B8B8B"/>
                 </a:solidFill>
                 <a:uFill>
                   <a:solidFill>
-                    <a:srgbClr val="ffffff"/>
+                    <a:srgbClr val="FFFFFF"/>
                   </a:solidFill>
                 </a:uFill>
                 <a:latin typeface="Calibri"/>
               </a:rPr>
               <a:t>5/3/18</a:t>
             </a:r>
-            <a:endParaRPr b="0" lang="en-US" sz="5800" spc="-1" strike="noStrike">
+            <a:endParaRPr lang="en-US" sz="5800" b="0" strike="noStrike" spc="-1">
               <a:solidFill>
                 <a:srgbClr val="000000"/>
               </a:solidFill>
               <a:uFill>
                 <a:solidFill>
-                  <a:srgbClr val="ffffff"/>
+                  <a:srgbClr val="FFFFFF"/>
                 </a:solidFill>
               </a:uFill>
               <a:latin typeface="Times New Roman"/>
@@ -1630,15 +1796,16 @@
           </a:prstGeom>
         </p:spPr>
         <p:txBody>
-          <a:bodyPr lIns="438840" rIns="438840" tIns="219600" bIns="219600" anchor="ctr"/>
-          <a:p>
-            <a:endParaRPr b="0" lang="en-US" sz="2400" spc="-1" strike="noStrike">
+          <a:bodyPr lIns="438840" tIns="219600" rIns="438840" bIns="219600" anchor="ctr"/>
+          <a:lstStyle/>
+          <a:p>
+            <a:endParaRPr lang="en-US" sz="2400" b="0" strike="noStrike" spc="-1">
               <a:solidFill>
                 <a:srgbClr val="000000"/>
               </a:solidFill>
               <a:uFill>
                 <a:solidFill>
-                  <a:srgbClr val="ffffff"/>
+                  <a:srgbClr val="FFFFFF"/>
                 </a:solidFill>
               </a:uFill>
               <a:latin typeface="Times New Roman"/>
@@ -1666,7 +1833,8 @@
           </a:prstGeom>
         </p:spPr>
         <p:txBody>
-          <a:bodyPr lIns="438840" rIns="438840" tIns="219600" bIns="219600" anchor="ctr"/>
+          <a:bodyPr lIns="438840" tIns="219600" rIns="438840" bIns="219600" anchor="ctr"/>
+          <a:lstStyle/>
           <a:p>
             <a:pPr algn="r">
               <a:lnSpc>
@@ -1674,26 +1842,26 @@
               </a:lnSpc>
             </a:pPr>
             <a:fld id="{660FDA36-D3C8-4325-8F0B-88E2E943A8CB}" type="slidenum">
-              <a:rPr b="0" lang="en-US" sz="5800" spc="-1" strike="noStrike">
-                <a:solidFill>
-                  <a:srgbClr val="8b8b8b"/>
+              <a:rPr lang="en-US" sz="5800" b="0" strike="noStrike" spc="-1">
+                <a:solidFill>
+                  <a:srgbClr val="8B8B8B"/>
                 </a:solidFill>
                 <a:uFill>
                   <a:solidFill>
-                    <a:srgbClr val="ffffff"/>
+                    <a:srgbClr val="FFFFFF"/>
                   </a:solidFill>
                 </a:uFill>
                 <a:latin typeface="Calibri"/>
               </a:rPr>
-              <a:t>&lt;number&gt;</a:t>
+              <a:t>‹#›</a:t>
             </a:fld>
-            <a:endParaRPr b="0" lang="en-US" sz="5800" spc="-1" strike="noStrike">
+            <a:endParaRPr lang="en-US" sz="5800" b="0" strike="noStrike" spc="-1">
               <a:solidFill>
                 <a:srgbClr val="000000"/>
               </a:solidFill>
               <a:uFill>
                 <a:solidFill>
-                  <a:srgbClr val="ffffff"/>
+                  <a:srgbClr val="FFFFFF"/>
                 </a:solidFill>
               </a:uFill>
               <a:latin typeface="Times New Roman"/>
@@ -1721,7 +1889,8 @@
           </a:prstGeom>
         </p:spPr>
         <p:txBody>
-          <a:bodyPr lIns="0" rIns="0" tIns="0" bIns="0"/>
+          <a:bodyPr lIns="0" tIns="0" rIns="0" bIns="0"/>
+          <a:lstStyle/>
           <a:p>
             <a:pPr marL="432000" indent="-324000">
               <a:buClr>
@@ -1732,33 +1901,22 @@
               <a:buChar char=""/>
             </a:pPr>
             <a:r>
-              <a:rPr b="0" lang="en-US" sz="15400" spc="-1" strike="noStrike">
+              <a:rPr lang="en-US" sz="15400" b="0" strike="noStrike" spc="-1">
                 <a:solidFill>
                   <a:srgbClr val="000000"/>
                 </a:solidFill>
                 <a:uFill>
                   <a:solidFill>
-                    <a:srgbClr val="ffffff"/>
+                    <a:srgbClr val="FFFFFF"/>
                   </a:solidFill>
                 </a:uFill>
                 <a:latin typeface="Calibri"/>
               </a:rPr>
               <a:t>Click to edit the outline text format</a:t>
             </a:r>
-            <a:endParaRPr b="0" lang="en-US" sz="15400" spc="-1" strike="noStrike">
-              <a:solidFill>
-                <a:srgbClr val="000000"/>
-              </a:solidFill>
-              <a:uFill>
-                <a:solidFill>
-                  <a:srgbClr val="ffffff"/>
-                </a:solidFill>
-              </a:uFill>
-              <a:latin typeface="Calibri"/>
-            </a:endParaRPr>
-          </a:p>
-          <a:p>
-            <a:pPr lvl="1" marL="864000" indent="-324000">
+          </a:p>
+          <a:p>
+            <a:pPr marL="864000" lvl="1" indent="-324000">
               <a:buClr>
                 <a:srgbClr val="000000"/>
               </a:buClr>
@@ -1767,33 +1925,22 @@
               <a:buChar char=""/>
             </a:pPr>
             <a:r>
-              <a:rPr b="0" lang="en-US" sz="11500" spc="-1" strike="noStrike">
+              <a:rPr lang="en-US" sz="11500" b="0" strike="noStrike" spc="-1">
                 <a:solidFill>
                   <a:srgbClr val="000000"/>
                 </a:solidFill>
                 <a:uFill>
                   <a:solidFill>
-                    <a:srgbClr val="ffffff"/>
+                    <a:srgbClr val="FFFFFF"/>
                   </a:solidFill>
                 </a:uFill>
                 <a:latin typeface="Calibri"/>
               </a:rPr>
               <a:t>Second Outline Level</a:t>
             </a:r>
-            <a:endParaRPr b="0" lang="en-US" sz="11500" spc="-1" strike="noStrike">
-              <a:solidFill>
-                <a:srgbClr val="000000"/>
-              </a:solidFill>
-              <a:uFill>
-                <a:solidFill>
-                  <a:srgbClr val="ffffff"/>
-                </a:solidFill>
-              </a:uFill>
-              <a:latin typeface="Calibri"/>
-            </a:endParaRPr>
-          </a:p>
-          <a:p>
-            <a:pPr lvl="2" marL="1296000" indent="-288000">
+          </a:p>
+          <a:p>
+            <a:pPr marL="1296000" lvl="2" indent="-288000">
               <a:buClr>
                 <a:srgbClr val="000000"/>
               </a:buClr>
@@ -1802,33 +1949,22 @@
               <a:buChar char=""/>
             </a:pPr>
             <a:r>
-              <a:rPr b="0" lang="en-US" sz="9600" spc="-1" strike="noStrike">
+              <a:rPr lang="en-US" sz="9600" b="0" strike="noStrike" spc="-1">
                 <a:solidFill>
                   <a:srgbClr val="000000"/>
                 </a:solidFill>
                 <a:uFill>
                   <a:solidFill>
-                    <a:srgbClr val="ffffff"/>
+                    <a:srgbClr val="FFFFFF"/>
                   </a:solidFill>
                 </a:uFill>
                 <a:latin typeface="Calibri"/>
               </a:rPr>
               <a:t>Third Outline Level</a:t>
             </a:r>
-            <a:endParaRPr b="0" lang="en-US" sz="9600" spc="-1" strike="noStrike">
-              <a:solidFill>
-                <a:srgbClr val="000000"/>
-              </a:solidFill>
-              <a:uFill>
-                <a:solidFill>
-                  <a:srgbClr val="ffffff"/>
-                </a:solidFill>
-              </a:uFill>
-              <a:latin typeface="Calibri"/>
-            </a:endParaRPr>
-          </a:p>
-          <a:p>
-            <a:pPr lvl="3" marL="1728000" indent="-216000">
+          </a:p>
+          <a:p>
+            <a:pPr marL="1728000" lvl="3" indent="-216000">
               <a:buClr>
                 <a:srgbClr val="000000"/>
               </a:buClr>
@@ -1837,33 +1973,22 @@
               <a:buChar char=""/>
             </a:pPr>
             <a:r>
-              <a:rPr b="0" lang="en-US" sz="9600" spc="-1" strike="noStrike">
+              <a:rPr lang="en-US" sz="9600" b="0" strike="noStrike" spc="-1">
                 <a:solidFill>
                   <a:srgbClr val="000000"/>
                 </a:solidFill>
                 <a:uFill>
                   <a:solidFill>
-                    <a:srgbClr val="ffffff"/>
+                    <a:srgbClr val="FFFFFF"/>
                   </a:solidFill>
                 </a:uFill>
                 <a:latin typeface="Calibri"/>
               </a:rPr>
               <a:t>Fourth Outline Level</a:t>
             </a:r>
-            <a:endParaRPr b="0" lang="en-US" sz="9600" spc="-1" strike="noStrike">
-              <a:solidFill>
-                <a:srgbClr val="000000"/>
-              </a:solidFill>
-              <a:uFill>
-                <a:solidFill>
-                  <a:srgbClr val="ffffff"/>
-                </a:solidFill>
-              </a:uFill>
-              <a:latin typeface="Calibri"/>
-            </a:endParaRPr>
-          </a:p>
-          <a:p>
-            <a:pPr lvl="4" marL="2160000" indent="-216000">
+          </a:p>
+          <a:p>
+            <a:pPr marL="2160000" lvl="4" indent="-216000">
               <a:buClr>
                 <a:srgbClr val="000000"/>
               </a:buClr>
@@ -1872,33 +1997,22 @@
               <a:buChar char=""/>
             </a:pPr>
             <a:r>
-              <a:rPr b="0" lang="en-US" sz="2000" spc="-1" strike="noStrike">
+              <a:rPr lang="en-US" sz="2000" b="0" strike="noStrike" spc="-1">
                 <a:solidFill>
                   <a:srgbClr val="000000"/>
                 </a:solidFill>
                 <a:uFill>
                   <a:solidFill>
-                    <a:srgbClr val="ffffff"/>
+                    <a:srgbClr val="FFFFFF"/>
                   </a:solidFill>
                 </a:uFill>
                 <a:latin typeface="Calibri"/>
               </a:rPr>
               <a:t>Fifth Outline Level</a:t>
             </a:r>
-            <a:endParaRPr b="0" lang="en-US" sz="2000" spc="-1" strike="noStrike">
-              <a:solidFill>
-                <a:srgbClr val="000000"/>
-              </a:solidFill>
-              <a:uFill>
-                <a:solidFill>
-                  <a:srgbClr val="ffffff"/>
-                </a:solidFill>
-              </a:uFill>
-              <a:latin typeface="Calibri"/>
-            </a:endParaRPr>
-          </a:p>
-          <a:p>
-            <a:pPr lvl="5" marL="2592000" indent="-216000">
+          </a:p>
+          <a:p>
+            <a:pPr marL="2592000" lvl="5" indent="-216000">
               <a:buClr>
                 <a:srgbClr val="000000"/>
               </a:buClr>
@@ -1907,33 +2021,22 @@
               <a:buChar char=""/>
             </a:pPr>
             <a:r>
-              <a:rPr b="0" lang="en-US" sz="2000" spc="-1" strike="noStrike">
+              <a:rPr lang="en-US" sz="2000" b="0" strike="noStrike" spc="-1">
                 <a:solidFill>
                   <a:srgbClr val="000000"/>
                 </a:solidFill>
                 <a:uFill>
                   <a:solidFill>
-                    <a:srgbClr val="ffffff"/>
+                    <a:srgbClr val="FFFFFF"/>
                   </a:solidFill>
                 </a:uFill>
                 <a:latin typeface="Calibri"/>
               </a:rPr>
               <a:t>Sixth Outline Level</a:t>
             </a:r>
-            <a:endParaRPr b="0" lang="en-US" sz="2000" spc="-1" strike="noStrike">
-              <a:solidFill>
-                <a:srgbClr val="000000"/>
-              </a:solidFill>
-              <a:uFill>
-                <a:solidFill>
-                  <a:srgbClr val="ffffff"/>
-                </a:solidFill>
-              </a:uFill>
-              <a:latin typeface="Calibri"/>
-            </a:endParaRPr>
-          </a:p>
-          <a:p>
-            <a:pPr lvl="6" marL="3024000" indent="-216000">
+          </a:p>
+          <a:p>
+            <a:pPr marL="3024000" lvl="6" indent="-216000">
               <a:buClr>
                 <a:srgbClr val="000000"/>
               </a:buClr>
@@ -1942,61 +2045,331 @@
               <a:buChar char=""/>
             </a:pPr>
             <a:r>
-              <a:rPr b="0" lang="en-US" sz="2000" spc="-1" strike="noStrike">
+              <a:rPr lang="en-US" sz="2000" b="0" strike="noStrike" spc="-1">
                 <a:solidFill>
                   <a:srgbClr val="000000"/>
                 </a:solidFill>
                 <a:uFill>
                   <a:solidFill>
-                    <a:srgbClr val="ffffff"/>
+                    <a:srgbClr val="FFFFFF"/>
                   </a:solidFill>
                 </a:uFill>
                 <a:latin typeface="Calibri"/>
               </a:rPr>
               <a:t>Seventh Outline Level</a:t>
             </a:r>
-            <a:endParaRPr b="0" lang="en-US" sz="2000" spc="-1" strike="noStrike">
-              <a:solidFill>
-                <a:srgbClr val="000000"/>
-              </a:solidFill>
-              <a:uFill>
-                <a:solidFill>
-                  <a:srgbClr val="ffffff"/>
-                </a:solidFill>
-              </a:uFill>
-              <a:latin typeface="Calibri"/>
-            </a:endParaRPr>
           </a:p>
         </p:txBody>
       </p:sp>
     </p:spTree>
   </p:cSld>
-  <p:clrMap bg1="lt1" bg2="lt2" tx1="dk1" tx2="dk2" accent1="accent1" accent2="accent2" accent3="accent3" accent4="accent4" accent5="accent5" accent6="accent6" hlink="hlink" folHlink="folHlink"/>
+  <p:clrMap bg1="lt1" tx1="dk1" bg2="lt2" tx2="dk2" accent1="accent1" accent2="accent2" accent3="accent3" accent4="accent4" accent5="accent5" accent6="accent6" hlink="hlink" folHlink="folHlink"/>
   <p:sldLayoutIdLst>
-    <p:sldLayoutId id="2147483649" r:id="rId2"/>
-    <p:sldLayoutId id="2147483650" r:id="rId3"/>
-    <p:sldLayoutId id="2147483651" r:id="rId4"/>
-    <p:sldLayoutId id="2147483652" r:id="rId5"/>
-    <p:sldLayoutId id="2147483653" r:id="rId6"/>
-    <p:sldLayoutId id="2147483654" r:id="rId7"/>
-    <p:sldLayoutId id="2147483655" r:id="rId8"/>
-    <p:sldLayoutId id="2147483656" r:id="rId9"/>
-    <p:sldLayoutId id="2147483657" r:id="rId10"/>
-    <p:sldLayoutId id="2147483658" r:id="rId11"/>
-    <p:sldLayoutId id="2147483659" r:id="rId12"/>
-    <p:sldLayoutId id="2147483660" r:id="rId13"/>
+    <p:sldLayoutId id="2147483649" r:id="rId1"/>
+    <p:sldLayoutId id="2147483650" r:id="rId2"/>
+    <p:sldLayoutId id="2147483651" r:id="rId3"/>
+    <p:sldLayoutId id="2147483652" r:id="rId4"/>
+    <p:sldLayoutId id="2147483653" r:id="rId5"/>
+    <p:sldLayoutId id="2147483654" r:id="rId6"/>
+    <p:sldLayoutId id="2147483655" r:id="rId7"/>
+    <p:sldLayoutId id="2147483656" r:id="rId8"/>
+    <p:sldLayoutId id="2147483657" r:id="rId9"/>
+    <p:sldLayoutId id="2147483658" r:id="rId10"/>
+    <p:sldLayoutId id="2147483659" r:id="rId11"/>
+    <p:sldLayoutId id="2147483660" r:id="rId12"/>
   </p:sldLayoutIdLst>
+  <p:txStyles>
+    <p:titleStyle>
+      <a:lvl1pPr algn="l" defTabSz="914400" rtl="0" eaLnBrk="1" latinLnBrk="0" hangingPunct="1">
+        <a:lnSpc>
+          <a:spcPct val="90000"/>
+        </a:lnSpc>
+        <a:spcBef>
+          <a:spcPct val="0"/>
+        </a:spcBef>
+        <a:buNone/>
+        <a:defRPr sz="4400" kern="1200">
+          <a:solidFill>
+            <a:schemeClr val="tx1"/>
+          </a:solidFill>
+          <a:latin typeface="+mj-lt"/>
+          <a:ea typeface="+mj-ea"/>
+          <a:cs typeface="+mj-cs"/>
+        </a:defRPr>
+      </a:lvl1pPr>
+    </p:titleStyle>
+    <p:bodyStyle>
+      <a:lvl1pPr marL="228600" indent="-228600" algn="l" defTabSz="914400" rtl="0" eaLnBrk="1" latinLnBrk="0" hangingPunct="1">
+        <a:lnSpc>
+          <a:spcPct val="90000"/>
+        </a:lnSpc>
+        <a:spcBef>
+          <a:spcPts val="1000"/>
+        </a:spcBef>
+        <a:buFont typeface="Arial" panose="020B0604020202020204" pitchFamily="34" charset="0"/>
+        <a:buChar char="•"/>
+        <a:defRPr sz="2800" kern="1200">
+          <a:solidFill>
+            <a:schemeClr val="tx1"/>
+          </a:solidFill>
+          <a:latin typeface="+mn-lt"/>
+          <a:ea typeface="+mn-ea"/>
+          <a:cs typeface="+mn-cs"/>
+        </a:defRPr>
+      </a:lvl1pPr>
+      <a:lvl2pPr marL="685800" indent="-228600" algn="l" defTabSz="914400" rtl="0" eaLnBrk="1" latinLnBrk="0" hangingPunct="1">
+        <a:lnSpc>
+          <a:spcPct val="90000"/>
+        </a:lnSpc>
+        <a:spcBef>
+          <a:spcPts val="500"/>
+        </a:spcBef>
+        <a:buFont typeface="Arial" panose="020B0604020202020204" pitchFamily="34" charset="0"/>
+        <a:buChar char="•"/>
+        <a:defRPr sz="2400" kern="1200">
+          <a:solidFill>
+            <a:schemeClr val="tx1"/>
+          </a:solidFill>
+          <a:latin typeface="+mn-lt"/>
+          <a:ea typeface="+mn-ea"/>
+          <a:cs typeface="+mn-cs"/>
+        </a:defRPr>
+      </a:lvl2pPr>
+      <a:lvl3pPr marL="1143000" indent="-228600" algn="l" defTabSz="914400" rtl="0" eaLnBrk="1" latinLnBrk="0" hangingPunct="1">
+        <a:lnSpc>
+          <a:spcPct val="90000"/>
+        </a:lnSpc>
+        <a:spcBef>
+          <a:spcPts val="500"/>
+        </a:spcBef>
+        <a:buFont typeface="Arial" panose="020B0604020202020204" pitchFamily="34" charset="0"/>
+        <a:buChar char="•"/>
+        <a:defRPr sz="2000" kern="1200">
+          <a:solidFill>
+            <a:schemeClr val="tx1"/>
+          </a:solidFill>
+          <a:latin typeface="+mn-lt"/>
+          <a:ea typeface="+mn-ea"/>
+          <a:cs typeface="+mn-cs"/>
+        </a:defRPr>
+      </a:lvl3pPr>
+      <a:lvl4pPr marL="1600200" indent="-228600" algn="l" defTabSz="914400" rtl="0" eaLnBrk="1" latinLnBrk="0" hangingPunct="1">
+        <a:lnSpc>
+          <a:spcPct val="90000"/>
+        </a:lnSpc>
+        <a:spcBef>
+          <a:spcPts val="500"/>
+        </a:spcBef>
+        <a:buFont typeface="Arial" panose="020B0604020202020204" pitchFamily="34" charset="0"/>
+        <a:buChar char="•"/>
+        <a:defRPr sz="1800" kern="1200">
+          <a:solidFill>
+            <a:schemeClr val="tx1"/>
+          </a:solidFill>
+          <a:latin typeface="+mn-lt"/>
+          <a:ea typeface="+mn-ea"/>
+          <a:cs typeface="+mn-cs"/>
+        </a:defRPr>
+      </a:lvl4pPr>
+      <a:lvl5pPr marL="2057400" indent="-228600" algn="l" defTabSz="914400" rtl="0" eaLnBrk="1" latinLnBrk="0" hangingPunct="1">
+        <a:lnSpc>
+          <a:spcPct val="90000"/>
+        </a:lnSpc>
+        <a:spcBef>
+          <a:spcPts val="500"/>
+        </a:spcBef>
+        <a:buFont typeface="Arial" panose="020B0604020202020204" pitchFamily="34" charset="0"/>
+        <a:buChar char="•"/>
+        <a:defRPr sz="1800" kern="1200">
+          <a:solidFill>
+            <a:schemeClr val="tx1"/>
+          </a:solidFill>
+          <a:latin typeface="+mn-lt"/>
+          <a:ea typeface="+mn-ea"/>
+          <a:cs typeface="+mn-cs"/>
+        </a:defRPr>
+      </a:lvl5pPr>
+      <a:lvl6pPr marL="2514600" indent="-228600" algn="l" defTabSz="914400" rtl="0" eaLnBrk="1" latinLnBrk="0" hangingPunct="1">
+        <a:lnSpc>
+          <a:spcPct val="90000"/>
+        </a:lnSpc>
+        <a:spcBef>
+          <a:spcPts val="500"/>
+        </a:spcBef>
+        <a:buFont typeface="Arial" panose="020B0604020202020204" pitchFamily="34" charset="0"/>
+        <a:buChar char="•"/>
+        <a:defRPr sz="1800" kern="1200">
+          <a:solidFill>
+            <a:schemeClr val="tx1"/>
+          </a:solidFill>
+          <a:latin typeface="+mn-lt"/>
+          <a:ea typeface="+mn-ea"/>
+          <a:cs typeface="+mn-cs"/>
+        </a:defRPr>
+      </a:lvl6pPr>
+      <a:lvl7pPr marL="2971800" indent="-228600" algn="l" defTabSz="914400" rtl="0" eaLnBrk="1" latinLnBrk="0" hangingPunct="1">
+        <a:lnSpc>
+          <a:spcPct val="90000"/>
+        </a:lnSpc>
+        <a:spcBef>
+          <a:spcPts val="500"/>
+        </a:spcBef>
+        <a:buFont typeface="Arial" panose="020B0604020202020204" pitchFamily="34" charset="0"/>
+        <a:buChar char="•"/>
+        <a:defRPr sz="1800" kern="1200">
+          <a:solidFill>
+            <a:schemeClr val="tx1"/>
+          </a:solidFill>
+          <a:latin typeface="+mn-lt"/>
+          <a:ea typeface="+mn-ea"/>
+          <a:cs typeface="+mn-cs"/>
+        </a:defRPr>
+      </a:lvl7pPr>
+      <a:lvl8pPr marL="3429000" indent="-228600" algn="l" defTabSz="914400" rtl="0" eaLnBrk="1" latinLnBrk="0" hangingPunct="1">
+        <a:lnSpc>
+          <a:spcPct val="90000"/>
+        </a:lnSpc>
+        <a:spcBef>
+          <a:spcPts val="500"/>
+        </a:spcBef>
+        <a:buFont typeface="Arial" panose="020B0604020202020204" pitchFamily="34" charset="0"/>
+        <a:buChar char="•"/>
+        <a:defRPr sz="1800" kern="1200">
+          <a:solidFill>
+            <a:schemeClr val="tx1"/>
+          </a:solidFill>
+          <a:latin typeface="+mn-lt"/>
+          <a:ea typeface="+mn-ea"/>
+          <a:cs typeface="+mn-cs"/>
+        </a:defRPr>
+      </a:lvl8pPr>
+      <a:lvl9pPr marL="3886200" indent="-228600" algn="l" defTabSz="914400" rtl="0" eaLnBrk="1" latinLnBrk="0" hangingPunct="1">
+        <a:lnSpc>
+          <a:spcPct val="90000"/>
+        </a:lnSpc>
+        <a:spcBef>
+          <a:spcPts val="500"/>
+        </a:spcBef>
+        <a:buFont typeface="Arial" panose="020B0604020202020204" pitchFamily="34" charset="0"/>
+        <a:buChar char="•"/>
+        <a:defRPr sz="1800" kern="1200">
+          <a:solidFill>
+            <a:schemeClr val="tx1"/>
+          </a:solidFill>
+          <a:latin typeface="+mn-lt"/>
+          <a:ea typeface="+mn-ea"/>
+          <a:cs typeface="+mn-cs"/>
+        </a:defRPr>
+      </a:lvl9pPr>
+    </p:bodyStyle>
+    <p:otherStyle>
+      <a:defPPr>
+        <a:defRPr lang="en-US"/>
+      </a:defPPr>
+      <a:lvl1pPr marL="0" algn="l" defTabSz="914400" rtl="0" eaLnBrk="1" latinLnBrk="0" hangingPunct="1">
+        <a:defRPr sz="1800" kern="1200">
+          <a:solidFill>
+            <a:schemeClr val="tx1"/>
+          </a:solidFill>
+          <a:latin typeface="+mn-lt"/>
+          <a:ea typeface="+mn-ea"/>
+          <a:cs typeface="+mn-cs"/>
+        </a:defRPr>
+      </a:lvl1pPr>
+      <a:lvl2pPr marL="457200" algn="l" defTabSz="914400" rtl="0" eaLnBrk="1" latinLnBrk="0" hangingPunct="1">
+        <a:defRPr sz="1800" kern="1200">
+          <a:solidFill>
+            <a:schemeClr val="tx1"/>
+          </a:solidFill>
+          <a:latin typeface="+mn-lt"/>
+          <a:ea typeface="+mn-ea"/>
+          <a:cs typeface="+mn-cs"/>
+        </a:defRPr>
+      </a:lvl2pPr>
+      <a:lvl3pPr marL="914400" algn="l" defTabSz="914400" rtl="0" eaLnBrk="1" latinLnBrk="0" hangingPunct="1">
+        <a:defRPr sz="1800" kern="1200">
+          <a:solidFill>
+            <a:schemeClr val="tx1"/>
+          </a:solidFill>
+          <a:latin typeface="+mn-lt"/>
+          <a:ea typeface="+mn-ea"/>
+          <a:cs typeface="+mn-cs"/>
+        </a:defRPr>
+      </a:lvl3pPr>
+      <a:lvl4pPr marL="1371600" algn="l" defTabSz="914400" rtl="0" eaLnBrk="1" latinLnBrk="0" hangingPunct="1">
+        <a:defRPr sz="1800" kern="1200">
+          <a:solidFill>
+            <a:schemeClr val="tx1"/>
+          </a:solidFill>
+          <a:latin typeface="+mn-lt"/>
+          <a:ea typeface="+mn-ea"/>
+          <a:cs typeface="+mn-cs"/>
+        </a:defRPr>
+      </a:lvl4pPr>
+      <a:lvl5pPr marL="1828800" algn="l" defTabSz="914400" rtl="0" eaLnBrk="1" latinLnBrk="0" hangingPunct="1">
+        <a:defRPr sz="1800" kern="1200">
+          <a:solidFill>
+            <a:schemeClr val="tx1"/>
+          </a:solidFill>
+          <a:latin typeface="+mn-lt"/>
+          <a:ea typeface="+mn-ea"/>
+          <a:cs typeface="+mn-cs"/>
+        </a:defRPr>
+      </a:lvl5pPr>
+      <a:lvl6pPr marL="2286000" algn="l" defTabSz="914400" rtl="0" eaLnBrk="1" latinLnBrk="0" hangingPunct="1">
+        <a:defRPr sz="1800" kern="1200">
+          <a:solidFill>
+            <a:schemeClr val="tx1"/>
+          </a:solidFill>
+          <a:latin typeface="+mn-lt"/>
+          <a:ea typeface="+mn-ea"/>
+          <a:cs typeface="+mn-cs"/>
+        </a:defRPr>
+      </a:lvl6pPr>
+      <a:lvl7pPr marL="2743200" algn="l" defTabSz="914400" rtl="0" eaLnBrk="1" latinLnBrk="0" hangingPunct="1">
+        <a:defRPr sz="1800" kern="1200">
+          <a:solidFill>
+            <a:schemeClr val="tx1"/>
+          </a:solidFill>
+          <a:latin typeface="+mn-lt"/>
+          <a:ea typeface="+mn-ea"/>
+          <a:cs typeface="+mn-cs"/>
+        </a:defRPr>
+      </a:lvl7pPr>
+      <a:lvl8pPr marL="3200400" algn="l" defTabSz="914400" rtl="0" eaLnBrk="1" latinLnBrk="0" hangingPunct="1">
+        <a:defRPr sz="1800" kern="1200">
+          <a:solidFill>
+            <a:schemeClr val="tx1"/>
+          </a:solidFill>
+          <a:latin typeface="+mn-lt"/>
+          <a:ea typeface="+mn-ea"/>
+          <a:cs typeface="+mn-cs"/>
+        </a:defRPr>
+      </a:lvl8pPr>
+      <a:lvl9pPr marL="3657600" algn="l" defTabSz="914400" rtl="0" eaLnBrk="1" latinLnBrk="0" hangingPunct="1">
+        <a:defRPr sz="1800" kern="1200">
+          <a:solidFill>
+            <a:schemeClr val="tx1"/>
+          </a:solidFill>
+          <a:latin typeface="+mn-lt"/>
+          <a:ea typeface="+mn-ea"/>
+          <a:cs typeface="+mn-cs"/>
+        </a:defRPr>
+      </a:lvl9pPr>
+    </p:otherStyle>
+  </p:txStyles>
 </p:sldMaster>
 </file>
 
 <file path=ppt/slides/slide1.xml><?xml version="1.0" encoding="utf-8"?>
-<p:sld xmlns:a="http://schemas.openxmlformats.org/drawingml/2006/main" xmlns:p="http://schemas.openxmlformats.org/presentationml/2006/main" xmlns:r="http://schemas.openxmlformats.org/officeDocument/2006/relationships" xmlns:p14="http://schemas.microsoft.com/office/powerpoint/2010/main" xmlns:p15="http://schemas.microsoft.com/office/powerpoint/2012/main" xmlns:mc="http://schemas.openxmlformats.org/markup-compatibility/2006">
+<p:sld xmlns:a="http://schemas.openxmlformats.org/drawingml/2006/main" xmlns:r="http://schemas.openxmlformats.org/officeDocument/2006/relationships" xmlns:p="http://schemas.openxmlformats.org/presentationml/2006/main">
   <p:cSld>
     <p:bg>
       <p:bgPr>
         <a:solidFill>
-          <a:srgbClr val="ffffff"/>
+          <a:srgbClr val="FFFFFF"/>
         </a:solidFill>
+        <a:effectLst/>
       </p:bgPr>
     </p:bg>
     <p:spTree>
@@ -2028,7 +2401,7 @@
             <a:avLst/>
           </a:prstGeom>
           <a:solidFill>
-            <a:srgbClr val="17375e"/>
+            <a:srgbClr val="17375E"/>
           </a:solidFill>
           <a:ln w="9360">
             <a:noFill/>
@@ -2042,9 +2415,15 @@
           </a:effectLst>
         </p:spPr>
         <p:style>
-          <a:lnRef idx="0"/>
-          <a:fillRef idx="0"/>
-          <a:effectRef idx="0"/>
+          <a:lnRef idx="0">
+            <a:scrgbClr r="0" g="0" b="0"/>
+          </a:lnRef>
+          <a:fillRef idx="0">
+            <a:scrgbClr r="0" g="0" b="0"/>
+          </a:fillRef>
+          <a:effectRef idx="0">
+            <a:scrgbClr r="0" g="0" b="0"/>
+          </a:effectRef>
           <a:fontRef idx="minor"/>
         </p:style>
       </p:sp>
@@ -2063,11 +2442,11 @@
             <a:avLst/>
           </a:prstGeom>
           <a:solidFill>
-            <a:srgbClr val="ffffff"/>
+            <a:srgbClr val="FFFFFF"/>
           </a:solidFill>
           <a:ln w="9360">
             <a:solidFill>
-              <a:srgbClr val="ffffff"/>
+              <a:srgbClr val="FFFFFF"/>
             </a:solidFill>
             <a:round/>
           </a:ln>
@@ -2080,13 +2459,20 @@
           </a:effectLst>
         </p:spPr>
         <p:style>
-          <a:lnRef idx="0"/>
-          <a:fillRef idx="0"/>
-          <a:effectRef idx="0"/>
+          <a:lnRef idx="0">
+            <a:scrgbClr r="0" g="0" b="0"/>
+          </a:lnRef>
+          <a:fillRef idx="0">
+            <a:scrgbClr r="0" g="0" b="0"/>
+          </a:fillRef>
+          <a:effectRef idx="0">
+            <a:scrgbClr r="0" g="0" b="0"/>
+          </a:effectRef>
           <a:fontRef idx="minor"/>
         </p:style>
         <p:txBody>
-          <a:bodyPr lIns="90000" rIns="90000" tIns="45000" bIns="45000" anchor="ctr"/>
+          <a:bodyPr lIns="90000" tIns="45000" rIns="90000" bIns="45000" anchor="ctr"/>
+          <a:lstStyle/>
           <a:p>
             <a:pPr algn="ctr">
               <a:lnSpc>
@@ -2094,26 +2480,26 @@
               </a:lnSpc>
             </a:pPr>
             <a:r>
-              <a:rPr b="0" lang="en-US" sz="8600" spc="-1" strike="noStrike">
-                <a:solidFill>
-                  <a:srgbClr val="ffffff"/>
+              <a:rPr lang="en-US" sz="8600" b="0" strike="noStrike" spc="-1" dirty="0">
+                <a:solidFill>
+                  <a:srgbClr val="FFFFFF"/>
                 </a:solidFill>
                 <a:uFill>
                   <a:solidFill>
-                    <a:srgbClr val="ffffff"/>
+                    <a:srgbClr val="FFFFFF"/>
                   </a:solidFill>
                 </a:uFill>
                 <a:latin typeface="Calibri"/>
               </a:rPr>
               <a:t>   </a:t>
             </a:r>
-            <a:endParaRPr b="0" lang="en-US" sz="1800" spc="-1" strike="noStrike">
+            <a:endParaRPr lang="en-US" sz="1800" b="0" strike="noStrike" spc="-1" dirty="0">
               <a:solidFill>
                 <a:srgbClr val="000000"/>
               </a:solidFill>
               <a:uFill>
                 <a:solidFill>
-                  <a:srgbClr val="ffffff"/>
+                  <a:srgbClr val="FFFFFF"/>
                 </a:solidFill>
               </a:uFill>
               <a:latin typeface="Arial"/>
@@ -2141,13 +2527,20 @@
           </a:ln>
         </p:spPr>
         <p:style>
-          <a:lnRef idx="0"/>
-          <a:fillRef idx="0"/>
-          <a:effectRef idx="0"/>
+          <a:lnRef idx="0">
+            <a:scrgbClr r="0" g="0" b="0"/>
+          </a:lnRef>
+          <a:fillRef idx="0">
+            <a:scrgbClr r="0" g="0" b="0"/>
+          </a:fillRef>
+          <a:effectRef idx="0">
+            <a:scrgbClr r="0" g="0" b="0"/>
+          </a:effectRef>
           <a:fontRef idx="minor"/>
         </p:style>
         <p:txBody>
-          <a:bodyPr lIns="90000" rIns="90000" tIns="45000" bIns="45000"/>
+          <a:bodyPr lIns="90000" tIns="45000" rIns="90000" bIns="45000"/>
+          <a:lstStyle/>
           <a:p>
             <a:pPr algn="ctr">
               <a:lnSpc>
@@ -2155,26 +2548,26 @@
               </a:lnSpc>
             </a:pPr>
             <a:r>
-              <a:rPr b="0" lang="en-US" sz="8000" spc="-1" strike="noStrike">
-                <a:solidFill>
-                  <a:srgbClr val="ffffff"/>
+              <a:rPr lang="en-US" sz="8000" b="0" strike="noStrike" spc="-1">
+                <a:solidFill>
+                  <a:srgbClr val="FFFFFF"/>
                 </a:solidFill>
                 <a:uFill>
                   <a:solidFill>
-                    <a:srgbClr val="ffffff"/>
+                    <a:srgbClr val="FFFFFF"/>
                   </a:solidFill>
                 </a:uFill>
                 <a:latin typeface="Arial"/>
               </a:rPr>
               <a:t>Language Identification of Text</a:t>
             </a:r>
-            <a:endParaRPr b="0" lang="en-US" sz="1800" spc="-1" strike="noStrike">
+            <a:endParaRPr lang="en-US" sz="1800" b="0" strike="noStrike" spc="-1">
               <a:solidFill>
                 <a:srgbClr val="000000"/>
               </a:solidFill>
               <a:uFill>
                 <a:solidFill>
-                  <a:srgbClr val="ffffff"/>
+                  <a:srgbClr val="FFFFFF"/>
                 </a:solidFill>
               </a:uFill>
               <a:latin typeface="Arial"/>
@@ -2204,13 +2597,20 @@
           </a:ln>
         </p:spPr>
         <p:style>
-          <a:lnRef idx="0"/>
-          <a:fillRef idx="0"/>
-          <a:effectRef idx="0"/>
+          <a:lnRef idx="0">
+            <a:scrgbClr r="0" g="0" b="0"/>
+          </a:lnRef>
+          <a:fillRef idx="0">
+            <a:scrgbClr r="0" g="0" b="0"/>
+          </a:fillRef>
+          <a:effectRef idx="0">
+            <a:scrgbClr r="0" g="0" b="0"/>
+          </a:effectRef>
           <a:fontRef idx="minor"/>
         </p:style>
         <p:txBody>
-          <a:bodyPr lIns="90000" rIns="90000" tIns="45000" bIns="45000"/>
+          <a:bodyPr lIns="90000" tIns="45000" rIns="90000" bIns="45000"/>
+          <a:lstStyle/>
           <a:p>
             <a:pPr>
               <a:lnSpc>
@@ -2218,26 +2618,26 @@
               </a:lnSpc>
             </a:pPr>
             <a:r>
-              <a:rPr b="1" lang="en-US" sz="5400" spc="-1" strike="noStrike">
-                <a:solidFill>
-                  <a:srgbClr val="1f497d"/>
+              <a:rPr lang="en-US" sz="5400" b="1" strike="noStrike" spc="-1">
+                <a:solidFill>
+                  <a:srgbClr val="1F497D"/>
                 </a:solidFill>
                 <a:uFill>
                   <a:solidFill>
-                    <a:srgbClr val="ffffff"/>
+                    <a:srgbClr val="FFFFFF"/>
                   </a:solidFill>
                 </a:uFill>
                 <a:latin typeface="Arial"/>
               </a:rPr>
               <a:t>The Problem</a:t>
             </a:r>
-            <a:endParaRPr b="0" lang="en-US" sz="1800" spc="-1" strike="noStrike">
+            <a:endParaRPr lang="en-US" sz="1800" b="0" strike="noStrike" spc="-1">
               <a:solidFill>
                 <a:srgbClr val="000000"/>
               </a:solidFill>
               <a:uFill>
                 <a:solidFill>
-                  <a:srgbClr val="ffffff"/>
+                  <a:srgbClr val="FFFFFF"/>
                 </a:solidFill>
               </a:uFill>
               <a:latin typeface="Arial"/>
@@ -2267,13 +2667,20 @@
           </a:ln>
         </p:spPr>
         <p:style>
-          <a:lnRef idx="0"/>
-          <a:fillRef idx="0"/>
-          <a:effectRef idx="0"/>
+          <a:lnRef idx="0">
+            <a:scrgbClr r="0" g="0" b="0"/>
+          </a:lnRef>
+          <a:fillRef idx="0">
+            <a:scrgbClr r="0" g="0" b="0"/>
+          </a:fillRef>
+          <a:effectRef idx="0">
+            <a:scrgbClr r="0" g="0" b="0"/>
+          </a:effectRef>
           <a:fontRef idx="minor"/>
         </p:style>
         <p:txBody>
-          <a:bodyPr lIns="90000" rIns="90000" tIns="45000" bIns="45000"/>
+          <a:bodyPr lIns="90000" tIns="45000" rIns="90000" bIns="45000"/>
+          <a:lstStyle/>
           <a:p>
             <a:pPr>
               <a:lnSpc>
@@ -2281,26 +2688,26 @@
               </a:lnSpc>
             </a:pPr>
             <a:r>
-              <a:rPr b="1" lang="en-US" sz="5400" spc="-1" strike="noStrike">
-                <a:solidFill>
-                  <a:srgbClr val="1f497d"/>
+              <a:rPr lang="en-US" sz="5400" b="1" strike="noStrike" spc="-1">
+                <a:solidFill>
+                  <a:srgbClr val="1F497D"/>
                 </a:solidFill>
                 <a:uFill>
                   <a:solidFill>
-                    <a:srgbClr val="ffffff"/>
+                    <a:srgbClr val="FFFFFF"/>
                   </a:solidFill>
                 </a:uFill>
                 <a:latin typeface="Arial"/>
               </a:rPr>
               <a:t>Cross-Corpora Analysis</a:t>
             </a:r>
-            <a:endParaRPr b="0" lang="en-US" sz="1800" spc="-1" strike="noStrike">
+            <a:endParaRPr lang="en-US" sz="1800" b="0" strike="noStrike" spc="-1">
               <a:solidFill>
                 <a:srgbClr val="000000"/>
               </a:solidFill>
               <a:uFill>
                 <a:solidFill>
-                  <a:srgbClr val="ffffff"/>
+                  <a:srgbClr val="FFFFFF"/>
                 </a:solidFill>
               </a:uFill>
               <a:latin typeface="Arial"/>
@@ -2330,13 +2737,20 @@
           </a:ln>
         </p:spPr>
         <p:style>
-          <a:lnRef idx="0"/>
-          <a:fillRef idx="0"/>
-          <a:effectRef idx="0"/>
+          <a:lnRef idx="0">
+            <a:scrgbClr r="0" g="0" b="0"/>
+          </a:lnRef>
+          <a:fillRef idx="0">
+            <a:scrgbClr r="0" g="0" b="0"/>
+          </a:fillRef>
+          <a:effectRef idx="0">
+            <a:scrgbClr r="0" g="0" b="0"/>
+          </a:effectRef>
           <a:fontRef idx="minor"/>
         </p:style>
         <p:txBody>
-          <a:bodyPr lIns="90000" rIns="90000" tIns="45000" bIns="45000"/>
+          <a:bodyPr lIns="90000" tIns="45000" rIns="90000" bIns="45000"/>
+          <a:lstStyle/>
           <a:p>
             <a:pPr>
               <a:lnSpc>
@@ -2344,26 +2758,26 @@
               </a:lnSpc>
             </a:pPr>
             <a:r>
-              <a:rPr b="1" lang="en-US" sz="5400" spc="-1" strike="noStrike">
-                <a:solidFill>
-                  <a:srgbClr val="1f497d"/>
+              <a:rPr lang="en-US" sz="5400" b="1" strike="noStrike" spc="-1">
+                <a:solidFill>
+                  <a:srgbClr val="1F497D"/>
                 </a:solidFill>
                 <a:uFill>
                   <a:solidFill>
-                    <a:srgbClr val="ffffff"/>
+                    <a:srgbClr val="FFFFFF"/>
                   </a:solidFill>
                 </a:uFill>
                 <a:latin typeface="Arial"/>
               </a:rPr>
               <a:t>Corpora</a:t>
             </a:r>
-            <a:endParaRPr b="0" lang="en-US" sz="1800" spc="-1" strike="noStrike">
+            <a:endParaRPr lang="en-US" sz="1800" b="0" strike="noStrike" spc="-1">
               <a:solidFill>
                 <a:srgbClr val="000000"/>
               </a:solidFill>
               <a:uFill>
                 <a:solidFill>
-                  <a:srgbClr val="ffffff"/>
+                  <a:srgbClr val="FFFFFF"/>
                 </a:solidFill>
               </a:uFill>
               <a:latin typeface="Arial"/>
@@ -2393,13 +2807,20 @@
           </a:ln>
         </p:spPr>
         <p:style>
-          <a:lnRef idx="0"/>
-          <a:fillRef idx="0"/>
-          <a:effectRef idx="0"/>
+          <a:lnRef idx="0">
+            <a:scrgbClr r="0" g="0" b="0"/>
+          </a:lnRef>
+          <a:fillRef idx="0">
+            <a:scrgbClr r="0" g="0" b="0"/>
+          </a:fillRef>
+          <a:effectRef idx="0">
+            <a:scrgbClr r="0" g="0" b="0"/>
+          </a:effectRef>
           <a:fontRef idx="minor"/>
         </p:style>
         <p:txBody>
-          <a:bodyPr lIns="90000" rIns="90000" tIns="45000" bIns="45000"/>
+          <a:bodyPr lIns="90000" tIns="45000" rIns="90000" bIns="45000"/>
+          <a:lstStyle/>
           <a:p>
             <a:pPr>
               <a:lnSpc>
@@ -2407,26 +2828,26 @@
               </a:lnSpc>
             </a:pPr>
             <a:r>
-              <a:rPr b="1" lang="en-US" sz="5400" spc="-1" strike="noStrike">
-                <a:solidFill>
-                  <a:srgbClr val="1f497d"/>
+              <a:rPr lang="en-US" sz="5400" b="1" strike="noStrike" spc="-1">
+                <a:solidFill>
+                  <a:srgbClr val="1F497D"/>
                 </a:solidFill>
                 <a:uFill>
                   <a:solidFill>
-                    <a:srgbClr val="ffffff"/>
+                    <a:srgbClr val="FFFFFF"/>
                   </a:solidFill>
                 </a:uFill>
                 <a:latin typeface="Arial"/>
               </a:rPr>
               <a:t>Future Work...</a:t>
             </a:r>
-            <a:endParaRPr b="0" lang="en-US" sz="1800" spc="-1" strike="noStrike">
+            <a:endParaRPr lang="en-US" sz="1800" b="0" strike="noStrike" spc="-1">
               <a:solidFill>
                 <a:srgbClr val="000000"/>
               </a:solidFill>
               <a:uFill>
                 <a:solidFill>
-                  <a:srgbClr val="ffffff"/>
+                  <a:srgbClr val="FFFFFF"/>
                 </a:solidFill>
               </a:uFill>
               <a:latin typeface="Arial"/>
@@ -2456,13 +2877,20 @@
           </a:ln>
         </p:spPr>
         <p:style>
-          <a:lnRef idx="0"/>
-          <a:fillRef idx="0"/>
-          <a:effectRef idx="0"/>
+          <a:lnRef idx="0">
+            <a:scrgbClr r="0" g="0" b="0"/>
+          </a:lnRef>
+          <a:fillRef idx="0">
+            <a:scrgbClr r="0" g="0" b="0"/>
+          </a:fillRef>
+          <a:effectRef idx="0">
+            <a:scrgbClr r="0" g="0" b="0"/>
+          </a:effectRef>
           <a:fontRef idx="minor"/>
         </p:style>
         <p:txBody>
-          <a:bodyPr lIns="90000" rIns="90000" tIns="45000" bIns="45000"/>
+          <a:bodyPr lIns="90000" tIns="45000" rIns="90000" bIns="45000"/>
+          <a:lstStyle/>
           <a:p>
             <a:pPr>
               <a:lnSpc>
@@ -2470,26 +2898,26 @@
               </a:lnSpc>
             </a:pPr>
             <a:r>
-              <a:rPr b="1" lang="en-US" sz="5400" spc="-1" strike="noStrike">
-                <a:solidFill>
-                  <a:srgbClr val="1f497d"/>
+              <a:rPr lang="en-US" sz="5400" b="1" strike="noStrike" spc="-1">
+                <a:solidFill>
+                  <a:srgbClr val="1F497D"/>
                 </a:solidFill>
                 <a:uFill>
                   <a:solidFill>
-                    <a:srgbClr val="ffffff"/>
+                    <a:srgbClr val="FFFFFF"/>
                   </a:solidFill>
                 </a:uFill>
                 <a:latin typeface="Arial"/>
               </a:rPr>
               <a:t>Extensions on N-gram model</a:t>
             </a:r>
-            <a:endParaRPr b="0" lang="en-US" sz="1800" spc="-1" strike="noStrike">
+            <a:endParaRPr lang="en-US" sz="1800" b="0" strike="noStrike" spc="-1">
               <a:solidFill>
                 <a:srgbClr val="000000"/>
               </a:solidFill>
               <a:uFill>
                 <a:solidFill>
-                  <a:srgbClr val="ffffff"/>
+                  <a:srgbClr val="FFFFFF"/>
                 </a:solidFill>
               </a:uFill>
               <a:latin typeface="Arial"/>
@@ -2519,13 +2947,20 @@
           </a:ln>
         </p:spPr>
         <p:style>
-          <a:lnRef idx="0"/>
-          <a:fillRef idx="0"/>
-          <a:effectRef idx="0"/>
+          <a:lnRef idx="0">
+            <a:scrgbClr r="0" g="0" b="0"/>
+          </a:lnRef>
+          <a:fillRef idx="0">
+            <a:scrgbClr r="0" g="0" b="0"/>
+          </a:fillRef>
+          <a:effectRef idx="0">
+            <a:scrgbClr r="0" g="0" b="0"/>
+          </a:effectRef>
           <a:fontRef idx="minor"/>
         </p:style>
         <p:txBody>
-          <a:bodyPr lIns="90000" rIns="90000" tIns="45000" bIns="45000"/>
+          <a:bodyPr lIns="90000" tIns="45000" rIns="90000" bIns="45000"/>
+          <a:lstStyle/>
           <a:p>
             <a:pPr>
               <a:lnSpc>
@@ -2533,26 +2968,26 @@
               </a:lnSpc>
             </a:pPr>
             <a:r>
-              <a:rPr b="1" lang="en-US" sz="5400" spc="-1" strike="noStrike">
-                <a:solidFill>
-                  <a:srgbClr val="1f497d"/>
+              <a:rPr lang="en-US" sz="5400" b="1" strike="noStrike" spc="-1">
+                <a:solidFill>
+                  <a:srgbClr val="1F497D"/>
                 </a:solidFill>
                 <a:uFill>
                   <a:solidFill>
-                    <a:srgbClr val="ffffff"/>
+                    <a:srgbClr val="FFFFFF"/>
                   </a:solidFill>
                 </a:uFill>
                 <a:latin typeface="Arial"/>
               </a:rPr>
               <a:t>Results</a:t>
             </a:r>
-            <a:endParaRPr b="0" lang="en-US" sz="1800" spc="-1" strike="noStrike">
+            <a:endParaRPr lang="en-US" sz="1800" b="0" strike="noStrike" spc="-1">
               <a:solidFill>
                 <a:srgbClr val="000000"/>
               </a:solidFill>
               <a:uFill>
                 <a:solidFill>
-                  <a:srgbClr val="ffffff"/>
+                  <a:srgbClr val="FFFFFF"/>
                 </a:solidFill>
               </a:uFill>
               <a:latin typeface="Arial"/>
@@ -2582,9 +3017,15 @@
           </a:ln>
         </p:spPr>
         <p:style>
-          <a:lnRef idx="0"/>
-          <a:fillRef idx="0"/>
-          <a:effectRef idx="0"/>
+          <a:lnRef idx="0">
+            <a:scrgbClr r="0" g="0" b="0"/>
+          </a:lnRef>
+          <a:fillRef idx="0">
+            <a:scrgbClr r="0" g="0" b="0"/>
+          </a:fillRef>
+          <a:effectRef idx="0">
+            <a:scrgbClr r="0" g="0" b="0"/>
+          </a:effectRef>
           <a:fontRef idx="minor"/>
         </p:style>
       </p:sp>
@@ -2610,9 +3051,15 @@
           </a:ln>
         </p:spPr>
         <p:style>
-          <a:lnRef idx="0"/>
-          <a:fillRef idx="0"/>
-          <a:effectRef idx="0"/>
+          <a:lnRef idx="0">
+            <a:scrgbClr r="0" g="0" b="0"/>
+          </a:lnRef>
+          <a:fillRef idx="0">
+            <a:scrgbClr r="0" g="0" b="0"/>
+          </a:fillRef>
+          <a:effectRef idx="0">
+            <a:scrgbClr r="0" g="0" b="0"/>
+          </a:effectRef>
           <a:fontRef idx="minor"/>
         </p:style>
       </p:sp>
@@ -2636,26 +3083,33 @@
           </a:ln>
         </p:spPr>
         <p:style>
-          <a:lnRef idx="0"/>
-          <a:fillRef idx="0"/>
-          <a:effectRef idx="0"/>
+          <a:lnRef idx="0">
+            <a:scrgbClr r="0" g="0" b="0"/>
+          </a:lnRef>
+          <a:fillRef idx="0">
+            <a:scrgbClr r="0" g="0" b="0"/>
+          </a:fillRef>
+          <a:effectRef idx="0">
+            <a:scrgbClr r="0" g="0" b="0"/>
+          </a:effectRef>
           <a:fontRef idx="minor"/>
         </p:style>
         <p:txBody>
-          <a:bodyPr lIns="90000" rIns="90000" tIns="45000" bIns="45000"/>
+          <a:bodyPr lIns="90000" tIns="45000" rIns="90000" bIns="45000"/>
+          <a:lstStyle/>
           <a:p>
             <a:pPr>
               <a:lnSpc>
                 <a:spcPct val="100000"/>
               </a:lnSpc>
             </a:pPr>
-            <a:endParaRPr b="0" lang="en-US" sz="1800" spc="-1" strike="noStrike">
+            <a:endParaRPr lang="en-US" sz="1800" b="0" strike="noStrike" spc="-1" dirty="0">
               <a:solidFill>
                 <a:srgbClr val="000000"/>
               </a:solidFill>
               <a:uFill>
                 <a:solidFill>
-                  <a:srgbClr val="ffffff"/>
+                  <a:srgbClr val="FFFFFF"/>
                 </a:solidFill>
               </a:uFill>
               <a:latin typeface="Arial"/>
@@ -2673,26 +3127,26 @@
               <a:buChar char="•"/>
             </a:pPr>
             <a:r>
-              <a:rPr b="0" lang="en-US" sz="2800" spc="-1" strike="noStrike">
+              <a:rPr lang="en-US" sz="2800" b="0" strike="noStrike" spc="-1" dirty="0">
                 <a:solidFill>
                   <a:srgbClr val="000000"/>
                 </a:solidFill>
                 <a:uFill>
                   <a:solidFill>
-                    <a:srgbClr val="ffffff"/>
+                    <a:srgbClr val="FFFFFF"/>
                   </a:solidFill>
                 </a:uFill>
                 <a:latin typeface="Arial"/>
               </a:rPr>
               <a:t>The goal of the project is to identify the language and the language family that a body of text is written in.</a:t>
             </a:r>
-            <a:endParaRPr b="0" lang="en-US" sz="1800" spc="-1" strike="noStrike">
+            <a:endParaRPr lang="en-US" sz="1800" b="0" strike="noStrike" spc="-1" dirty="0">
               <a:solidFill>
                 <a:srgbClr val="000000"/>
               </a:solidFill>
               <a:uFill>
                 <a:solidFill>
-                  <a:srgbClr val="ffffff"/>
+                  <a:srgbClr val="FFFFFF"/>
                 </a:solidFill>
               </a:uFill>
               <a:latin typeface="Arial"/>
@@ -2710,26 +3164,26 @@
               <a:buChar char="•"/>
             </a:pPr>
             <a:r>
-              <a:rPr b="0" lang="en-US" sz="2800" spc="-1" strike="noStrike">
+              <a:rPr lang="en-US" sz="2800" b="0" strike="noStrike" spc="-1" dirty="0">
                 <a:solidFill>
                   <a:srgbClr val="000000"/>
                 </a:solidFill>
                 <a:uFill>
                   <a:solidFill>
-                    <a:srgbClr val="ffffff"/>
+                    <a:srgbClr val="FFFFFF"/>
                   </a:solidFill>
                 </a:uFill>
                 <a:latin typeface="Arial"/>
               </a:rPr>
               <a:t> </a:t>
             </a:r>
-            <a:endParaRPr b="0" lang="en-US" sz="1800" spc="-1" strike="noStrike">
+            <a:endParaRPr lang="en-US" sz="1800" b="0" strike="noStrike" spc="-1" dirty="0">
               <a:solidFill>
                 <a:srgbClr val="000000"/>
               </a:solidFill>
               <a:uFill>
                 <a:solidFill>
-                  <a:srgbClr val="ffffff"/>
+                  <a:srgbClr val="FFFFFF"/>
                 </a:solidFill>
               </a:uFill>
               <a:latin typeface="Arial"/>
@@ -2747,26 +3201,26 @@
               <a:buChar char="•"/>
             </a:pPr>
             <a:r>
-              <a:rPr b="0" lang="en-US" sz="2800" spc="-1" strike="noStrike">
+              <a:rPr lang="en-US" sz="2800" b="0" strike="noStrike" spc="-1" dirty="0">
                 <a:solidFill>
                   <a:srgbClr val="000000"/>
                 </a:solidFill>
                 <a:uFill>
                   <a:solidFill>
-                    <a:srgbClr val="ffffff"/>
+                    <a:srgbClr val="FFFFFF"/>
                   </a:solidFill>
                 </a:uFill>
                 <a:latin typeface="Arial"/>
               </a:rPr>
               <a:t>In particular, we are focusing on the following languages: English, Spanish, French, German, and Arabic</a:t>
             </a:r>
-            <a:endParaRPr b="0" lang="en-US" sz="1800" spc="-1" strike="noStrike">
+            <a:endParaRPr lang="en-US" sz="1800" b="0" strike="noStrike" spc="-1" dirty="0">
               <a:solidFill>
                 <a:srgbClr val="000000"/>
               </a:solidFill>
               <a:uFill>
                 <a:solidFill>
-                  <a:srgbClr val="ffffff"/>
+                  <a:srgbClr val="FFFFFF"/>
                 </a:solidFill>
               </a:uFill>
               <a:latin typeface="Arial"/>
@@ -2794,13 +3248,20 @@
           </a:ln>
         </p:spPr>
         <p:style>
-          <a:lnRef idx="0"/>
-          <a:fillRef idx="0"/>
-          <a:effectRef idx="0"/>
+          <a:lnRef idx="0">
+            <a:scrgbClr r="0" g="0" b="0"/>
+          </a:lnRef>
+          <a:fillRef idx="0">
+            <a:scrgbClr r="0" g="0" b="0"/>
+          </a:fillRef>
+          <a:effectRef idx="0">
+            <a:scrgbClr r="0" g="0" b="0"/>
+          </a:effectRef>
           <a:fontRef idx="minor"/>
         </p:style>
         <p:txBody>
-          <a:bodyPr lIns="90000" rIns="90000" tIns="45000" bIns="45000"/>
+          <a:bodyPr lIns="90000" tIns="45000" rIns="90000" bIns="45000"/>
+          <a:lstStyle/>
           <a:p>
             <a:pPr marL="457200" indent="-456840">
               <a:lnSpc>
@@ -2813,26 +3274,26 @@
               <a:buChar char="•"/>
             </a:pPr>
             <a:r>
-              <a:rPr b="0" lang="en-US" sz="2800" spc="-1" strike="noStrike">
+              <a:rPr lang="en-US" sz="2800" b="0" strike="noStrike" spc="-1">
                 <a:solidFill>
                   <a:srgbClr val="000000"/>
                 </a:solidFill>
                 <a:uFill>
                   <a:solidFill>
-                    <a:srgbClr val="ffffff"/>
+                    <a:srgbClr val="FFFFFF"/>
                   </a:solidFill>
                 </a:uFill>
                 <a:latin typeface="Arial"/>
               </a:rPr>
               <a:t>Wikipedia</a:t>
             </a:r>
-            <a:endParaRPr b="0" lang="en-US" sz="1800" spc="-1" strike="noStrike">
+            <a:endParaRPr lang="en-US" sz="1800" b="0" strike="noStrike" spc="-1">
               <a:solidFill>
                 <a:srgbClr val="000000"/>
               </a:solidFill>
               <a:uFill>
                 <a:solidFill>
-                  <a:srgbClr val="ffffff"/>
+                  <a:srgbClr val="FFFFFF"/>
                 </a:solidFill>
               </a:uFill>
               <a:latin typeface="Arial"/>
@@ -2844,13 +3305,13 @@
                 <a:spcPct val="100000"/>
               </a:lnSpc>
             </a:pPr>
-            <a:endParaRPr b="0" lang="en-US" sz="1800" spc="-1" strike="noStrike">
+            <a:endParaRPr lang="en-US" sz="1800" b="0" strike="noStrike" spc="-1">
               <a:solidFill>
                 <a:srgbClr val="000000"/>
               </a:solidFill>
               <a:uFill>
                 <a:solidFill>
-                  <a:srgbClr val="ffffff"/>
+                  <a:srgbClr val="FFFFFF"/>
                 </a:solidFill>
               </a:uFill>
               <a:latin typeface="Arial"/>
@@ -2868,26 +3329,26 @@
               <a:buChar char="•"/>
             </a:pPr>
             <a:r>
-              <a:rPr b="0" lang="en-US" sz="2800" spc="-1" strike="noStrike">
+              <a:rPr lang="en-US" sz="2800" b="0" strike="noStrike" spc="-1">
                 <a:solidFill>
                   <a:srgbClr val="000000"/>
                 </a:solidFill>
                 <a:uFill>
                   <a:solidFill>
-                    <a:srgbClr val="ffffff"/>
+                    <a:srgbClr val="FFFFFF"/>
                   </a:solidFill>
                 </a:uFill>
                 <a:latin typeface="Arial"/>
               </a:rPr>
               <a:t>Project Gutenberg</a:t>
             </a:r>
-            <a:endParaRPr b="0" lang="en-US" sz="1800" spc="-1" strike="noStrike">
+            <a:endParaRPr lang="en-US" sz="1800" b="0" strike="noStrike" spc="-1">
               <a:solidFill>
                 <a:srgbClr val="000000"/>
               </a:solidFill>
               <a:uFill>
                 <a:solidFill>
-                  <a:srgbClr val="ffffff"/>
+                  <a:srgbClr val="FFFFFF"/>
                 </a:solidFill>
               </a:uFill>
               <a:latin typeface="Arial"/>
@@ -2915,30 +3376,65 @@
           </a:ln>
         </p:spPr>
         <p:style>
-          <a:lnRef idx="0"/>
-          <a:fillRef idx="0"/>
-          <a:effectRef idx="0"/>
+          <a:lnRef idx="0">
+            <a:scrgbClr r="0" g="0" b="0"/>
+          </a:lnRef>
+          <a:fillRef idx="0">
+            <a:scrgbClr r="0" g="0" b="0"/>
+          </a:fillRef>
+          <a:effectRef idx="0">
+            <a:scrgbClr r="0" g="0" b="0"/>
+          </a:effectRef>
           <a:fontRef idx="minor"/>
         </p:style>
         <p:txBody>
-          <a:bodyPr lIns="90000" rIns="90000" tIns="45000" bIns="45000"/>
-          <a:p>
-            <a:pPr>
-              <a:lnSpc>
-                <a:spcPct val="100000"/>
-              </a:lnSpc>
+          <a:bodyPr lIns="90000" tIns="45000" rIns="90000" bIns="45000"/>
+          <a:lstStyle/>
+          <a:p>
+            <a:r>
+              <a:rPr lang="en-US" sz="2800" dirty="0"/>
+              <a:t>We tried several additional ideas to build off of our language model baseline:</a:t>
+            </a:r>
+          </a:p>
+          <a:p>
+            <a:pPr marL="457200" indent="-457200">
+              <a:buFont typeface="Arial" panose="020B0604020202020204" pitchFamily="34" charset="0"/>
+              <a:buChar char="•"/>
             </a:pPr>
-            <a:endParaRPr b="0" lang="en-US" sz="1800" spc="-1" strike="noStrike">
-              <a:solidFill>
-                <a:srgbClr val="000000"/>
-              </a:solidFill>
-              <a:uFill>
-                <a:solidFill>
-                  <a:srgbClr val="ffffff"/>
-                </a:solidFill>
-              </a:uFill>
-              <a:latin typeface="Arial"/>
-            </a:endParaRPr>
+            <a:r>
+              <a:rPr lang="en-US" sz="2800" dirty="0"/>
+              <a:t>Predicting the language of each word in the document separately and making the label the most predicted label in the document (1)</a:t>
+            </a:r>
+          </a:p>
+          <a:p>
+            <a:pPr marL="457200" indent="-457200">
+              <a:buFont typeface="Arial" panose="020B0604020202020204" pitchFamily="34" charset="0"/>
+              <a:buChar char="•"/>
+            </a:pPr>
+            <a:r>
+              <a:rPr lang="en-US" sz="2800" dirty="0"/>
+              <a:t>Using language models as features in a linear model (SVM) (2)</a:t>
+            </a:r>
+          </a:p>
+          <a:p>
+            <a:pPr marL="457200" indent="-457200">
+              <a:buFont typeface="Arial" panose="020B0604020202020204" pitchFamily="34" charset="0"/>
+              <a:buChar char="•"/>
+            </a:pPr>
+            <a:r>
+              <a:rPr lang="en-US" sz="2800" dirty="0"/>
+              <a:t>Incorporating more features: whether all characters are ASCII, average length of words</a:t>
+            </a:r>
+          </a:p>
+          <a:p>
+            <a:pPr marL="457200" indent="-457200">
+              <a:buFont typeface="Arial" panose="020B0604020202020204" pitchFamily="34" charset="0"/>
+              <a:buChar char="•"/>
+            </a:pPr>
+            <a:r>
+              <a:rPr lang="en-US" sz="2800" dirty="0"/>
+              <a:t>Making an ensemble method with different n-gram language models, where the most voted label wins </a:t>
+            </a:r>
           </a:p>
           <a:p>
             <a:pPr marL="457200" indent="-456840">
@@ -2951,27 +3447,13 @@
               <a:buFont typeface="Arial"/>
               <a:buChar char="•"/>
             </a:pPr>
-            <a:r>
-              <a:rPr b="0" lang="en-US" sz="2800" spc="-1" strike="noStrike">
-                <a:solidFill>
-                  <a:srgbClr val="000000"/>
-                </a:solidFill>
-                <a:uFill>
-                  <a:solidFill>
-                    <a:srgbClr val="ffffff"/>
-                  </a:solidFill>
-                </a:uFill>
-                <a:latin typeface="Arial"/>
-              </a:rPr>
-              <a:t>TODO: list extensions</a:t>
-            </a:r>
-            <a:endParaRPr b="0" lang="en-US" sz="1800" spc="-1" strike="noStrike">
+            <a:endParaRPr lang="en-US" sz="2800" b="0" strike="noStrike" spc="-1" dirty="0">
               <a:solidFill>
                 <a:srgbClr val="000000"/>
               </a:solidFill>
               <a:uFill>
                 <a:solidFill>
-                  <a:srgbClr val="ffffff"/>
+                  <a:srgbClr val="FFFFFF"/>
                 </a:solidFill>
               </a:uFill>
               <a:latin typeface="Arial"/>
@@ -2999,13 +3481,20 @@
           </a:ln>
         </p:spPr>
         <p:style>
-          <a:lnRef idx="0"/>
-          <a:fillRef idx="0"/>
-          <a:effectRef idx="0"/>
+          <a:lnRef idx="0">
+            <a:scrgbClr r="0" g="0" b="0"/>
+          </a:lnRef>
+          <a:fillRef idx="0">
+            <a:scrgbClr r="0" g="0" b="0"/>
+          </a:fillRef>
+          <a:effectRef idx="0">
+            <a:scrgbClr r="0" g="0" b="0"/>
+          </a:effectRef>
           <a:fontRef idx="minor"/>
         </p:style>
         <p:txBody>
-          <a:bodyPr lIns="90000" rIns="90000" tIns="45000" bIns="45000"/>
+          <a:bodyPr lIns="90000" tIns="45000" rIns="90000" bIns="45000"/>
+          <a:lstStyle/>
           <a:p>
             <a:pPr marL="457200" indent="-456840">
               <a:lnSpc>
@@ -3018,26 +3507,26 @@
               <a:buChar char="•"/>
             </a:pPr>
             <a:r>
-              <a:rPr b="0" lang="en-US" sz="2800" spc="-1" strike="noStrike">
+              <a:rPr lang="en-US" sz="2800" b="0" strike="noStrike" spc="-1" dirty="0">
                 <a:solidFill>
                   <a:srgbClr val="000000"/>
                 </a:solidFill>
                 <a:uFill>
                   <a:solidFill>
-                    <a:srgbClr val="ffffff"/>
+                    <a:srgbClr val="FFFFFF"/>
                   </a:solidFill>
                 </a:uFill>
                 <a:latin typeface="Arial"/>
               </a:rPr>
               <a:t>How well does the model perform across different corpora?</a:t>
             </a:r>
-            <a:endParaRPr b="0" lang="en-US" sz="1800" spc="-1" strike="noStrike">
+            <a:endParaRPr lang="en-US" sz="1800" b="0" strike="noStrike" spc="-1" dirty="0">
               <a:solidFill>
                 <a:srgbClr val="000000"/>
               </a:solidFill>
               <a:uFill>
                 <a:solidFill>
-                  <a:srgbClr val="ffffff"/>
+                  <a:srgbClr val="FFFFFF"/>
                 </a:solidFill>
               </a:uFill>
               <a:latin typeface="Arial"/>
@@ -3054,27 +3543,13 @@
               <a:buFont typeface="Arial"/>
               <a:buChar char="•"/>
             </a:pPr>
-            <a:r>
-              <a:rPr b="0" lang="en-US" sz="2800" spc="-1" strike="noStrike">
-                <a:solidFill>
-                  <a:srgbClr val="000000"/>
-                </a:solidFill>
-                <a:uFill>
-                  <a:solidFill>
-                    <a:srgbClr val="ffffff"/>
-                  </a:solidFill>
-                </a:uFill>
-                <a:latin typeface="Arial"/>
-              </a:rPr>
-              <a:t> </a:t>
-            </a:r>
-            <a:endParaRPr b="0" lang="en-US" sz="1800" spc="-1" strike="noStrike">
+            <a:endParaRPr lang="en-US" sz="1800" b="0" strike="noStrike" spc="-1" dirty="0">
               <a:solidFill>
                 <a:srgbClr val="000000"/>
               </a:solidFill>
               <a:uFill>
                 <a:solidFill>
-                  <a:srgbClr val="ffffff"/>
+                  <a:srgbClr val="FFFFFF"/>
                 </a:solidFill>
               </a:uFill>
               <a:latin typeface="Arial"/>
@@ -3092,30 +3567,19 @@
               <a:buChar char="•"/>
             </a:pPr>
             <a:r>
-              <a:rPr b="0" lang="en-US" sz="2800" spc="-1" strike="noStrike">
+              <a:rPr lang="en-US" sz="2800" b="0" strike="noStrike" spc="-1" dirty="0">
                 <a:solidFill>
                   <a:srgbClr val="000000"/>
                 </a:solidFill>
                 <a:uFill>
                   <a:solidFill>
-                    <a:srgbClr val="ffffff"/>
+                    <a:srgbClr val="FFFFFF"/>
                   </a:solidFill>
                 </a:uFill>
                 <a:latin typeface="Arial"/>
               </a:rPr>
               <a:t>How does training and testing on different corpora affect accuracy?</a:t>
             </a:r>
-            <a:endParaRPr b="0" lang="en-US" sz="1800" spc="-1" strike="noStrike">
-              <a:solidFill>
-                <a:srgbClr val="000000"/>
-              </a:solidFill>
-              <a:uFill>
-                <a:solidFill>
-                  <a:srgbClr val="ffffff"/>
-                </a:solidFill>
-              </a:uFill>
-              <a:latin typeface="Arial"/>
-            </a:endParaRPr>
           </a:p>
           <a:p>
             <a:pPr marL="457200" indent="-456840">
@@ -3128,27 +3592,13 @@
               <a:buFont typeface="Arial"/>
               <a:buChar char="•"/>
             </a:pPr>
-            <a:r>
-              <a:rPr b="0" lang="en-US" sz="2800" spc="-1" strike="noStrike">
-                <a:solidFill>
-                  <a:srgbClr val="000000"/>
-                </a:solidFill>
-                <a:uFill>
-                  <a:solidFill>
-                    <a:srgbClr val="ffffff"/>
-                  </a:solidFill>
-                </a:uFill>
-                <a:latin typeface="Arial"/>
-              </a:rPr>
-              <a:t> </a:t>
-            </a:r>
-            <a:endParaRPr b="0" lang="en-US" sz="1800" spc="-1" strike="noStrike">
+            <a:endParaRPr lang="en-US" sz="2800" spc="-1" dirty="0">
               <a:solidFill>
                 <a:srgbClr val="000000"/>
               </a:solidFill>
               <a:uFill>
                 <a:solidFill>
-                  <a:srgbClr val="ffffff"/>
+                  <a:srgbClr val="FFFFFF"/>
                 </a:solidFill>
               </a:uFill>
               <a:latin typeface="Arial"/>
@@ -3165,27 +3615,13 @@
               <a:buFont typeface="Arial"/>
               <a:buChar char="•"/>
             </a:pPr>
-            <a:r>
-              <a:rPr b="0" lang="en-US" sz="2800" spc="-1" strike="noStrike">
-                <a:solidFill>
-                  <a:srgbClr val="000000"/>
-                </a:solidFill>
-                <a:uFill>
-                  <a:solidFill>
-                    <a:srgbClr val="ffffff"/>
-                  </a:solidFill>
-                </a:uFill>
-                <a:latin typeface="Arial"/>
-              </a:rPr>
-              <a:t>TODO: list results</a:t>
-            </a:r>
-            <a:endParaRPr b="0" lang="en-US" sz="1800" spc="-1" strike="noStrike">
+            <a:endParaRPr lang="en-US" sz="1800" b="0" strike="noStrike" spc="-1" dirty="0">
               <a:solidFill>
                 <a:srgbClr val="000000"/>
               </a:solidFill>
               <a:uFill>
                 <a:solidFill>
-                  <a:srgbClr val="ffffff"/>
+                  <a:srgbClr val="FFFFFF"/>
                 </a:solidFill>
               </a:uFill>
               <a:latin typeface="Arial"/>
@@ -3213,13 +3649,20 @@
           </a:ln>
         </p:spPr>
         <p:style>
-          <a:lnRef idx="0"/>
-          <a:fillRef idx="0"/>
-          <a:effectRef idx="0"/>
+          <a:lnRef idx="0">
+            <a:scrgbClr r="0" g="0" b="0"/>
+          </a:lnRef>
+          <a:fillRef idx="0">
+            <a:scrgbClr r="0" g="0" b="0"/>
+          </a:fillRef>
+          <a:effectRef idx="0">
+            <a:scrgbClr r="0" g="0" b="0"/>
+          </a:effectRef>
           <a:fontRef idx="minor"/>
         </p:style>
         <p:txBody>
-          <a:bodyPr lIns="90000" rIns="90000" tIns="45000" bIns="45000"/>
+          <a:bodyPr lIns="90000" tIns="45000" rIns="90000" bIns="45000"/>
+          <a:lstStyle/>
           <a:p>
             <a:pPr marL="457200" indent="-456840">
               <a:lnSpc>
@@ -3232,100 +3675,26 @@
               <a:buChar char="•"/>
             </a:pPr>
             <a:r>
-              <a:rPr b="0" lang="en-US" sz="2800" spc="-1" strike="noStrike">
+              <a:rPr lang="en-US" sz="2800" b="0" strike="noStrike" spc="-1" dirty="0">
                 <a:solidFill>
                   <a:srgbClr val="000000"/>
                 </a:solidFill>
                 <a:uFill>
                   <a:solidFill>
-                    <a:srgbClr val="ffffff"/>
+                    <a:srgbClr val="FFFFFF"/>
                   </a:solidFill>
                 </a:uFill>
                 <a:latin typeface="Arial"/>
               </a:rPr>
               <a:t>Code switching: given a text written in multiple languages, we want to identify the language that each word is written in / detect where the language changes.</a:t>
             </a:r>
-            <a:endParaRPr b="0" lang="en-US" sz="1800" spc="-1" strike="noStrike">
+            <a:endParaRPr lang="en-US" sz="1800" b="0" strike="noStrike" spc="-1" dirty="0">
               <a:solidFill>
                 <a:srgbClr val="000000"/>
               </a:solidFill>
               <a:uFill>
                 <a:solidFill>
-                  <a:srgbClr val="ffffff"/>
-                </a:solidFill>
-              </a:uFill>
-              <a:latin typeface="Arial"/>
-            </a:endParaRPr>
-          </a:p>
-          <a:p>
-            <a:pPr marL="457200" indent="-456840">
-              <a:lnSpc>
-                <a:spcPct val="100000"/>
-              </a:lnSpc>
-              <a:buClr>
-                <a:srgbClr val="000000"/>
-              </a:buClr>
-              <a:buFont typeface="Arial"/>
-              <a:buChar char="•"/>
-            </a:pPr>
-            <a:r>
-              <a:rPr b="0" lang="en-US" sz="2800" spc="-1" strike="noStrike">
-                <a:solidFill>
-                  <a:srgbClr val="000000"/>
-                </a:solidFill>
-                <a:uFill>
-                  <a:solidFill>
-                    <a:srgbClr val="ffffff"/>
-                  </a:solidFill>
-                </a:uFill>
-                <a:latin typeface="Arial"/>
-              </a:rPr>
-              <a:t> </a:t>
-            </a:r>
-            <a:endParaRPr b="0" lang="en-US" sz="1800" spc="-1" strike="noStrike">
-              <a:solidFill>
-                <a:srgbClr val="000000"/>
-              </a:solidFill>
-              <a:uFill>
-                <a:solidFill>
-                  <a:srgbClr val="ffffff"/>
-                </a:solidFill>
-              </a:uFill>
-              <a:latin typeface="Arial"/>
-            </a:endParaRPr>
-          </a:p>
-          <a:p>
-            <a:pPr marL="457200" indent="-456840">
-              <a:lnSpc>
-                <a:spcPct val="100000"/>
-              </a:lnSpc>
-              <a:buClr>
-                <a:srgbClr val="000000"/>
-              </a:buClr>
-              <a:buFont typeface="Arial"/>
-              <a:buChar char="•"/>
-            </a:pPr>
-            <a:r>
-              <a:rPr b="0" lang="en-US" sz="2800" spc="-1" strike="noStrike">
-                <a:solidFill>
-                  <a:srgbClr val="000000"/>
-                </a:solidFill>
-                <a:uFill>
-                  <a:solidFill>
-                    <a:srgbClr val="ffffff"/>
-                  </a:solidFill>
-                </a:uFill>
-                <a:latin typeface="Arial"/>
-              </a:rPr>
-              <a:t>TODO: example of code switching</a:t>
-            </a:r>
-            <a:endParaRPr b="0" lang="en-US" sz="1800" spc="-1" strike="noStrike">
-              <a:solidFill>
-                <a:srgbClr val="000000"/>
-              </a:solidFill>
-              <a:uFill>
-                <a:solidFill>
-                  <a:srgbClr val="ffffff"/>
+                  <a:srgbClr val="FFFFFF"/>
                 </a:solidFill>
               </a:uFill>
               <a:latin typeface="Arial"/>
@@ -3353,13 +3722,20 @@
           </a:ln>
         </p:spPr>
         <p:style>
-          <a:lnRef idx="0"/>
-          <a:fillRef idx="0"/>
-          <a:effectRef idx="0"/>
+          <a:lnRef idx="0">
+            <a:scrgbClr r="0" g="0" b="0"/>
+          </a:lnRef>
+          <a:fillRef idx="0">
+            <a:scrgbClr r="0" g="0" b="0"/>
+          </a:fillRef>
+          <a:effectRef idx="0">
+            <a:scrgbClr r="0" g="0" b="0"/>
+          </a:effectRef>
           <a:fontRef idx="minor"/>
         </p:style>
         <p:txBody>
-          <a:bodyPr lIns="90000" rIns="90000" tIns="45000" bIns="45000"/>
+          <a:bodyPr lIns="90000" tIns="45000" rIns="90000" bIns="45000"/>
+          <a:lstStyle/>
           <a:p>
             <a:pPr algn="ctr">
               <a:lnSpc>
@@ -3367,26 +3743,26 @@
               </a:lnSpc>
             </a:pPr>
             <a:r>
-              <a:rPr b="0" lang="en-US" sz="4800" spc="-1" strike="noStrike">
-                <a:solidFill>
-                  <a:srgbClr val="ffffff"/>
+              <a:rPr lang="en-US" sz="4800" b="0" strike="noStrike" spc="-1">
+                <a:solidFill>
+                  <a:srgbClr val="FFFFFF"/>
                 </a:solidFill>
                 <a:uFill>
                   <a:solidFill>
-                    <a:srgbClr val="ffffff"/>
+                    <a:srgbClr val="FFFFFF"/>
                   </a:solidFill>
                 </a:uFill>
                 <a:latin typeface="Arial"/>
               </a:rPr>
               <a:t>Victoria Huang, Samuel Davis</a:t>
             </a:r>
-            <a:endParaRPr b="0" lang="en-US" sz="1800" spc="-1" strike="noStrike">
+            <a:endParaRPr lang="en-US" sz="1800" b="0" strike="noStrike" spc="-1">
               <a:solidFill>
                 <a:srgbClr val="000000"/>
               </a:solidFill>
               <a:uFill>
                 <a:solidFill>
-                  <a:srgbClr val="ffffff"/>
+                  <a:srgbClr val="FFFFFF"/>
                 </a:solidFill>
               </a:uFill>
               <a:latin typeface="Arial"/>
@@ -3414,13 +3790,20 @@
           </a:ln>
         </p:spPr>
         <p:style>
-          <a:lnRef idx="0"/>
-          <a:fillRef idx="0"/>
-          <a:effectRef idx="0"/>
+          <a:lnRef idx="0">
+            <a:scrgbClr r="0" g="0" b="0"/>
+          </a:lnRef>
+          <a:fillRef idx="0">
+            <a:scrgbClr r="0" g="0" b="0"/>
+          </a:fillRef>
+          <a:effectRef idx="0">
+            <a:scrgbClr r="0" g="0" b="0"/>
+          </a:effectRef>
           <a:fontRef idx="minor"/>
         </p:style>
         <p:txBody>
-          <a:bodyPr lIns="90000" rIns="90000" tIns="45000" bIns="45000"/>
+          <a:bodyPr lIns="90000" tIns="45000" rIns="90000" bIns="45000"/>
+          <a:lstStyle/>
           <a:p>
             <a:pPr algn="ctr">
               <a:lnSpc>
@@ -3428,28 +3811,28 @@
               </a:lnSpc>
             </a:pPr>
             <a:r>
-              <a:rPr b="0" lang="en-US" sz="4800" spc="-1" strike="noStrike">
-                <a:solidFill>
-                  <a:srgbClr val="ffffff"/>
+              <a:rPr lang="en-US" sz="4800" b="0" strike="noStrike" spc="-1">
+                <a:solidFill>
+                  <a:srgbClr val="FFFFFF"/>
                 </a:solidFill>
                 <a:uFill>
                   <a:solidFill>
-                    <a:srgbClr val="ffffff"/>
+                    <a:srgbClr val="FFFFFF"/>
                   </a:solidFill>
                 </a:uFill>
                 <a:latin typeface="Arial"/>
-                <a:hlinkClick r:id="rId1"/>
+                <a:hlinkClick r:id="rId2"/>
               </a:rPr>
               <a:t>vichuang@seas.upenn.edu</a:t>
             </a:r>
             <a:r>
-              <a:rPr b="0" lang="en-US" sz="4800" spc="-1" strike="noStrike">
-                <a:solidFill>
-                  <a:srgbClr val="ffffff"/>
+              <a:rPr lang="en-US" sz="4800" b="0" strike="noStrike" spc="-1">
+                <a:solidFill>
+                  <a:srgbClr val="FFFFFF"/>
                 </a:solidFill>
                 <a:uFill>
                   <a:solidFill>
-                    <a:srgbClr val="ffffff"/>
+                    <a:srgbClr val="FFFFFF"/>
                   </a:solidFill>
                 </a:uFill>
                 <a:latin typeface="Arial"/>
@@ -3457,41 +3840,41 @@
               <a:t>, </a:t>
             </a:r>
             <a:r>
-              <a:rPr b="0" lang="en-US" sz="4800" spc="-1" strike="noStrike">
-                <a:solidFill>
-                  <a:srgbClr val="ffffff"/>
+              <a:rPr lang="en-US" sz="4800" b="0" strike="noStrike" spc="-1">
+                <a:solidFill>
+                  <a:srgbClr val="FFFFFF"/>
                 </a:solidFill>
                 <a:uFill>
                   <a:solidFill>
-                    <a:srgbClr val="ffffff"/>
+                    <a:srgbClr val="FFFFFF"/>
                   </a:solidFill>
                 </a:uFill>
                 <a:latin typeface="Arial"/>
-                <a:hlinkClick r:id="rId2"/>
+                <a:hlinkClick r:id="rId3"/>
               </a:rPr>
               <a:t>davsam@seas.upenn.edu</a:t>
             </a:r>
             <a:r>
-              <a:rPr b="0" lang="en-US" sz="4800" spc="-1" strike="noStrike">
-                <a:solidFill>
-                  <a:srgbClr val="ffffff"/>
+              <a:rPr lang="en-US" sz="4800" b="0" strike="noStrike" spc="-1">
+                <a:solidFill>
+                  <a:srgbClr val="FFFFFF"/>
                 </a:solidFill>
                 <a:uFill>
                   <a:solidFill>
-                    <a:srgbClr val="ffffff"/>
+                    <a:srgbClr val="FFFFFF"/>
                   </a:solidFill>
                 </a:uFill>
                 <a:latin typeface="Arial"/>
               </a:rPr>
               <a:t> </a:t>
             </a:r>
-            <a:endParaRPr b="0" lang="en-US" sz="1800" spc="-1" strike="noStrike">
+            <a:endParaRPr lang="en-US" sz="1800" b="0" strike="noStrike" spc="-1">
               <a:solidFill>
                 <a:srgbClr val="000000"/>
               </a:solidFill>
               <a:uFill>
                 <a:solidFill>
-                  <a:srgbClr val="ffffff"/>
+                  <a:srgbClr val="FFFFFF"/>
                 </a:solidFill>
               </a:uFill>
               <a:latin typeface="Arial"/>
@@ -3519,45 +3902,36 @@
           </a:ln>
         </p:spPr>
         <p:style>
-          <a:lnRef idx="0"/>
-          <a:fillRef idx="0"/>
-          <a:effectRef idx="0"/>
+          <a:lnRef idx="0">
+            <a:scrgbClr r="0" g="0" b="0"/>
+          </a:lnRef>
+          <a:fillRef idx="0">
+            <a:scrgbClr r="0" g="0" b="0"/>
+          </a:fillRef>
+          <a:effectRef idx="0">
+            <a:scrgbClr r="0" g="0" b="0"/>
+          </a:effectRef>
           <a:fontRef idx="minor"/>
         </p:style>
         <p:txBody>
-          <a:bodyPr lIns="90000" rIns="90000" tIns="45000" bIns="45000"/>
-          <a:p>
-            <a:pPr marL="457200" indent="-456840">
+          <a:bodyPr lIns="90000" tIns="45000" rIns="90000" bIns="45000"/>
+          <a:lstStyle/>
+          <a:p>
+            <a:pPr marL="360">
               <a:lnSpc>
                 <a:spcPct val="100000"/>
               </a:lnSpc>
               <a:buClr>
                 <a:srgbClr val="000000"/>
               </a:buClr>
-              <a:buFont typeface="Arial"/>
-              <a:buChar char="•"/>
             </a:pPr>
-            <a:r>
-              <a:rPr b="0" lang="en-US" sz="2800" spc="-1" strike="noStrike">
-                <a:solidFill>
-                  <a:srgbClr val="000000"/>
-                </a:solidFill>
-                <a:uFill>
-                  <a:solidFill>
-                    <a:srgbClr val="ffffff"/>
-                  </a:solidFill>
-                </a:uFill>
-                <a:latin typeface="Arial"/>
-              </a:rPr>
-              <a:t>TODO: table of accuracy scores</a:t>
-            </a:r>
-            <a:endParaRPr b="0" lang="en-US" sz="1800" spc="-1" strike="noStrike">
+            <a:endParaRPr lang="en-US" sz="1800" b="0" strike="noStrike" spc="-1" dirty="0">
               <a:solidFill>
                 <a:srgbClr val="000000"/>
               </a:solidFill>
               <a:uFill>
                 <a:solidFill>
-                  <a:srgbClr val="ffffff"/>
+                  <a:srgbClr val="FFFFFF"/>
                 </a:solidFill>
               </a:uFill>
               <a:latin typeface="Arial"/>
@@ -3587,13 +3961,20 @@
           </a:ln>
         </p:spPr>
         <p:style>
-          <a:lnRef idx="0"/>
-          <a:fillRef idx="0"/>
-          <a:effectRef idx="0"/>
+          <a:lnRef idx="0">
+            <a:scrgbClr r="0" g="0" b="0"/>
+          </a:lnRef>
+          <a:fillRef idx="0">
+            <a:scrgbClr r="0" g="0" b="0"/>
+          </a:fillRef>
+          <a:effectRef idx="0">
+            <a:scrgbClr r="0" g="0" b="0"/>
+          </a:effectRef>
           <a:fontRef idx="minor"/>
         </p:style>
         <p:txBody>
-          <a:bodyPr lIns="90000" rIns="90000" tIns="45000" bIns="45000"/>
+          <a:bodyPr lIns="90000" tIns="45000" rIns="90000" bIns="45000"/>
+          <a:lstStyle/>
           <a:p>
             <a:pPr>
               <a:lnSpc>
@@ -3601,26 +3982,26 @@
               </a:lnSpc>
             </a:pPr>
             <a:r>
-              <a:rPr b="1" lang="en-US" sz="5400" spc="-1" strike="noStrike">
-                <a:solidFill>
-                  <a:srgbClr val="1f497d"/>
+              <a:rPr lang="en-US" sz="5400" b="1" strike="noStrike" spc="-1">
+                <a:solidFill>
+                  <a:srgbClr val="1F497D"/>
                 </a:solidFill>
                 <a:uFill>
                   <a:solidFill>
-                    <a:srgbClr val="ffffff"/>
+                    <a:srgbClr val="FFFFFF"/>
                   </a:solidFill>
                 </a:uFill>
                 <a:latin typeface="Arial"/>
               </a:rPr>
               <a:t>The Model</a:t>
             </a:r>
-            <a:endParaRPr b="0" lang="en-US" sz="1800" spc="-1" strike="noStrike">
+            <a:endParaRPr lang="en-US" sz="1800" b="0" strike="noStrike" spc="-1">
               <a:solidFill>
                 <a:srgbClr val="000000"/>
               </a:solidFill>
               <a:uFill>
                 <a:solidFill>
-                  <a:srgbClr val="ffffff"/>
+                  <a:srgbClr val="FFFFFF"/>
                 </a:solidFill>
               </a:uFill>
               <a:latin typeface="Arial"/>
@@ -3648,13 +4029,20 @@
           </a:ln>
         </p:spPr>
         <p:style>
-          <a:lnRef idx="0"/>
-          <a:fillRef idx="0"/>
-          <a:effectRef idx="0"/>
+          <a:lnRef idx="0">
+            <a:scrgbClr r="0" g="0" b="0"/>
+          </a:lnRef>
+          <a:fillRef idx="0">
+            <a:scrgbClr r="0" g="0" b="0"/>
+          </a:fillRef>
+          <a:effectRef idx="0">
+            <a:scrgbClr r="0" g="0" b="0"/>
+          </a:effectRef>
           <a:fontRef idx="minor"/>
         </p:style>
         <p:txBody>
-          <a:bodyPr lIns="90000" rIns="90000" tIns="45000" bIns="45000"/>
+          <a:bodyPr lIns="90000" tIns="45000" rIns="90000" bIns="45000"/>
+          <a:lstStyle/>
           <a:p>
             <a:pPr marL="457200" indent="-456840">
               <a:lnSpc>
@@ -3667,26 +4055,26 @@
               <a:buChar char="•"/>
             </a:pPr>
             <a:r>
-              <a:rPr b="0" lang="en-US" sz="2800" spc="-1" strike="noStrike">
+              <a:rPr lang="en-US" sz="2800" b="0" strike="noStrike" spc="-1">
                 <a:solidFill>
                   <a:srgbClr val="000000"/>
                 </a:solidFill>
                 <a:uFill>
                   <a:solidFill>
-                    <a:srgbClr val="ffffff"/>
+                    <a:srgbClr val="FFFFFF"/>
                   </a:solidFill>
                 </a:uFill>
                 <a:latin typeface="Arial"/>
               </a:rPr>
               <a:t>N-gram model (n=4)</a:t>
             </a:r>
-            <a:endParaRPr b="0" lang="en-US" sz="1800" spc="-1" strike="noStrike">
+            <a:endParaRPr lang="en-US" sz="1800" b="0" strike="noStrike" spc="-1">
               <a:solidFill>
                 <a:srgbClr val="000000"/>
               </a:solidFill>
               <a:uFill>
                 <a:solidFill>
-                  <a:srgbClr val="ffffff"/>
+                  <a:srgbClr val="FFFFFF"/>
                 </a:solidFill>
               </a:uFill>
               <a:latin typeface="Arial"/>
@@ -3704,33 +4092,33 @@
               <a:buChar char="•"/>
             </a:pPr>
             <a:r>
-              <a:rPr b="0" lang="en-US" sz="2800" spc="-1" strike="noStrike">
+              <a:rPr lang="en-US" sz="2800" b="0" strike="noStrike" spc="-1">
                 <a:solidFill>
                   <a:srgbClr val="000000"/>
                 </a:solidFill>
                 <a:uFill>
                   <a:solidFill>
-                    <a:srgbClr val="ffffff"/>
+                    <a:srgbClr val="FFFFFF"/>
                   </a:solidFill>
                 </a:uFill>
                 <a:latin typeface="Arial"/>
               </a:rPr>
               <a:t>We have a separate model for each language</a:t>
             </a:r>
-            <a:endParaRPr b="0" lang="en-US" sz="1800" spc="-1" strike="noStrike">
+            <a:endParaRPr lang="en-US" sz="1800" b="0" strike="noStrike" spc="-1">
               <a:solidFill>
                 <a:srgbClr val="000000"/>
               </a:solidFill>
               <a:uFill>
                 <a:solidFill>
-                  <a:srgbClr val="ffffff"/>
+                  <a:srgbClr val="FFFFFF"/>
                 </a:solidFill>
               </a:uFill>
               <a:latin typeface="Arial"/>
             </a:endParaRPr>
           </a:p>
           <a:p>
-            <a:pPr lvl="1" marL="432000" indent="-216000">
+            <a:pPr marL="432000" lvl="1" indent="-216000">
               <a:lnSpc>
                 <a:spcPct val="100000"/>
               </a:lnSpc>
@@ -3742,33 +4130,33 @@
               <a:buChar char=""/>
             </a:pPr>
             <a:r>
-              <a:rPr b="0" lang="en-US" sz="2800" spc="-1" strike="noStrike">
+              <a:rPr lang="en-US" sz="2800" b="0" strike="noStrike" spc="-1">
                 <a:solidFill>
                   <a:srgbClr val="000000"/>
                 </a:solidFill>
                 <a:uFill>
                   <a:solidFill>
-                    <a:srgbClr val="ffffff"/>
+                    <a:srgbClr val="FFFFFF"/>
                   </a:solidFill>
                 </a:uFill>
                 <a:latin typeface="Arial"/>
               </a:rPr>
               <a:t>Each model is only trained on texts written in a certain language</a:t>
             </a:r>
-            <a:endParaRPr b="0" lang="en-US" sz="1800" spc="-1" strike="noStrike">
+            <a:endParaRPr lang="en-US" sz="1800" b="0" strike="noStrike" spc="-1">
               <a:solidFill>
                 <a:srgbClr val="000000"/>
               </a:solidFill>
               <a:uFill>
                 <a:solidFill>
-                  <a:srgbClr val="ffffff"/>
+                  <a:srgbClr val="FFFFFF"/>
                 </a:solidFill>
               </a:uFill>
               <a:latin typeface="Arial"/>
             </a:endParaRPr>
           </a:p>
           <a:p>
-            <a:pPr lvl="1" marL="432000" indent="-216000">
+            <a:pPr marL="432000" lvl="1" indent="-216000">
               <a:lnSpc>
                 <a:spcPct val="100000"/>
               </a:lnSpc>
@@ -3780,26 +4168,26 @@
               <a:buChar char=""/>
             </a:pPr>
             <a:r>
-              <a:rPr b="0" lang="en-US" sz="2800" spc="-1" strike="noStrike">
+              <a:rPr lang="en-US" sz="2800" b="0" strike="noStrike" spc="-1">
                 <a:solidFill>
                   <a:srgbClr val="000000"/>
                 </a:solidFill>
                 <a:uFill>
                   <a:solidFill>
-                    <a:srgbClr val="ffffff"/>
+                    <a:srgbClr val="FFFFFF"/>
                   </a:solidFill>
                 </a:uFill>
                 <a:latin typeface="Arial"/>
               </a:rPr>
               <a:t>Each model calculates the perplexity of the document</a:t>
             </a:r>
-            <a:endParaRPr b="0" lang="en-US" sz="1800" spc="-1" strike="noStrike">
+            <a:endParaRPr lang="en-US" sz="1800" b="0" strike="noStrike" spc="-1">
               <a:solidFill>
                 <a:srgbClr val="000000"/>
               </a:solidFill>
               <a:uFill>
                 <a:solidFill>
-                  <a:srgbClr val="ffffff"/>
+                  <a:srgbClr val="FFFFFF"/>
                 </a:solidFill>
               </a:uFill>
               <a:latin typeface="Arial"/>
@@ -3817,26 +4205,26 @@
               <a:buChar char="•"/>
             </a:pPr>
             <a:r>
-              <a:rPr b="0" lang="en-US" sz="2800" spc="-1" strike="noStrike">
+              <a:rPr lang="en-US" sz="2800" b="0" strike="noStrike" spc="-1">
                 <a:solidFill>
                   <a:srgbClr val="000000"/>
                 </a:solidFill>
                 <a:uFill>
                   <a:solidFill>
-                    <a:srgbClr val="ffffff"/>
+                    <a:srgbClr val="FFFFFF"/>
                   </a:solidFill>
                 </a:uFill>
                 <a:latin typeface="Arial"/>
               </a:rPr>
               <a:t>We identify the language of the document as the language of the model with the smallest perplexity</a:t>
             </a:r>
-            <a:endParaRPr b="0" lang="en-US" sz="1800" spc="-1" strike="noStrike">
+            <a:endParaRPr lang="en-US" sz="1800" b="0" strike="noStrike" spc="-1">
               <a:solidFill>
                 <a:srgbClr val="000000"/>
               </a:solidFill>
               <a:uFill>
                 <a:solidFill>
-                  <a:srgbClr val="ffffff"/>
+                  <a:srgbClr val="FFFFFF"/>
                 </a:solidFill>
               </a:uFill>
               <a:latin typeface="Arial"/>
@@ -3846,12 +4234,12 @@
       </p:sp>
       <p:pic>
         <p:nvPicPr>
-          <p:cNvPr id="60" name="" descr=""/>
+          <p:cNvPr id="60" name="Picture 59"/>
           <p:cNvPicPr/>
           <p:nvPr/>
         </p:nvPicPr>
         <p:blipFill>
-          <a:blip r:embed="rId3"/>
+          <a:blip r:embed="rId4"/>
           <a:stretch/>
         </p:blipFill>
         <p:spPr>
@@ -3867,8 +4255,2160 @@
           </a:ln>
         </p:spPr>
       </p:pic>
+      <p:graphicFrame>
+        <p:nvGraphicFramePr>
+          <p:cNvPr id="2" name="Table 1">
+            <a:extLst>
+              <a:ext uri="{FF2B5EF4-FFF2-40B4-BE49-F238E27FC236}">
+                <a16:creationId xmlns:a16="http://schemas.microsoft.com/office/drawing/2014/main" id="{1B77AE48-81CD-4AF9-A6BE-BD6C2E019E50}"/>
+              </a:ext>
+            </a:extLst>
+          </p:cNvPr>
+          <p:cNvGraphicFramePr>
+            <a:graphicFrameLocks noGrp="1"/>
+          </p:cNvGraphicFramePr>
+          <p:nvPr>
+            <p:extLst>
+              <p:ext uri="{D42A27DB-BD31-4B8C-83A1-F6EECF244321}">
+                <p14:modId xmlns:p14="http://schemas.microsoft.com/office/powerpoint/2010/main" val="3022985975"/>
+              </p:ext>
+            </p:extLst>
+          </p:nvPr>
+        </p:nvGraphicFramePr>
+        <p:xfrm>
+          <a:off x="13213440" y="15299383"/>
+          <a:ext cx="10690560" cy="10904657"/>
+        </p:xfrm>
+        <a:graphic>
+          <a:graphicData uri="http://schemas.openxmlformats.org/drawingml/2006/table">
+            <a:tbl>
+              <a:tblPr/>
+              <a:tblGrid>
+                <a:gridCol w="3563520">
+                  <a:extLst>
+                    <a:ext uri="{9D8B030D-6E8A-4147-A177-3AD203B41FA5}">
+                      <a16:colId xmlns:a16="http://schemas.microsoft.com/office/drawing/2014/main" val="728674343"/>
+                    </a:ext>
+                  </a:extLst>
+                </a:gridCol>
+                <a:gridCol w="3563520">
+                  <a:extLst>
+                    <a:ext uri="{9D8B030D-6E8A-4147-A177-3AD203B41FA5}">
+                      <a16:colId xmlns:a16="http://schemas.microsoft.com/office/drawing/2014/main" val="3850358462"/>
+                    </a:ext>
+                  </a:extLst>
+                </a:gridCol>
+                <a:gridCol w="3563520">
+                  <a:extLst>
+                    <a:ext uri="{9D8B030D-6E8A-4147-A177-3AD203B41FA5}">
+                      <a16:colId xmlns:a16="http://schemas.microsoft.com/office/drawing/2014/main" val="625557026"/>
+                    </a:ext>
+                  </a:extLst>
+                </a:gridCol>
+              </a:tblGrid>
+              <a:tr h="547719">
+                <a:tc>
+                  <a:txBody>
+                    <a:bodyPr/>
+                    <a:lstStyle/>
+                    <a:p>
+                      <a:pPr rtl="0" fontAlgn="b"/>
+                      <a:r>
+                        <a:rPr lang="en-US" sz="2800">
+                          <a:effectLst/>
+                        </a:rPr>
+                        <a:t>order</a:t>
+                      </a:r>
+                    </a:p>
+                  </a:txBody>
+                  <a:tcPr marL="8440" marR="8440" marT="5626" marB="5626" anchor="b">
+                    <a:lnL w="12700" cap="flat" cmpd="sng" algn="ctr">
+                      <a:solidFill>
+                        <a:schemeClr val="tx1"/>
+                      </a:solidFill>
+                      <a:prstDash val="solid"/>
+                      <a:round/>
+                      <a:headEnd type="none" w="med" len="med"/>
+                      <a:tailEnd type="none" w="med" len="med"/>
+                    </a:lnL>
+                    <a:lnR w="12700" cap="flat" cmpd="sng" algn="ctr">
+                      <a:solidFill>
+                        <a:schemeClr val="tx1"/>
+                      </a:solidFill>
+                      <a:prstDash val="solid"/>
+                      <a:round/>
+                      <a:headEnd type="none" w="med" len="med"/>
+                      <a:tailEnd type="none" w="med" len="med"/>
+                    </a:lnR>
+                    <a:lnT w="12700" cap="flat" cmpd="sng" algn="ctr">
+                      <a:solidFill>
+                        <a:schemeClr val="tx1"/>
+                      </a:solidFill>
+                      <a:prstDash val="solid"/>
+                      <a:round/>
+                      <a:headEnd type="none" w="med" len="med"/>
+                      <a:tailEnd type="none" w="med" len="med"/>
+                    </a:lnT>
+                    <a:lnB w="12700" cap="flat" cmpd="sng" algn="ctr">
+                      <a:solidFill>
+                        <a:schemeClr val="tx1"/>
+                      </a:solidFill>
+                      <a:prstDash val="solid"/>
+                      <a:round/>
+                      <a:headEnd type="none" w="med" len="med"/>
+                      <a:tailEnd type="none" w="med" len="med"/>
+                    </a:lnB>
+                  </a:tcPr>
+                </a:tc>
+                <a:tc>
+                  <a:txBody>
+                    <a:bodyPr/>
+                    <a:lstStyle/>
+                    <a:p>
+                      <a:pPr rtl="0" fontAlgn="b"/>
+                      <a:r>
+                        <a:rPr lang="en-US" sz="2800">
+                          <a:effectLst/>
+                        </a:rPr>
+                        <a:t>language</a:t>
+                      </a:r>
+                    </a:p>
+                  </a:txBody>
+                  <a:tcPr marL="8440" marR="8440" marT="5626" marB="5626" anchor="b">
+                    <a:lnL w="12700" cap="flat" cmpd="sng" algn="ctr">
+                      <a:solidFill>
+                        <a:schemeClr val="tx1"/>
+                      </a:solidFill>
+                      <a:prstDash val="solid"/>
+                      <a:round/>
+                      <a:headEnd type="none" w="med" len="med"/>
+                      <a:tailEnd type="none" w="med" len="med"/>
+                    </a:lnL>
+                    <a:lnR w="12700" cap="flat" cmpd="sng" algn="ctr">
+                      <a:solidFill>
+                        <a:schemeClr val="tx1"/>
+                      </a:solidFill>
+                      <a:prstDash val="solid"/>
+                      <a:round/>
+                      <a:headEnd type="none" w="med" len="med"/>
+                      <a:tailEnd type="none" w="med" len="med"/>
+                    </a:lnR>
+                    <a:lnT w="12700" cap="flat" cmpd="sng" algn="ctr">
+                      <a:solidFill>
+                        <a:schemeClr val="tx1"/>
+                      </a:solidFill>
+                      <a:prstDash val="solid"/>
+                      <a:round/>
+                      <a:headEnd type="none" w="med" len="med"/>
+                      <a:tailEnd type="none" w="med" len="med"/>
+                    </a:lnT>
+                    <a:lnB w="12700" cap="flat" cmpd="sng" algn="ctr">
+                      <a:solidFill>
+                        <a:schemeClr val="tx1"/>
+                      </a:solidFill>
+                      <a:prstDash val="solid"/>
+                      <a:round/>
+                      <a:headEnd type="none" w="med" len="med"/>
+                      <a:tailEnd type="none" w="med" len="med"/>
+                    </a:lnB>
+                  </a:tcPr>
+                </a:tc>
+                <a:tc>
+                  <a:txBody>
+                    <a:bodyPr/>
+                    <a:lstStyle/>
+                    <a:p>
+                      <a:pPr rtl="0" fontAlgn="b"/>
+                      <a:r>
+                        <a:rPr lang="en-US" sz="2800">
+                          <a:effectLst/>
+                        </a:rPr>
+                        <a:t>family</a:t>
+                      </a:r>
+                    </a:p>
+                  </a:txBody>
+                  <a:tcPr marL="8440" marR="8440" marT="5626" marB="5626" anchor="b">
+                    <a:lnL w="12700" cap="flat" cmpd="sng" algn="ctr">
+                      <a:solidFill>
+                        <a:schemeClr val="tx1"/>
+                      </a:solidFill>
+                      <a:prstDash val="solid"/>
+                      <a:round/>
+                      <a:headEnd type="none" w="med" len="med"/>
+                      <a:tailEnd type="none" w="med" len="med"/>
+                    </a:lnL>
+                    <a:lnR w="12700" cap="flat" cmpd="sng" algn="ctr">
+                      <a:solidFill>
+                        <a:schemeClr val="tx1"/>
+                      </a:solidFill>
+                      <a:prstDash val="solid"/>
+                      <a:round/>
+                      <a:headEnd type="none" w="med" len="med"/>
+                      <a:tailEnd type="none" w="med" len="med"/>
+                    </a:lnR>
+                    <a:lnT w="12700" cap="flat" cmpd="sng" algn="ctr">
+                      <a:solidFill>
+                        <a:schemeClr val="tx1"/>
+                      </a:solidFill>
+                      <a:prstDash val="solid"/>
+                      <a:round/>
+                      <a:headEnd type="none" w="med" len="med"/>
+                      <a:tailEnd type="none" w="med" len="med"/>
+                    </a:lnT>
+                    <a:lnB w="12700" cap="flat" cmpd="sng" algn="ctr">
+                      <a:solidFill>
+                        <a:schemeClr val="tx1"/>
+                      </a:solidFill>
+                      <a:prstDash val="solid"/>
+                      <a:round/>
+                      <a:headEnd type="none" w="med" len="med"/>
+                      <a:tailEnd type="none" w="med" len="med"/>
+                    </a:lnB>
+                  </a:tcPr>
+                </a:tc>
+                <a:extLst>
+                  <a:ext uri="{0D108BD9-81ED-4DB2-BD59-A6C34878D82A}">
+                    <a16:rowId xmlns:a16="http://schemas.microsoft.com/office/drawing/2014/main" val="2866038476"/>
+                  </a:ext>
+                </a:extLst>
+              </a:tr>
+              <a:tr h="817827">
+                <a:tc>
+                  <a:txBody>
+                    <a:bodyPr/>
+                    <a:lstStyle/>
+                    <a:p>
+                      <a:pPr algn="r" rtl="0" fontAlgn="b"/>
+                      <a:r>
+                        <a:rPr lang="en-US" sz="2800">
+                          <a:effectLst/>
+                        </a:rPr>
+                        <a:t>2</a:t>
+                      </a:r>
+                    </a:p>
+                  </a:txBody>
+                  <a:tcPr marL="8440" marR="8440" marT="5626" marB="5626" anchor="b">
+                    <a:lnL w="12700" cap="flat" cmpd="sng" algn="ctr">
+                      <a:solidFill>
+                        <a:schemeClr val="tx1"/>
+                      </a:solidFill>
+                      <a:prstDash val="solid"/>
+                      <a:round/>
+                      <a:headEnd type="none" w="med" len="med"/>
+                      <a:tailEnd type="none" w="med" len="med"/>
+                    </a:lnL>
+                    <a:lnR w="12700" cap="flat" cmpd="sng" algn="ctr">
+                      <a:solidFill>
+                        <a:schemeClr val="tx1"/>
+                      </a:solidFill>
+                      <a:prstDash val="solid"/>
+                      <a:round/>
+                      <a:headEnd type="none" w="med" len="med"/>
+                      <a:tailEnd type="none" w="med" len="med"/>
+                    </a:lnR>
+                    <a:lnT w="12700" cap="flat" cmpd="sng" algn="ctr">
+                      <a:solidFill>
+                        <a:schemeClr val="tx1"/>
+                      </a:solidFill>
+                      <a:prstDash val="solid"/>
+                      <a:round/>
+                      <a:headEnd type="none" w="med" len="med"/>
+                      <a:tailEnd type="none" w="med" len="med"/>
+                    </a:lnT>
+                    <a:lnB w="12700" cap="flat" cmpd="sng" algn="ctr">
+                      <a:solidFill>
+                        <a:schemeClr val="tx1"/>
+                      </a:solidFill>
+                      <a:prstDash val="solid"/>
+                      <a:round/>
+                      <a:headEnd type="none" w="med" len="med"/>
+                      <a:tailEnd type="none" w="med" len="med"/>
+                    </a:lnB>
+                  </a:tcPr>
+                </a:tc>
+                <a:tc>
+                  <a:txBody>
+                    <a:bodyPr/>
+                    <a:lstStyle/>
+                    <a:p>
+                      <a:pPr algn="r" rtl="0" fontAlgn="b"/>
+                      <a:r>
+                        <a:rPr lang="en-US" sz="2800">
+                          <a:effectLst/>
+                        </a:rPr>
+                        <a:t>0.7013077594</a:t>
+                      </a:r>
+                    </a:p>
+                  </a:txBody>
+                  <a:tcPr marL="8440" marR="8440" marT="5626" marB="5626" anchor="b">
+                    <a:lnL w="12700" cap="flat" cmpd="sng" algn="ctr">
+                      <a:solidFill>
+                        <a:schemeClr val="tx1"/>
+                      </a:solidFill>
+                      <a:prstDash val="solid"/>
+                      <a:round/>
+                      <a:headEnd type="none" w="med" len="med"/>
+                      <a:tailEnd type="none" w="med" len="med"/>
+                    </a:lnL>
+                    <a:lnR w="12700" cap="flat" cmpd="sng" algn="ctr">
+                      <a:solidFill>
+                        <a:schemeClr val="tx1"/>
+                      </a:solidFill>
+                      <a:prstDash val="solid"/>
+                      <a:round/>
+                      <a:headEnd type="none" w="med" len="med"/>
+                      <a:tailEnd type="none" w="med" len="med"/>
+                    </a:lnR>
+                    <a:lnT w="12700" cap="flat" cmpd="sng" algn="ctr">
+                      <a:solidFill>
+                        <a:schemeClr val="tx1"/>
+                      </a:solidFill>
+                      <a:prstDash val="solid"/>
+                      <a:round/>
+                      <a:headEnd type="none" w="med" len="med"/>
+                      <a:tailEnd type="none" w="med" len="med"/>
+                    </a:lnT>
+                    <a:lnB w="12700" cap="flat" cmpd="sng" algn="ctr">
+                      <a:solidFill>
+                        <a:schemeClr val="tx1"/>
+                      </a:solidFill>
+                      <a:prstDash val="solid"/>
+                      <a:round/>
+                      <a:headEnd type="none" w="med" len="med"/>
+                      <a:tailEnd type="none" w="med" len="med"/>
+                    </a:lnB>
+                  </a:tcPr>
+                </a:tc>
+                <a:tc>
+                  <a:txBody>
+                    <a:bodyPr/>
+                    <a:lstStyle/>
+                    <a:p>
+                      <a:pPr algn="r" rtl="0" fontAlgn="b"/>
+                      <a:r>
+                        <a:rPr lang="en-US" sz="2800">
+                          <a:effectLst/>
+                        </a:rPr>
+                        <a:t>0.7347863993</a:t>
+                      </a:r>
+                    </a:p>
+                  </a:txBody>
+                  <a:tcPr marL="8440" marR="8440" marT="5626" marB="5626" anchor="b">
+                    <a:lnL w="12700" cap="flat" cmpd="sng" algn="ctr">
+                      <a:solidFill>
+                        <a:schemeClr val="tx1"/>
+                      </a:solidFill>
+                      <a:prstDash val="solid"/>
+                      <a:round/>
+                      <a:headEnd type="none" w="med" len="med"/>
+                      <a:tailEnd type="none" w="med" len="med"/>
+                    </a:lnL>
+                    <a:lnR w="12700" cap="flat" cmpd="sng" algn="ctr">
+                      <a:solidFill>
+                        <a:schemeClr val="tx1"/>
+                      </a:solidFill>
+                      <a:prstDash val="solid"/>
+                      <a:round/>
+                      <a:headEnd type="none" w="med" len="med"/>
+                      <a:tailEnd type="none" w="med" len="med"/>
+                    </a:lnR>
+                    <a:lnT w="12700" cap="flat" cmpd="sng" algn="ctr">
+                      <a:solidFill>
+                        <a:schemeClr val="tx1"/>
+                      </a:solidFill>
+                      <a:prstDash val="solid"/>
+                      <a:round/>
+                      <a:headEnd type="none" w="med" len="med"/>
+                      <a:tailEnd type="none" w="med" len="med"/>
+                    </a:lnT>
+                    <a:lnB w="12700" cap="flat" cmpd="sng" algn="ctr">
+                      <a:solidFill>
+                        <a:schemeClr val="tx1"/>
+                      </a:solidFill>
+                      <a:prstDash val="solid"/>
+                      <a:round/>
+                      <a:headEnd type="none" w="med" len="med"/>
+                      <a:tailEnd type="none" w="med" len="med"/>
+                    </a:lnB>
+                  </a:tcPr>
+                </a:tc>
+                <a:extLst>
+                  <a:ext uri="{0D108BD9-81ED-4DB2-BD59-A6C34878D82A}">
+                    <a16:rowId xmlns:a16="http://schemas.microsoft.com/office/drawing/2014/main" val="3629772276"/>
+                  </a:ext>
+                </a:extLst>
+              </a:tr>
+              <a:tr h="817827">
+                <a:tc>
+                  <a:txBody>
+                    <a:bodyPr/>
+                    <a:lstStyle/>
+                    <a:p>
+                      <a:pPr algn="r" rtl="0" fontAlgn="b"/>
+                      <a:r>
+                        <a:rPr lang="en-US" sz="2800" dirty="0">
+                          <a:effectLst/>
+                        </a:rPr>
+                        <a:t>3</a:t>
+                      </a:r>
+                    </a:p>
+                  </a:txBody>
+                  <a:tcPr marL="8440" marR="8440" marT="5626" marB="5626" anchor="b">
+                    <a:lnL w="12700" cap="flat" cmpd="sng" algn="ctr">
+                      <a:solidFill>
+                        <a:schemeClr val="tx1"/>
+                      </a:solidFill>
+                      <a:prstDash val="solid"/>
+                      <a:round/>
+                      <a:headEnd type="none" w="med" len="med"/>
+                      <a:tailEnd type="none" w="med" len="med"/>
+                    </a:lnL>
+                    <a:lnR w="12700" cap="flat" cmpd="sng" algn="ctr">
+                      <a:solidFill>
+                        <a:schemeClr val="tx1"/>
+                      </a:solidFill>
+                      <a:prstDash val="solid"/>
+                      <a:round/>
+                      <a:headEnd type="none" w="med" len="med"/>
+                      <a:tailEnd type="none" w="med" len="med"/>
+                    </a:lnR>
+                    <a:lnT w="12700" cap="flat" cmpd="sng" algn="ctr">
+                      <a:solidFill>
+                        <a:schemeClr val="tx1"/>
+                      </a:solidFill>
+                      <a:prstDash val="solid"/>
+                      <a:round/>
+                      <a:headEnd type="none" w="med" len="med"/>
+                      <a:tailEnd type="none" w="med" len="med"/>
+                    </a:lnT>
+                    <a:lnB w="12700" cap="flat" cmpd="sng" algn="ctr">
+                      <a:solidFill>
+                        <a:schemeClr val="tx1"/>
+                      </a:solidFill>
+                      <a:prstDash val="solid"/>
+                      <a:round/>
+                      <a:headEnd type="none" w="med" len="med"/>
+                      <a:tailEnd type="none" w="med" len="med"/>
+                    </a:lnB>
+                  </a:tcPr>
+                </a:tc>
+                <a:tc>
+                  <a:txBody>
+                    <a:bodyPr/>
+                    <a:lstStyle/>
+                    <a:p>
+                      <a:pPr algn="r" rtl="0" fontAlgn="b"/>
+                      <a:r>
+                        <a:rPr lang="en-US" sz="2800">
+                          <a:effectLst/>
+                        </a:rPr>
+                        <a:t>0.7180470793</a:t>
+                      </a:r>
+                    </a:p>
+                  </a:txBody>
+                  <a:tcPr marL="8440" marR="8440" marT="5626" marB="5626" anchor="b">
+                    <a:lnL w="12700" cap="flat" cmpd="sng" algn="ctr">
+                      <a:solidFill>
+                        <a:schemeClr val="tx1"/>
+                      </a:solidFill>
+                      <a:prstDash val="solid"/>
+                      <a:round/>
+                      <a:headEnd type="none" w="med" len="med"/>
+                      <a:tailEnd type="none" w="med" len="med"/>
+                    </a:lnL>
+                    <a:lnR w="12700" cap="flat" cmpd="sng" algn="ctr">
+                      <a:solidFill>
+                        <a:schemeClr val="tx1"/>
+                      </a:solidFill>
+                      <a:prstDash val="solid"/>
+                      <a:round/>
+                      <a:headEnd type="none" w="med" len="med"/>
+                      <a:tailEnd type="none" w="med" len="med"/>
+                    </a:lnR>
+                    <a:lnT w="12700" cap="flat" cmpd="sng" algn="ctr">
+                      <a:solidFill>
+                        <a:schemeClr val="tx1"/>
+                      </a:solidFill>
+                      <a:prstDash val="solid"/>
+                      <a:round/>
+                      <a:headEnd type="none" w="med" len="med"/>
+                      <a:tailEnd type="none" w="med" len="med"/>
+                    </a:lnT>
+                    <a:lnB w="12700" cap="flat" cmpd="sng" algn="ctr">
+                      <a:solidFill>
+                        <a:schemeClr val="tx1"/>
+                      </a:solidFill>
+                      <a:prstDash val="solid"/>
+                      <a:round/>
+                      <a:headEnd type="none" w="med" len="med"/>
+                      <a:tailEnd type="none" w="med" len="med"/>
+                    </a:lnB>
+                  </a:tcPr>
+                </a:tc>
+                <a:tc>
+                  <a:txBody>
+                    <a:bodyPr/>
+                    <a:lstStyle/>
+                    <a:p>
+                      <a:pPr algn="r" rtl="0" fontAlgn="b"/>
+                      <a:r>
+                        <a:rPr lang="en-US" sz="2800">
+                          <a:effectLst/>
+                        </a:rPr>
+                        <a:t>0.7339145597</a:t>
+                      </a:r>
+                    </a:p>
+                  </a:txBody>
+                  <a:tcPr marL="8440" marR="8440" marT="5626" marB="5626" anchor="b">
+                    <a:lnL w="12700" cap="flat" cmpd="sng" algn="ctr">
+                      <a:solidFill>
+                        <a:schemeClr val="tx1"/>
+                      </a:solidFill>
+                      <a:prstDash val="solid"/>
+                      <a:round/>
+                      <a:headEnd type="none" w="med" len="med"/>
+                      <a:tailEnd type="none" w="med" len="med"/>
+                    </a:lnL>
+                    <a:lnR w="12700" cap="flat" cmpd="sng" algn="ctr">
+                      <a:solidFill>
+                        <a:schemeClr val="tx1"/>
+                      </a:solidFill>
+                      <a:prstDash val="solid"/>
+                      <a:round/>
+                      <a:headEnd type="none" w="med" len="med"/>
+                      <a:tailEnd type="none" w="med" len="med"/>
+                    </a:lnR>
+                    <a:lnT w="12700" cap="flat" cmpd="sng" algn="ctr">
+                      <a:solidFill>
+                        <a:schemeClr val="tx1"/>
+                      </a:solidFill>
+                      <a:prstDash val="solid"/>
+                      <a:round/>
+                      <a:headEnd type="none" w="med" len="med"/>
+                      <a:tailEnd type="none" w="med" len="med"/>
+                    </a:lnT>
+                    <a:lnB w="12700" cap="flat" cmpd="sng" algn="ctr">
+                      <a:solidFill>
+                        <a:schemeClr val="tx1"/>
+                      </a:solidFill>
+                      <a:prstDash val="solid"/>
+                      <a:round/>
+                      <a:headEnd type="none" w="med" len="med"/>
+                      <a:tailEnd type="none" w="med" len="med"/>
+                    </a:lnB>
+                  </a:tcPr>
+                </a:tc>
+                <a:extLst>
+                  <a:ext uri="{0D108BD9-81ED-4DB2-BD59-A6C34878D82A}">
+                    <a16:rowId xmlns:a16="http://schemas.microsoft.com/office/drawing/2014/main" val="3358170852"/>
+                  </a:ext>
+                </a:extLst>
+              </a:tr>
+              <a:tr h="817827">
+                <a:tc>
+                  <a:txBody>
+                    <a:bodyPr/>
+                    <a:lstStyle/>
+                    <a:p>
+                      <a:pPr algn="r" rtl="0" fontAlgn="b"/>
+                      <a:r>
+                        <a:rPr lang="en-US" sz="2800">
+                          <a:effectLst/>
+                        </a:rPr>
+                        <a:t>4</a:t>
+                      </a:r>
+                    </a:p>
+                  </a:txBody>
+                  <a:tcPr marL="8440" marR="8440" marT="5626" marB="5626" anchor="b">
+                    <a:lnL w="12700" cap="flat" cmpd="sng" algn="ctr">
+                      <a:solidFill>
+                        <a:schemeClr val="tx1"/>
+                      </a:solidFill>
+                      <a:prstDash val="solid"/>
+                      <a:round/>
+                      <a:headEnd type="none" w="med" len="med"/>
+                      <a:tailEnd type="none" w="med" len="med"/>
+                    </a:lnL>
+                    <a:lnR w="12700" cap="flat" cmpd="sng" algn="ctr">
+                      <a:solidFill>
+                        <a:schemeClr val="tx1"/>
+                      </a:solidFill>
+                      <a:prstDash val="solid"/>
+                      <a:round/>
+                      <a:headEnd type="none" w="med" len="med"/>
+                      <a:tailEnd type="none" w="med" len="med"/>
+                    </a:lnR>
+                    <a:lnT w="12700" cap="flat" cmpd="sng" algn="ctr">
+                      <a:solidFill>
+                        <a:schemeClr val="tx1"/>
+                      </a:solidFill>
+                      <a:prstDash val="solid"/>
+                      <a:round/>
+                      <a:headEnd type="none" w="med" len="med"/>
+                      <a:tailEnd type="none" w="med" len="med"/>
+                    </a:lnT>
+                    <a:lnB w="12700" cap="flat" cmpd="sng" algn="ctr">
+                      <a:solidFill>
+                        <a:schemeClr val="tx1"/>
+                      </a:solidFill>
+                      <a:prstDash val="solid"/>
+                      <a:round/>
+                      <a:headEnd type="none" w="med" len="med"/>
+                      <a:tailEnd type="none" w="med" len="med"/>
+                    </a:lnB>
+                  </a:tcPr>
+                </a:tc>
+                <a:tc>
+                  <a:txBody>
+                    <a:bodyPr/>
+                    <a:lstStyle/>
+                    <a:p>
+                      <a:pPr algn="r" rtl="0" fontAlgn="b"/>
+                      <a:r>
+                        <a:rPr lang="en-US" sz="2800">
+                          <a:effectLst/>
+                        </a:rPr>
+                        <a:t>0.7192676548</a:t>
+                      </a:r>
+                    </a:p>
+                  </a:txBody>
+                  <a:tcPr marL="8440" marR="8440" marT="5626" marB="5626" anchor="b">
+                    <a:lnL w="12700" cap="flat" cmpd="sng" algn="ctr">
+                      <a:solidFill>
+                        <a:schemeClr val="tx1"/>
+                      </a:solidFill>
+                      <a:prstDash val="solid"/>
+                      <a:round/>
+                      <a:headEnd type="none" w="med" len="med"/>
+                      <a:tailEnd type="none" w="med" len="med"/>
+                    </a:lnL>
+                    <a:lnR w="12700" cap="flat" cmpd="sng" algn="ctr">
+                      <a:solidFill>
+                        <a:schemeClr val="tx1"/>
+                      </a:solidFill>
+                      <a:prstDash val="solid"/>
+                      <a:round/>
+                      <a:headEnd type="none" w="med" len="med"/>
+                      <a:tailEnd type="none" w="med" len="med"/>
+                    </a:lnR>
+                    <a:lnT w="12700" cap="flat" cmpd="sng" algn="ctr">
+                      <a:solidFill>
+                        <a:schemeClr val="tx1"/>
+                      </a:solidFill>
+                      <a:prstDash val="solid"/>
+                      <a:round/>
+                      <a:headEnd type="none" w="med" len="med"/>
+                      <a:tailEnd type="none" w="med" len="med"/>
+                    </a:lnT>
+                    <a:lnB w="12700" cap="flat" cmpd="sng" algn="ctr">
+                      <a:solidFill>
+                        <a:schemeClr val="tx1"/>
+                      </a:solidFill>
+                      <a:prstDash val="solid"/>
+                      <a:round/>
+                      <a:headEnd type="none" w="med" len="med"/>
+                      <a:tailEnd type="none" w="med" len="med"/>
+                    </a:lnB>
+                  </a:tcPr>
+                </a:tc>
+                <a:tc>
+                  <a:txBody>
+                    <a:bodyPr/>
+                    <a:lstStyle/>
+                    <a:p>
+                      <a:pPr algn="r" rtl="0" fontAlgn="b"/>
+                      <a:r>
+                        <a:rPr lang="en-US" sz="2800">
+                          <a:effectLst/>
+                        </a:rPr>
+                        <a:t>0.7323452485</a:t>
+                      </a:r>
+                    </a:p>
+                  </a:txBody>
+                  <a:tcPr marL="8440" marR="8440" marT="5626" marB="5626" anchor="b">
+                    <a:lnL w="12700" cap="flat" cmpd="sng" algn="ctr">
+                      <a:solidFill>
+                        <a:schemeClr val="tx1"/>
+                      </a:solidFill>
+                      <a:prstDash val="solid"/>
+                      <a:round/>
+                      <a:headEnd type="none" w="med" len="med"/>
+                      <a:tailEnd type="none" w="med" len="med"/>
+                    </a:lnL>
+                    <a:lnR w="12700" cap="flat" cmpd="sng" algn="ctr">
+                      <a:solidFill>
+                        <a:schemeClr val="tx1"/>
+                      </a:solidFill>
+                      <a:prstDash val="solid"/>
+                      <a:round/>
+                      <a:headEnd type="none" w="med" len="med"/>
+                      <a:tailEnd type="none" w="med" len="med"/>
+                    </a:lnR>
+                    <a:lnT w="12700" cap="flat" cmpd="sng" algn="ctr">
+                      <a:solidFill>
+                        <a:schemeClr val="tx1"/>
+                      </a:solidFill>
+                      <a:prstDash val="solid"/>
+                      <a:round/>
+                      <a:headEnd type="none" w="med" len="med"/>
+                      <a:tailEnd type="none" w="med" len="med"/>
+                    </a:lnT>
+                    <a:lnB w="12700" cap="flat" cmpd="sng" algn="ctr">
+                      <a:solidFill>
+                        <a:schemeClr val="tx1"/>
+                      </a:solidFill>
+                      <a:prstDash val="solid"/>
+                      <a:round/>
+                      <a:headEnd type="none" w="med" len="med"/>
+                      <a:tailEnd type="none" w="med" len="med"/>
+                    </a:lnB>
+                  </a:tcPr>
+                </a:tc>
+                <a:extLst>
+                  <a:ext uri="{0D108BD9-81ED-4DB2-BD59-A6C34878D82A}">
+                    <a16:rowId xmlns:a16="http://schemas.microsoft.com/office/drawing/2014/main" val="3563557214"/>
+                  </a:ext>
+                </a:extLst>
+              </a:tr>
+              <a:tr h="292433">
+                <a:tc>
+                  <a:txBody>
+                    <a:bodyPr/>
+                    <a:lstStyle/>
+                    <a:p>
+                      <a:pPr rtl="0" fontAlgn="b"/>
+                      <a:endParaRPr lang="en-US" sz="2800">
+                        <a:effectLst/>
+                      </a:endParaRPr>
+                    </a:p>
+                  </a:txBody>
+                  <a:tcPr marL="8440" marR="8440" marT="5626" marB="5626" anchor="b">
+                    <a:lnL w="12700" cap="flat" cmpd="sng" algn="ctr">
+                      <a:solidFill>
+                        <a:schemeClr val="tx1"/>
+                      </a:solidFill>
+                      <a:prstDash val="solid"/>
+                      <a:round/>
+                      <a:headEnd type="none" w="med" len="med"/>
+                      <a:tailEnd type="none" w="med" len="med"/>
+                    </a:lnL>
+                    <a:lnR w="12700" cap="flat" cmpd="sng" algn="ctr">
+                      <a:solidFill>
+                        <a:schemeClr val="tx1"/>
+                      </a:solidFill>
+                      <a:prstDash val="solid"/>
+                      <a:round/>
+                      <a:headEnd type="none" w="med" len="med"/>
+                      <a:tailEnd type="none" w="med" len="med"/>
+                    </a:lnR>
+                    <a:lnT w="12700" cap="flat" cmpd="sng" algn="ctr">
+                      <a:solidFill>
+                        <a:schemeClr val="tx1"/>
+                      </a:solidFill>
+                      <a:prstDash val="solid"/>
+                      <a:round/>
+                      <a:headEnd type="none" w="med" len="med"/>
+                      <a:tailEnd type="none" w="med" len="med"/>
+                    </a:lnT>
+                    <a:lnB w="12700" cap="flat" cmpd="sng" algn="ctr">
+                      <a:solidFill>
+                        <a:schemeClr val="tx1"/>
+                      </a:solidFill>
+                      <a:prstDash val="solid"/>
+                      <a:round/>
+                      <a:headEnd type="none" w="med" len="med"/>
+                      <a:tailEnd type="none" w="med" len="med"/>
+                    </a:lnB>
+                  </a:tcPr>
+                </a:tc>
+                <a:tc>
+                  <a:txBody>
+                    <a:bodyPr/>
+                    <a:lstStyle/>
+                    <a:p>
+                      <a:pPr rtl="0" fontAlgn="b"/>
+                      <a:endParaRPr lang="en-US" sz="2800">
+                        <a:effectLst/>
+                      </a:endParaRPr>
+                    </a:p>
+                  </a:txBody>
+                  <a:tcPr marL="8440" marR="8440" marT="5626" marB="5626" anchor="b">
+                    <a:lnL w="12700" cap="flat" cmpd="sng" algn="ctr">
+                      <a:solidFill>
+                        <a:schemeClr val="tx1"/>
+                      </a:solidFill>
+                      <a:prstDash val="solid"/>
+                      <a:round/>
+                      <a:headEnd type="none" w="med" len="med"/>
+                      <a:tailEnd type="none" w="med" len="med"/>
+                    </a:lnL>
+                    <a:lnR w="12700" cap="flat" cmpd="sng" algn="ctr">
+                      <a:solidFill>
+                        <a:schemeClr val="tx1"/>
+                      </a:solidFill>
+                      <a:prstDash val="solid"/>
+                      <a:round/>
+                      <a:headEnd type="none" w="med" len="med"/>
+                      <a:tailEnd type="none" w="med" len="med"/>
+                    </a:lnR>
+                    <a:lnT w="12700" cap="flat" cmpd="sng" algn="ctr">
+                      <a:solidFill>
+                        <a:schemeClr val="tx1"/>
+                      </a:solidFill>
+                      <a:prstDash val="solid"/>
+                      <a:round/>
+                      <a:headEnd type="none" w="med" len="med"/>
+                      <a:tailEnd type="none" w="med" len="med"/>
+                    </a:lnT>
+                    <a:lnB w="12700" cap="flat" cmpd="sng" algn="ctr">
+                      <a:solidFill>
+                        <a:schemeClr val="tx1"/>
+                      </a:solidFill>
+                      <a:prstDash val="solid"/>
+                      <a:round/>
+                      <a:headEnd type="none" w="med" len="med"/>
+                      <a:tailEnd type="none" w="med" len="med"/>
+                    </a:lnB>
+                  </a:tcPr>
+                </a:tc>
+                <a:tc>
+                  <a:txBody>
+                    <a:bodyPr/>
+                    <a:lstStyle/>
+                    <a:p>
+                      <a:pPr rtl="0" fontAlgn="b"/>
+                      <a:endParaRPr lang="en-US" sz="2800">
+                        <a:effectLst/>
+                      </a:endParaRPr>
+                    </a:p>
+                  </a:txBody>
+                  <a:tcPr marL="8440" marR="8440" marT="5626" marB="5626" anchor="b">
+                    <a:lnL w="12700" cap="flat" cmpd="sng" algn="ctr">
+                      <a:solidFill>
+                        <a:schemeClr val="tx1"/>
+                      </a:solidFill>
+                      <a:prstDash val="solid"/>
+                      <a:round/>
+                      <a:headEnd type="none" w="med" len="med"/>
+                      <a:tailEnd type="none" w="med" len="med"/>
+                    </a:lnL>
+                    <a:lnR w="12700" cap="flat" cmpd="sng" algn="ctr">
+                      <a:solidFill>
+                        <a:schemeClr val="tx1"/>
+                      </a:solidFill>
+                      <a:prstDash val="solid"/>
+                      <a:round/>
+                      <a:headEnd type="none" w="med" len="med"/>
+                      <a:tailEnd type="none" w="med" len="med"/>
+                    </a:lnR>
+                    <a:lnT w="12700" cap="flat" cmpd="sng" algn="ctr">
+                      <a:solidFill>
+                        <a:schemeClr val="tx1"/>
+                      </a:solidFill>
+                      <a:prstDash val="solid"/>
+                      <a:round/>
+                      <a:headEnd type="none" w="med" len="med"/>
+                      <a:tailEnd type="none" w="med" len="med"/>
+                    </a:lnT>
+                    <a:lnB w="12700" cap="flat" cmpd="sng" algn="ctr">
+                      <a:solidFill>
+                        <a:schemeClr val="tx1"/>
+                      </a:solidFill>
+                      <a:prstDash val="solid"/>
+                      <a:round/>
+                      <a:headEnd type="none" w="med" len="med"/>
+                      <a:tailEnd type="none" w="med" len="med"/>
+                    </a:lnB>
+                  </a:tcPr>
+                </a:tc>
+                <a:extLst>
+                  <a:ext uri="{0D108BD9-81ED-4DB2-BD59-A6C34878D82A}">
+                    <a16:rowId xmlns:a16="http://schemas.microsoft.com/office/drawing/2014/main" val="2837446852"/>
+                  </a:ext>
+                </a:extLst>
+              </a:tr>
+              <a:tr h="817827">
+                <a:tc>
+                  <a:txBody>
+                    <a:bodyPr/>
+                    <a:lstStyle/>
+                    <a:p>
+                      <a:pPr rtl="0" fontAlgn="b"/>
+                      <a:r>
+                        <a:rPr lang="en-US" sz="2800" dirty="0">
+                          <a:effectLst/>
+                        </a:rPr>
+                        <a:t>voting</a:t>
+                      </a:r>
+                    </a:p>
+                  </a:txBody>
+                  <a:tcPr marL="8440" marR="8440" marT="5626" marB="5626" anchor="b">
+                    <a:lnL w="12700" cap="flat" cmpd="sng" algn="ctr">
+                      <a:solidFill>
+                        <a:schemeClr val="tx1"/>
+                      </a:solidFill>
+                      <a:prstDash val="solid"/>
+                      <a:round/>
+                      <a:headEnd type="none" w="med" len="med"/>
+                      <a:tailEnd type="none" w="med" len="med"/>
+                    </a:lnL>
+                    <a:lnR w="12700" cap="flat" cmpd="sng" algn="ctr">
+                      <a:solidFill>
+                        <a:schemeClr val="tx1"/>
+                      </a:solidFill>
+                      <a:prstDash val="solid"/>
+                      <a:round/>
+                      <a:headEnd type="none" w="med" len="med"/>
+                      <a:tailEnd type="none" w="med" len="med"/>
+                    </a:lnR>
+                    <a:lnT w="12700" cap="flat" cmpd="sng" algn="ctr">
+                      <a:solidFill>
+                        <a:schemeClr val="tx1"/>
+                      </a:solidFill>
+                      <a:prstDash val="solid"/>
+                      <a:round/>
+                      <a:headEnd type="none" w="med" len="med"/>
+                      <a:tailEnd type="none" w="med" len="med"/>
+                    </a:lnT>
+                    <a:lnB w="12700" cap="flat" cmpd="sng" algn="ctr">
+                      <a:solidFill>
+                        <a:schemeClr val="tx1"/>
+                      </a:solidFill>
+                      <a:prstDash val="solid"/>
+                      <a:round/>
+                      <a:headEnd type="none" w="med" len="med"/>
+                      <a:tailEnd type="none" w="med" len="med"/>
+                    </a:lnB>
+                  </a:tcPr>
+                </a:tc>
+                <a:tc>
+                  <a:txBody>
+                    <a:bodyPr/>
+                    <a:lstStyle/>
+                    <a:p>
+                      <a:pPr algn="r" rtl="0" fontAlgn="b"/>
+                      <a:r>
+                        <a:rPr lang="en-US" sz="2800" dirty="0">
+                          <a:effectLst/>
+                        </a:rPr>
+                        <a:t>0.7171752398</a:t>
+                      </a:r>
+                    </a:p>
+                  </a:txBody>
+                  <a:tcPr marL="8440" marR="8440" marT="5626" marB="5626" anchor="b">
+                    <a:lnL w="12700" cap="flat" cmpd="sng" algn="ctr">
+                      <a:solidFill>
+                        <a:schemeClr val="tx1"/>
+                      </a:solidFill>
+                      <a:prstDash val="solid"/>
+                      <a:round/>
+                      <a:headEnd type="none" w="med" len="med"/>
+                      <a:tailEnd type="none" w="med" len="med"/>
+                    </a:lnL>
+                    <a:lnR w="12700" cap="flat" cmpd="sng" algn="ctr">
+                      <a:solidFill>
+                        <a:schemeClr val="tx1"/>
+                      </a:solidFill>
+                      <a:prstDash val="solid"/>
+                      <a:round/>
+                      <a:headEnd type="none" w="med" len="med"/>
+                      <a:tailEnd type="none" w="med" len="med"/>
+                    </a:lnR>
+                    <a:lnT w="12700" cap="flat" cmpd="sng" algn="ctr">
+                      <a:solidFill>
+                        <a:schemeClr val="tx1"/>
+                      </a:solidFill>
+                      <a:prstDash val="solid"/>
+                      <a:round/>
+                      <a:headEnd type="none" w="med" len="med"/>
+                      <a:tailEnd type="none" w="med" len="med"/>
+                    </a:lnT>
+                    <a:lnB w="12700" cap="flat" cmpd="sng" algn="ctr">
+                      <a:solidFill>
+                        <a:schemeClr val="tx1"/>
+                      </a:solidFill>
+                      <a:prstDash val="solid"/>
+                      <a:round/>
+                      <a:headEnd type="none" w="med" len="med"/>
+                      <a:tailEnd type="none" w="med" len="med"/>
+                    </a:lnB>
+                  </a:tcPr>
+                </a:tc>
+                <a:tc>
+                  <a:txBody>
+                    <a:bodyPr/>
+                    <a:lstStyle/>
+                    <a:p>
+                      <a:pPr algn="r" rtl="0" fontAlgn="b"/>
+                      <a:r>
+                        <a:rPr lang="en-US" sz="2800" dirty="0">
+                          <a:effectLst/>
+                        </a:rPr>
+                        <a:t>0.7349607672</a:t>
+                      </a:r>
+                    </a:p>
+                  </a:txBody>
+                  <a:tcPr marL="8440" marR="8440" marT="5626" marB="5626" anchor="b">
+                    <a:lnL w="12700" cap="flat" cmpd="sng" algn="ctr">
+                      <a:solidFill>
+                        <a:schemeClr val="tx1"/>
+                      </a:solidFill>
+                      <a:prstDash val="solid"/>
+                      <a:round/>
+                      <a:headEnd type="none" w="med" len="med"/>
+                      <a:tailEnd type="none" w="med" len="med"/>
+                    </a:lnL>
+                    <a:lnR w="12700" cap="flat" cmpd="sng" algn="ctr">
+                      <a:solidFill>
+                        <a:schemeClr val="tx1"/>
+                      </a:solidFill>
+                      <a:prstDash val="solid"/>
+                      <a:round/>
+                      <a:headEnd type="none" w="med" len="med"/>
+                      <a:tailEnd type="none" w="med" len="med"/>
+                    </a:lnR>
+                    <a:lnT w="12700" cap="flat" cmpd="sng" algn="ctr">
+                      <a:solidFill>
+                        <a:schemeClr val="tx1"/>
+                      </a:solidFill>
+                      <a:prstDash val="solid"/>
+                      <a:round/>
+                      <a:headEnd type="none" w="med" len="med"/>
+                      <a:tailEnd type="none" w="med" len="med"/>
+                    </a:lnT>
+                    <a:lnB w="12700" cap="flat" cmpd="sng" algn="ctr">
+                      <a:solidFill>
+                        <a:schemeClr val="tx1"/>
+                      </a:solidFill>
+                      <a:prstDash val="solid"/>
+                      <a:round/>
+                      <a:headEnd type="none" w="med" len="med"/>
+                      <a:tailEnd type="none" w="med" len="med"/>
+                    </a:lnB>
+                  </a:tcPr>
+                </a:tc>
+                <a:extLst>
+                  <a:ext uri="{0D108BD9-81ED-4DB2-BD59-A6C34878D82A}">
+                    <a16:rowId xmlns:a16="http://schemas.microsoft.com/office/drawing/2014/main" val="1652753294"/>
+                  </a:ext>
+                </a:extLst>
+              </a:tr>
+              <a:tr h="682773">
+                <a:tc>
+                  <a:txBody>
+                    <a:bodyPr/>
+                    <a:lstStyle/>
+                    <a:p>
+                      <a:pPr rtl="0" fontAlgn="b"/>
+                      <a:r>
+                        <a:rPr lang="en-US" sz="2800">
+                          <a:effectLst/>
+                        </a:rPr>
+                        <a:t>lms as features</a:t>
+                      </a:r>
+                    </a:p>
+                  </a:txBody>
+                  <a:tcPr marL="8440" marR="8440" marT="5626" marB="5626" anchor="b">
+                    <a:lnL w="12700" cap="flat" cmpd="sng" algn="ctr">
+                      <a:solidFill>
+                        <a:schemeClr val="tx1"/>
+                      </a:solidFill>
+                      <a:prstDash val="solid"/>
+                      <a:round/>
+                      <a:headEnd type="none" w="med" len="med"/>
+                      <a:tailEnd type="none" w="med" len="med"/>
+                    </a:lnL>
+                    <a:lnR w="12700" cap="flat" cmpd="sng" algn="ctr">
+                      <a:solidFill>
+                        <a:schemeClr val="tx1"/>
+                      </a:solidFill>
+                      <a:prstDash val="solid"/>
+                      <a:round/>
+                      <a:headEnd type="none" w="med" len="med"/>
+                      <a:tailEnd type="none" w="med" len="med"/>
+                    </a:lnR>
+                    <a:lnT w="12700" cap="flat" cmpd="sng" algn="ctr">
+                      <a:solidFill>
+                        <a:schemeClr val="tx1"/>
+                      </a:solidFill>
+                      <a:prstDash val="solid"/>
+                      <a:round/>
+                      <a:headEnd type="none" w="med" len="med"/>
+                      <a:tailEnd type="none" w="med" len="med"/>
+                    </a:lnT>
+                    <a:lnB w="12700" cap="flat" cmpd="sng" algn="ctr">
+                      <a:solidFill>
+                        <a:schemeClr val="tx1"/>
+                      </a:solidFill>
+                      <a:prstDash val="solid"/>
+                      <a:round/>
+                      <a:headEnd type="none" w="med" len="med"/>
+                      <a:tailEnd type="none" w="med" len="med"/>
+                    </a:lnB>
+                  </a:tcPr>
+                </a:tc>
+                <a:tc>
+                  <a:txBody>
+                    <a:bodyPr/>
+                    <a:lstStyle/>
+                    <a:p>
+                      <a:pPr algn="r" rtl="0" fontAlgn="b"/>
+                      <a:r>
+                        <a:rPr lang="en-US" sz="2800">
+                          <a:effectLst/>
+                        </a:rPr>
+                        <a:t>0.98</a:t>
+                      </a:r>
+                    </a:p>
+                  </a:txBody>
+                  <a:tcPr marL="8440" marR="8440" marT="5626" marB="5626" anchor="b">
+                    <a:lnL w="12700" cap="flat" cmpd="sng" algn="ctr">
+                      <a:solidFill>
+                        <a:schemeClr val="tx1"/>
+                      </a:solidFill>
+                      <a:prstDash val="solid"/>
+                      <a:round/>
+                      <a:headEnd type="none" w="med" len="med"/>
+                      <a:tailEnd type="none" w="med" len="med"/>
+                    </a:lnL>
+                    <a:lnR w="12700" cap="flat" cmpd="sng" algn="ctr">
+                      <a:solidFill>
+                        <a:schemeClr val="tx1"/>
+                      </a:solidFill>
+                      <a:prstDash val="solid"/>
+                      <a:round/>
+                      <a:headEnd type="none" w="med" len="med"/>
+                      <a:tailEnd type="none" w="med" len="med"/>
+                    </a:lnR>
+                    <a:lnT w="12700" cap="flat" cmpd="sng" algn="ctr">
+                      <a:solidFill>
+                        <a:schemeClr val="tx1"/>
+                      </a:solidFill>
+                      <a:prstDash val="solid"/>
+                      <a:round/>
+                      <a:headEnd type="none" w="med" len="med"/>
+                      <a:tailEnd type="none" w="med" len="med"/>
+                    </a:lnT>
+                    <a:lnB w="12700" cap="flat" cmpd="sng" algn="ctr">
+                      <a:solidFill>
+                        <a:schemeClr val="tx1"/>
+                      </a:solidFill>
+                      <a:prstDash val="solid"/>
+                      <a:round/>
+                      <a:headEnd type="none" w="med" len="med"/>
+                      <a:tailEnd type="none" w="med" len="med"/>
+                    </a:lnB>
+                  </a:tcPr>
+                </a:tc>
+                <a:tc>
+                  <a:txBody>
+                    <a:bodyPr/>
+                    <a:lstStyle/>
+                    <a:p>
+                      <a:pPr algn="r" rtl="0" fontAlgn="b"/>
+                      <a:r>
+                        <a:rPr lang="en-US" sz="2800" dirty="0">
+                          <a:effectLst/>
+                        </a:rPr>
+                        <a:t>1</a:t>
+                      </a:r>
+                    </a:p>
+                  </a:txBody>
+                  <a:tcPr marL="8440" marR="8440" marT="5626" marB="5626" anchor="b">
+                    <a:lnL w="12700" cap="flat" cmpd="sng" algn="ctr">
+                      <a:solidFill>
+                        <a:schemeClr val="tx1"/>
+                      </a:solidFill>
+                      <a:prstDash val="solid"/>
+                      <a:round/>
+                      <a:headEnd type="none" w="med" len="med"/>
+                      <a:tailEnd type="none" w="med" len="med"/>
+                    </a:lnL>
+                    <a:lnR w="12700" cap="flat" cmpd="sng" algn="ctr">
+                      <a:solidFill>
+                        <a:schemeClr val="tx1"/>
+                      </a:solidFill>
+                      <a:prstDash val="solid"/>
+                      <a:round/>
+                      <a:headEnd type="none" w="med" len="med"/>
+                      <a:tailEnd type="none" w="med" len="med"/>
+                    </a:lnR>
+                    <a:lnT w="12700" cap="flat" cmpd="sng" algn="ctr">
+                      <a:solidFill>
+                        <a:schemeClr val="tx1"/>
+                      </a:solidFill>
+                      <a:prstDash val="solid"/>
+                      <a:round/>
+                      <a:headEnd type="none" w="med" len="med"/>
+                      <a:tailEnd type="none" w="med" len="med"/>
+                    </a:lnT>
+                    <a:lnB w="12700" cap="flat" cmpd="sng" algn="ctr">
+                      <a:solidFill>
+                        <a:schemeClr val="tx1"/>
+                      </a:solidFill>
+                      <a:prstDash val="solid"/>
+                      <a:round/>
+                      <a:headEnd type="none" w="med" len="med"/>
+                      <a:tailEnd type="none" w="med" len="med"/>
+                    </a:lnB>
+                  </a:tcPr>
+                </a:tc>
+                <a:extLst>
+                  <a:ext uri="{0D108BD9-81ED-4DB2-BD59-A6C34878D82A}">
+                    <a16:rowId xmlns:a16="http://schemas.microsoft.com/office/drawing/2014/main" val="491650761"/>
+                  </a:ext>
+                </a:extLst>
+              </a:tr>
+              <a:tr h="1628151">
+                <a:tc>
+                  <a:txBody>
+                    <a:bodyPr/>
+                    <a:lstStyle/>
+                    <a:p>
+                      <a:pPr rtl="0" fontAlgn="b"/>
+                      <a:r>
+                        <a:rPr lang="en-US" sz="2800">
+                          <a:effectLst/>
+                        </a:rPr>
+                        <a:t>lms as features + are they all ascii?</a:t>
+                      </a:r>
+                    </a:p>
+                  </a:txBody>
+                  <a:tcPr marL="8440" marR="8440" marT="5626" marB="5626" anchor="b">
+                    <a:lnL w="12700" cap="flat" cmpd="sng" algn="ctr">
+                      <a:solidFill>
+                        <a:schemeClr val="tx1"/>
+                      </a:solidFill>
+                      <a:prstDash val="solid"/>
+                      <a:round/>
+                      <a:headEnd type="none" w="med" len="med"/>
+                      <a:tailEnd type="none" w="med" len="med"/>
+                    </a:lnL>
+                    <a:lnR w="12700" cap="flat" cmpd="sng" algn="ctr">
+                      <a:solidFill>
+                        <a:schemeClr val="tx1"/>
+                      </a:solidFill>
+                      <a:prstDash val="solid"/>
+                      <a:round/>
+                      <a:headEnd type="none" w="med" len="med"/>
+                      <a:tailEnd type="none" w="med" len="med"/>
+                    </a:lnR>
+                    <a:lnT w="12700" cap="flat" cmpd="sng" algn="ctr">
+                      <a:solidFill>
+                        <a:schemeClr val="tx1"/>
+                      </a:solidFill>
+                      <a:prstDash val="solid"/>
+                      <a:round/>
+                      <a:headEnd type="none" w="med" len="med"/>
+                      <a:tailEnd type="none" w="med" len="med"/>
+                    </a:lnT>
+                    <a:lnB w="12700" cap="flat" cmpd="sng" algn="ctr">
+                      <a:solidFill>
+                        <a:schemeClr val="tx1"/>
+                      </a:solidFill>
+                      <a:prstDash val="solid"/>
+                      <a:round/>
+                      <a:headEnd type="none" w="med" len="med"/>
+                      <a:tailEnd type="none" w="med" len="med"/>
+                    </a:lnB>
+                  </a:tcPr>
+                </a:tc>
+                <a:tc>
+                  <a:txBody>
+                    <a:bodyPr/>
+                    <a:lstStyle/>
+                    <a:p>
+                      <a:pPr algn="r" rtl="0" fontAlgn="b"/>
+                      <a:r>
+                        <a:rPr lang="en-US" sz="2800">
+                          <a:effectLst/>
+                        </a:rPr>
+                        <a:t>0.998</a:t>
+                      </a:r>
+                    </a:p>
+                  </a:txBody>
+                  <a:tcPr marL="8440" marR="8440" marT="5626" marB="5626" anchor="b">
+                    <a:lnL w="12700" cap="flat" cmpd="sng" algn="ctr">
+                      <a:solidFill>
+                        <a:schemeClr val="tx1"/>
+                      </a:solidFill>
+                      <a:prstDash val="solid"/>
+                      <a:round/>
+                      <a:headEnd type="none" w="med" len="med"/>
+                      <a:tailEnd type="none" w="med" len="med"/>
+                    </a:lnL>
+                    <a:lnR w="12700" cap="flat" cmpd="sng" algn="ctr">
+                      <a:solidFill>
+                        <a:schemeClr val="tx1"/>
+                      </a:solidFill>
+                      <a:prstDash val="solid"/>
+                      <a:round/>
+                      <a:headEnd type="none" w="med" len="med"/>
+                      <a:tailEnd type="none" w="med" len="med"/>
+                    </a:lnR>
+                    <a:lnT w="12700" cap="flat" cmpd="sng" algn="ctr">
+                      <a:solidFill>
+                        <a:schemeClr val="tx1"/>
+                      </a:solidFill>
+                      <a:prstDash val="solid"/>
+                      <a:round/>
+                      <a:headEnd type="none" w="med" len="med"/>
+                      <a:tailEnd type="none" w="med" len="med"/>
+                    </a:lnT>
+                    <a:lnB w="12700" cap="flat" cmpd="sng" algn="ctr">
+                      <a:solidFill>
+                        <a:schemeClr val="tx1"/>
+                      </a:solidFill>
+                      <a:prstDash val="solid"/>
+                      <a:round/>
+                      <a:headEnd type="none" w="med" len="med"/>
+                      <a:tailEnd type="none" w="med" len="med"/>
+                    </a:lnB>
+                  </a:tcPr>
+                </a:tc>
+                <a:tc>
+                  <a:txBody>
+                    <a:bodyPr/>
+                    <a:lstStyle/>
+                    <a:p>
+                      <a:pPr algn="r" rtl="0" fontAlgn="b"/>
+                      <a:r>
+                        <a:rPr lang="en-US" sz="2800">
+                          <a:effectLst/>
+                        </a:rPr>
+                        <a:t>1</a:t>
+                      </a:r>
+                    </a:p>
+                  </a:txBody>
+                  <a:tcPr marL="8440" marR="8440" marT="5626" marB="5626" anchor="b">
+                    <a:lnL w="12700" cap="flat" cmpd="sng" algn="ctr">
+                      <a:solidFill>
+                        <a:schemeClr val="tx1"/>
+                      </a:solidFill>
+                      <a:prstDash val="solid"/>
+                      <a:round/>
+                      <a:headEnd type="none" w="med" len="med"/>
+                      <a:tailEnd type="none" w="med" len="med"/>
+                    </a:lnL>
+                    <a:lnR w="12700" cap="flat" cmpd="sng" algn="ctr">
+                      <a:solidFill>
+                        <a:schemeClr val="tx1"/>
+                      </a:solidFill>
+                      <a:prstDash val="solid"/>
+                      <a:round/>
+                      <a:headEnd type="none" w="med" len="med"/>
+                      <a:tailEnd type="none" w="med" len="med"/>
+                    </a:lnR>
+                    <a:lnT w="12700" cap="flat" cmpd="sng" algn="ctr">
+                      <a:solidFill>
+                        <a:schemeClr val="tx1"/>
+                      </a:solidFill>
+                      <a:prstDash val="solid"/>
+                      <a:round/>
+                      <a:headEnd type="none" w="med" len="med"/>
+                      <a:tailEnd type="none" w="med" len="med"/>
+                    </a:lnT>
+                    <a:lnB w="12700" cap="flat" cmpd="sng" algn="ctr">
+                      <a:solidFill>
+                        <a:schemeClr val="tx1"/>
+                      </a:solidFill>
+                      <a:prstDash val="solid"/>
+                      <a:round/>
+                      <a:headEnd type="none" w="med" len="med"/>
+                      <a:tailEnd type="none" w="med" len="med"/>
+                    </a:lnB>
+                  </a:tcPr>
+                </a:tc>
+                <a:extLst>
+                  <a:ext uri="{0D108BD9-81ED-4DB2-BD59-A6C34878D82A}">
+                    <a16:rowId xmlns:a16="http://schemas.microsoft.com/office/drawing/2014/main" val="3405029021"/>
+                  </a:ext>
+                </a:extLst>
+              </a:tr>
+              <a:tr h="1763205">
+                <a:tc>
+                  <a:txBody>
+                    <a:bodyPr/>
+                    <a:lstStyle/>
+                    <a:p>
+                      <a:pPr rtl="0" fontAlgn="b"/>
+                      <a:r>
+                        <a:rPr lang="en-US" sz="2800">
+                          <a:effectLst/>
+                        </a:rPr>
+                        <a:t>lms as features + avg length of words</a:t>
+                      </a:r>
+                    </a:p>
+                  </a:txBody>
+                  <a:tcPr marL="8440" marR="8440" marT="5626" marB="5626" anchor="b">
+                    <a:lnL w="12700" cap="flat" cmpd="sng" algn="ctr">
+                      <a:solidFill>
+                        <a:schemeClr val="tx1"/>
+                      </a:solidFill>
+                      <a:prstDash val="solid"/>
+                      <a:round/>
+                      <a:headEnd type="none" w="med" len="med"/>
+                      <a:tailEnd type="none" w="med" len="med"/>
+                    </a:lnL>
+                    <a:lnR w="12700" cap="flat" cmpd="sng" algn="ctr">
+                      <a:solidFill>
+                        <a:schemeClr val="tx1"/>
+                      </a:solidFill>
+                      <a:prstDash val="solid"/>
+                      <a:round/>
+                      <a:headEnd type="none" w="med" len="med"/>
+                      <a:tailEnd type="none" w="med" len="med"/>
+                    </a:lnR>
+                    <a:lnT w="12700" cap="flat" cmpd="sng" algn="ctr">
+                      <a:solidFill>
+                        <a:schemeClr val="tx1"/>
+                      </a:solidFill>
+                      <a:prstDash val="solid"/>
+                      <a:round/>
+                      <a:headEnd type="none" w="med" len="med"/>
+                      <a:tailEnd type="none" w="med" len="med"/>
+                    </a:lnT>
+                    <a:lnB w="12700" cap="flat" cmpd="sng" algn="ctr">
+                      <a:solidFill>
+                        <a:schemeClr val="tx1"/>
+                      </a:solidFill>
+                      <a:prstDash val="solid"/>
+                      <a:round/>
+                      <a:headEnd type="none" w="med" len="med"/>
+                      <a:tailEnd type="none" w="med" len="med"/>
+                    </a:lnB>
+                  </a:tcPr>
+                </a:tc>
+                <a:tc>
+                  <a:txBody>
+                    <a:bodyPr/>
+                    <a:lstStyle/>
+                    <a:p>
+                      <a:pPr algn="r" rtl="0" fontAlgn="b"/>
+                      <a:r>
+                        <a:rPr lang="en-US" sz="2800">
+                          <a:effectLst/>
+                        </a:rPr>
+                        <a:t>0.988</a:t>
+                      </a:r>
+                    </a:p>
+                  </a:txBody>
+                  <a:tcPr marL="8440" marR="8440" marT="5626" marB="5626" anchor="b">
+                    <a:lnL w="12700" cap="flat" cmpd="sng" algn="ctr">
+                      <a:solidFill>
+                        <a:schemeClr val="tx1"/>
+                      </a:solidFill>
+                      <a:prstDash val="solid"/>
+                      <a:round/>
+                      <a:headEnd type="none" w="med" len="med"/>
+                      <a:tailEnd type="none" w="med" len="med"/>
+                    </a:lnL>
+                    <a:lnR w="12700" cap="flat" cmpd="sng" algn="ctr">
+                      <a:solidFill>
+                        <a:schemeClr val="tx1"/>
+                      </a:solidFill>
+                      <a:prstDash val="solid"/>
+                      <a:round/>
+                      <a:headEnd type="none" w="med" len="med"/>
+                      <a:tailEnd type="none" w="med" len="med"/>
+                    </a:lnR>
+                    <a:lnT w="12700" cap="flat" cmpd="sng" algn="ctr">
+                      <a:solidFill>
+                        <a:schemeClr val="tx1"/>
+                      </a:solidFill>
+                      <a:prstDash val="solid"/>
+                      <a:round/>
+                      <a:headEnd type="none" w="med" len="med"/>
+                      <a:tailEnd type="none" w="med" len="med"/>
+                    </a:lnT>
+                    <a:lnB w="12700" cap="flat" cmpd="sng" algn="ctr">
+                      <a:solidFill>
+                        <a:schemeClr val="tx1"/>
+                      </a:solidFill>
+                      <a:prstDash val="solid"/>
+                      <a:round/>
+                      <a:headEnd type="none" w="med" len="med"/>
+                      <a:tailEnd type="none" w="med" len="med"/>
+                    </a:lnB>
+                  </a:tcPr>
+                </a:tc>
+                <a:tc>
+                  <a:txBody>
+                    <a:bodyPr/>
+                    <a:lstStyle/>
+                    <a:p>
+                      <a:pPr algn="r" rtl="0" fontAlgn="b"/>
+                      <a:r>
+                        <a:rPr lang="en-US" sz="2800" dirty="0">
+                          <a:effectLst/>
+                        </a:rPr>
+                        <a:t>1</a:t>
+                      </a:r>
+                    </a:p>
+                  </a:txBody>
+                  <a:tcPr marL="8440" marR="8440" marT="5626" marB="5626" anchor="b">
+                    <a:lnL w="12700" cap="flat" cmpd="sng" algn="ctr">
+                      <a:solidFill>
+                        <a:schemeClr val="tx1"/>
+                      </a:solidFill>
+                      <a:prstDash val="solid"/>
+                      <a:round/>
+                      <a:headEnd type="none" w="med" len="med"/>
+                      <a:tailEnd type="none" w="med" len="med"/>
+                    </a:lnL>
+                    <a:lnR w="12700" cap="flat" cmpd="sng" algn="ctr">
+                      <a:solidFill>
+                        <a:schemeClr val="tx1"/>
+                      </a:solidFill>
+                      <a:prstDash val="solid"/>
+                      <a:round/>
+                      <a:headEnd type="none" w="med" len="med"/>
+                      <a:tailEnd type="none" w="med" len="med"/>
+                    </a:lnR>
+                    <a:lnT w="12700" cap="flat" cmpd="sng" algn="ctr">
+                      <a:solidFill>
+                        <a:schemeClr val="tx1"/>
+                      </a:solidFill>
+                      <a:prstDash val="solid"/>
+                      <a:round/>
+                      <a:headEnd type="none" w="med" len="med"/>
+                      <a:tailEnd type="none" w="med" len="med"/>
+                    </a:lnT>
+                    <a:lnB w="12700" cap="flat" cmpd="sng" algn="ctr">
+                      <a:solidFill>
+                        <a:schemeClr val="tx1"/>
+                      </a:solidFill>
+                      <a:prstDash val="solid"/>
+                      <a:round/>
+                      <a:headEnd type="none" w="med" len="med"/>
+                      <a:tailEnd type="none" w="med" len="med"/>
+                    </a:lnB>
+                  </a:tcPr>
+                </a:tc>
+                <a:extLst>
+                  <a:ext uri="{0D108BD9-81ED-4DB2-BD59-A6C34878D82A}">
+                    <a16:rowId xmlns:a16="http://schemas.microsoft.com/office/drawing/2014/main" val="2615138528"/>
+                  </a:ext>
+                </a:extLst>
+              </a:tr>
+              <a:tr h="2573529">
+                <a:tc>
+                  <a:txBody>
+                    <a:bodyPr/>
+                    <a:lstStyle/>
+                    <a:p>
+                      <a:pPr rtl="0" fontAlgn="b"/>
+                      <a:r>
+                        <a:rPr lang="en-US" sz="2800">
+                          <a:effectLst/>
+                        </a:rPr>
+                        <a:t>lms as features + are they all ascii? + avg word length</a:t>
+                      </a:r>
+                    </a:p>
+                  </a:txBody>
+                  <a:tcPr marL="8440" marR="8440" marT="5626" marB="5626" anchor="b">
+                    <a:lnL w="12700" cap="flat" cmpd="sng" algn="ctr">
+                      <a:solidFill>
+                        <a:schemeClr val="tx1"/>
+                      </a:solidFill>
+                      <a:prstDash val="solid"/>
+                      <a:round/>
+                      <a:headEnd type="none" w="med" len="med"/>
+                      <a:tailEnd type="none" w="med" len="med"/>
+                    </a:lnL>
+                    <a:lnR w="12700" cap="flat" cmpd="sng" algn="ctr">
+                      <a:solidFill>
+                        <a:schemeClr val="tx1"/>
+                      </a:solidFill>
+                      <a:prstDash val="solid"/>
+                      <a:round/>
+                      <a:headEnd type="none" w="med" len="med"/>
+                      <a:tailEnd type="none" w="med" len="med"/>
+                    </a:lnR>
+                    <a:lnT w="12700" cap="flat" cmpd="sng" algn="ctr">
+                      <a:solidFill>
+                        <a:schemeClr val="tx1"/>
+                      </a:solidFill>
+                      <a:prstDash val="solid"/>
+                      <a:round/>
+                      <a:headEnd type="none" w="med" len="med"/>
+                      <a:tailEnd type="none" w="med" len="med"/>
+                    </a:lnT>
+                    <a:lnB w="12700" cap="flat" cmpd="sng" algn="ctr">
+                      <a:solidFill>
+                        <a:schemeClr val="tx1"/>
+                      </a:solidFill>
+                      <a:prstDash val="solid"/>
+                      <a:round/>
+                      <a:headEnd type="none" w="med" len="med"/>
+                      <a:tailEnd type="none" w="med" len="med"/>
+                    </a:lnB>
+                  </a:tcPr>
+                </a:tc>
+                <a:tc>
+                  <a:txBody>
+                    <a:bodyPr/>
+                    <a:lstStyle/>
+                    <a:p>
+                      <a:pPr algn="r" rtl="0" fontAlgn="b"/>
+                      <a:r>
+                        <a:rPr lang="en-US" sz="2800">
+                          <a:effectLst/>
+                        </a:rPr>
+                        <a:t>0.98</a:t>
+                      </a:r>
+                    </a:p>
+                  </a:txBody>
+                  <a:tcPr marL="8440" marR="8440" marT="5626" marB="5626" anchor="b">
+                    <a:lnL w="12700" cap="flat" cmpd="sng" algn="ctr">
+                      <a:solidFill>
+                        <a:schemeClr val="tx1"/>
+                      </a:solidFill>
+                      <a:prstDash val="solid"/>
+                      <a:round/>
+                      <a:headEnd type="none" w="med" len="med"/>
+                      <a:tailEnd type="none" w="med" len="med"/>
+                    </a:lnL>
+                    <a:lnR w="12700" cap="flat" cmpd="sng" algn="ctr">
+                      <a:solidFill>
+                        <a:schemeClr val="tx1"/>
+                      </a:solidFill>
+                      <a:prstDash val="solid"/>
+                      <a:round/>
+                      <a:headEnd type="none" w="med" len="med"/>
+                      <a:tailEnd type="none" w="med" len="med"/>
+                    </a:lnR>
+                    <a:lnT w="12700" cap="flat" cmpd="sng" algn="ctr">
+                      <a:solidFill>
+                        <a:schemeClr val="tx1"/>
+                      </a:solidFill>
+                      <a:prstDash val="solid"/>
+                      <a:round/>
+                      <a:headEnd type="none" w="med" len="med"/>
+                      <a:tailEnd type="none" w="med" len="med"/>
+                    </a:lnT>
+                    <a:lnB w="12700" cap="flat" cmpd="sng" algn="ctr">
+                      <a:solidFill>
+                        <a:schemeClr val="tx1"/>
+                      </a:solidFill>
+                      <a:prstDash val="solid"/>
+                      <a:round/>
+                      <a:headEnd type="none" w="med" len="med"/>
+                      <a:tailEnd type="none" w="med" len="med"/>
+                    </a:lnB>
+                  </a:tcPr>
+                </a:tc>
+                <a:tc>
+                  <a:txBody>
+                    <a:bodyPr/>
+                    <a:lstStyle/>
+                    <a:p>
+                      <a:pPr algn="r" rtl="0" fontAlgn="b"/>
+                      <a:r>
+                        <a:rPr lang="en-US" sz="2800" dirty="0">
+                          <a:effectLst/>
+                        </a:rPr>
+                        <a:t>1</a:t>
+                      </a:r>
+                    </a:p>
+                  </a:txBody>
+                  <a:tcPr marL="8440" marR="8440" marT="5626" marB="5626" anchor="b">
+                    <a:lnL w="12700" cap="flat" cmpd="sng" algn="ctr">
+                      <a:solidFill>
+                        <a:schemeClr val="tx1"/>
+                      </a:solidFill>
+                      <a:prstDash val="solid"/>
+                      <a:round/>
+                      <a:headEnd type="none" w="med" len="med"/>
+                      <a:tailEnd type="none" w="med" len="med"/>
+                    </a:lnL>
+                    <a:lnR w="12700" cap="flat" cmpd="sng" algn="ctr">
+                      <a:solidFill>
+                        <a:schemeClr val="tx1"/>
+                      </a:solidFill>
+                      <a:prstDash val="solid"/>
+                      <a:round/>
+                      <a:headEnd type="none" w="med" len="med"/>
+                      <a:tailEnd type="none" w="med" len="med"/>
+                    </a:lnR>
+                    <a:lnT w="12700" cap="flat" cmpd="sng" algn="ctr">
+                      <a:solidFill>
+                        <a:schemeClr val="tx1"/>
+                      </a:solidFill>
+                      <a:prstDash val="solid"/>
+                      <a:round/>
+                      <a:headEnd type="none" w="med" len="med"/>
+                      <a:tailEnd type="none" w="med" len="med"/>
+                    </a:lnT>
+                    <a:lnB w="12700" cap="flat" cmpd="sng" algn="ctr">
+                      <a:solidFill>
+                        <a:schemeClr val="tx1"/>
+                      </a:solidFill>
+                      <a:prstDash val="solid"/>
+                      <a:round/>
+                      <a:headEnd type="none" w="med" len="med"/>
+                      <a:tailEnd type="none" w="med" len="med"/>
+                    </a:lnB>
+                  </a:tcPr>
+                </a:tc>
+                <a:extLst>
+                  <a:ext uri="{0D108BD9-81ED-4DB2-BD59-A6C34878D82A}">
+                    <a16:rowId xmlns:a16="http://schemas.microsoft.com/office/drawing/2014/main" val="3844553396"/>
+                  </a:ext>
+                </a:extLst>
+              </a:tr>
+            </a:tbl>
+          </a:graphicData>
+        </a:graphic>
+      </p:graphicFrame>
+      <p:graphicFrame>
+        <p:nvGraphicFramePr>
+          <p:cNvPr id="3" name="Table 2">
+            <a:extLst>
+              <a:ext uri="{FF2B5EF4-FFF2-40B4-BE49-F238E27FC236}">
+                <a16:creationId xmlns:a16="http://schemas.microsoft.com/office/drawing/2014/main" id="{ECCC3B9D-BF2A-4FA5-9B00-9E7308A8487B}"/>
+              </a:ext>
+            </a:extLst>
+          </p:cNvPr>
+          <p:cNvGraphicFramePr>
+            <a:graphicFrameLocks noGrp="1"/>
+          </p:cNvGraphicFramePr>
+          <p:nvPr>
+            <p:extLst>
+              <p:ext uri="{D42A27DB-BD31-4B8C-83A1-F6EECF244321}">
+                <p14:modId xmlns:p14="http://schemas.microsoft.com/office/powerpoint/2010/main" val="2358473126"/>
+              </p:ext>
+            </p:extLst>
+          </p:nvPr>
+        </p:nvGraphicFramePr>
+        <p:xfrm>
+          <a:off x="25924710" y="8199090"/>
+          <a:ext cx="4741778" cy="2047980"/>
+        </p:xfrm>
+        <a:graphic>
+          <a:graphicData uri="http://schemas.openxmlformats.org/drawingml/2006/table">
+            <a:tbl>
+              <a:tblPr/>
+              <a:tblGrid>
+                <a:gridCol w="1764940">
+                  <a:extLst>
+                    <a:ext uri="{9D8B030D-6E8A-4147-A177-3AD203B41FA5}">
+                      <a16:colId xmlns:a16="http://schemas.microsoft.com/office/drawing/2014/main" val="3329499247"/>
+                    </a:ext>
+                  </a:extLst>
+                </a:gridCol>
+                <a:gridCol w="1211898">
+                  <a:extLst>
+                    <a:ext uri="{9D8B030D-6E8A-4147-A177-3AD203B41FA5}">
+                      <a16:colId xmlns:a16="http://schemas.microsoft.com/office/drawing/2014/main" val="1394478433"/>
+                    </a:ext>
+                  </a:extLst>
+                </a:gridCol>
+                <a:gridCol w="1764940">
+                  <a:extLst>
+                    <a:ext uri="{9D8B030D-6E8A-4147-A177-3AD203B41FA5}">
+                      <a16:colId xmlns:a16="http://schemas.microsoft.com/office/drawing/2014/main" val="3420941749"/>
+                    </a:ext>
+                  </a:extLst>
+                </a:gridCol>
+              </a:tblGrid>
+              <a:tr h="591994">
+                <a:tc>
+                  <a:txBody>
+                    <a:bodyPr/>
+                    <a:lstStyle/>
+                    <a:p>
+                      <a:pPr rtl="0" fontAlgn="b"/>
+                      <a:r>
+                        <a:rPr lang="en-US" sz="2800">
+                          <a:effectLst/>
+                        </a:rPr>
+                        <a:t>voting</a:t>
+                      </a:r>
+                    </a:p>
+                  </a:txBody>
+                  <a:tcPr marL="11430" marR="11430" marT="7620" marB="7620" anchor="b">
+                    <a:lnL w="12700" cap="flat" cmpd="sng" algn="ctr">
+                      <a:solidFill>
+                        <a:schemeClr val="tx1"/>
+                      </a:solidFill>
+                      <a:prstDash val="solid"/>
+                      <a:round/>
+                      <a:headEnd type="none" w="med" len="med"/>
+                      <a:tailEnd type="none" w="med" len="med"/>
+                    </a:lnL>
+                    <a:lnR w="12700" cap="flat" cmpd="sng" algn="ctr">
+                      <a:solidFill>
+                        <a:schemeClr val="tx1"/>
+                      </a:solidFill>
+                      <a:prstDash val="solid"/>
+                      <a:round/>
+                      <a:headEnd type="none" w="med" len="med"/>
+                      <a:tailEnd type="none" w="med" len="med"/>
+                    </a:lnR>
+                    <a:lnT w="12700" cap="flat" cmpd="sng" algn="ctr">
+                      <a:solidFill>
+                        <a:schemeClr val="tx1"/>
+                      </a:solidFill>
+                      <a:prstDash val="solid"/>
+                      <a:round/>
+                      <a:headEnd type="none" w="med" len="med"/>
+                      <a:tailEnd type="none" w="med" len="med"/>
+                    </a:lnT>
+                    <a:lnB w="12700" cap="flat" cmpd="sng" algn="ctr">
+                      <a:solidFill>
+                        <a:schemeClr val="tx1"/>
+                      </a:solidFill>
+                      <a:prstDash val="solid"/>
+                      <a:round/>
+                      <a:headEnd type="none" w="med" len="med"/>
+                      <a:tailEnd type="none" w="med" len="med"/>
+                    </a:lnB>
+                  </a:tcPr>
+                </a:tc>
+                <a:tc>
+                  <a:txBody>
+                    <a:bodyPr/>
+                    <a:lstStyle/>
+                    <a:p>
+                      <a:pPr algn="r" rtl="0" fontAlgn="b"/>
+                      <a:r>
+                        <a:rPr lang="en-US" sz="2800">
+                          <a:effectLst/>
+                        </a:rPr>
+                        <a:t>0.25</a:t>
+                      </a:r>
+                    </a:p>
+                  </a:txBody>
+                  <a:tcPr marL="11430" marR="11430" marT="7620" marB="7620" anchor="b">
+                    <a:lnL w="12700" cap="flat" cmpd="sng" algn="ctr">
+                      <a:solidFill>
+                        <a:schemeClr val="tx1"/>
+                      </a:solidFill>
+                      <a:prstDash val="solid"/>
+                      <a:round/>
+                      <a:headEnd type="none" w="med" len="med"/>
+                      <a:tailEnd type="none" w="med" len="med"/>
+                    </a:lnL>
+                    <a:lnR w="12700" cap="flat" cmpd="sng" algn="ctr">
+                      <a:solidFill>
+                        <a:schemeClr val="tx1"/>
+                      </a:solidFill>
+                      <a:prstDash val="solid"/>
+                      <a:round/>
+                      <a:headEnd type="none" w="med" len="med"/>
+                      <a:tailEnd type="none" w="med" len="med"/>
+                    </a:lnR>
+                    <a:lnT w="12700" cap="flat" cmpd="sng" algn="ctr">
+                      <a:solidFill>
+                        <a:schemeClr val="tx1"/>
+                      </a:solidFill>
+                      <a:prstDash val="solid"/>
+                      <a:round/>
+                      <a:headEnd type="none" w="med" len="med"/>
+                      <a:tailEnd type="none" w="med" len="med"/>
+                    </a:lnT>
+                    <a:lnB w="12700" cap="flat" cmpd="sng" algn="ctr">
+                      <a:solidFill>
+                        <a:schemeClr val="tx1"/>
+                      </a:solidFill>
+                      <a:prstDash val="solid"/>
+                      <a:round/>
+                      <a:headEnd type="none" w="med" len="med"/>
+                      <a:tailEnd type="none" w="med" len="med"/>
+                    </a:lnB>
+                  </a:tcPr>
+                </a:tc>
+                <a:tc>
+                  <a:txBody>
+                    <a:bodyPr/>
+                    <a:lstStyle/>
+                    <a:p>
+                      <a:pPr algn="r" rtl="0" fontAlgn="b"/>
+                      <a:r>
+                        <a:rPr lang="en-US" sz="2800">
+                          <a:effectLst/>
+                        </a:rPr>
+                        <a:t>1</a:t>
+                      </a:r>
+                    </a:p>
+                  </a:txBody>
+                  <a:tcPr marL="11430" marR="11430" marT="7620" marB="7620" anchor="b">
+                    <a:lnL w="12700" cap="flat" cmpd="sng" algn="ctr">
+                      <a:solidFill>
+                        <a:schemeClr val="tx1"/>
+                      </a:solidFill>
+                      <a:prstDash val="solid"/>
+                      <a:round/>
+                      <a:headEnd type="none" w="med" len="med"/>
+                      <a:tailEnd type="none" w="med" len="med"/>
+                    </a:lnL>
+                    <a:lnR w="12700" cap="flat" cmpd="sng" algn="ctr">
+                      <a:solidFill>
+                        <a:schemeClr val="tx1"/>
+                      </a:solidFill>
+                      <a:prstDash val="solid"/>
+                      <a:round/>
+                      <a:headEnd type="none" w="med" len="med"/>
+                      <a:tailEnd type="none" w="med" len="med"/>
+                    </a:lnR>
+                    <a:lnT w="12700" cap="flat" cmpd="sng" algn="ctr">
+                      <a:solidFill>
+                        <a:schemeClr val="tx1"/>
+                      </a:solidFill>
+                      <a:prstDash val="solid"/>
+                      <a:round/>
+                      <a:headEnd type="none" w="med" len="med"/>
+                      <a:tailEnd type="none" w="med" len="med"/>
+                    </a:lnT>
+                    <a:lnB w="12700" cap="flat" cmpd="sng" algn="ctr">
+                      <a:solidFill>
+                        <a:schemeClr val="tx1"/>
+                      </a:solidFill>
+                      <a:prstDash val="solid"/>
+                      <a:round/>
+                      <a:headEnd type="none" w="med" len="med"/>
+                      <a:tailEnd type="none" w="med" len="med"/>
+                    </a:lnB>
+                  </a:tcPr>
+                </a:tc>
+                <a:extLst>
+                  <a:ext uri="{0D108BD9-81ED-4DB2-BD59-A6C34878D82A}">
+                    <a16:rowId xmlns:a16="http://schemas.microsoft.com/office/drawing/2014/main" val="1404719842"/>
+                  </a:ext>
+                </a:extLst>
+              </a:tr>
+              <a:tr h="1455986">
+                <a:tc>
+                  <a:txBody>
+                    <a:bodyPr/>
+                    <a:lstStyle/>
+                    <a:p>
+                      <a:pPr rtl="0" fontAlgn="b"/>
+                      <a:r>
+                        <a:rPr lang="en-US" sz="2800">
+                          <a:effectLst/>
+                        </a:rPr>
+                        <a:t>lms as features</a:t>
+                      </a:r>
+                    </a:p>
+                  </a:txBody>
+                  <a:tcPr marL="11430" marR="11430" marT="7620" marB="7620" anchor="b">
+                    <a:lnL w="12700" cap="flat" cmpd="sng" algn="ctr">
+                      <a:solidFill>
+                        <a:schemeClr val="tx1"/>
+                      </a:solidFill>
+                      <a:prstDash val="solid"/>
+                      <a:round/>
+                      <a:headEnd type="none" w="med" len="med"/>
+                      <a:tailEnd type="none" w="med" len="med"/>
+                    </a:lnL>
+                    <a:lnR w="12700" cap="flat" cmpd="sng" algn="ctr">
+                      <a:solidFill>
+                        <a:schemeClr val="tx1"/>
+                      </a:solidFill>
+                      <a:prstDash val="solid"/>
+                      <a:round/>
+                      <a:headEnd type="none" w="med" len="med"/>
+                      <a:tailEnd type="none" w="med" len="med"/>
+                    </a:lnR>
+                    <a:lnT w="12700" cap="flat" cmpd="sng" algn="ctr">
+                      <a:solidFill>
+                        <a:schemeClr val="tx1"/>
+                      </a:solidFill>
+                      <a:prstDash val="solid"/>
+                      <a:round/>
+                      <a:headEnd type="none" w="med" len="med"/>
+                      <a:tailEnd type="none" w="med" len="med"/>
+                    </a:lnT>
+                    <a:lnB w="12700" cap="flat" cmpd="sng" algn="ctr">
+                      <a:solidFill>
+                        <a:schemeClr val="tx1"/>
+                      </a:solidFill>
+                      <a:prstDash val="solid"/>
+                      <a:round/>
+                      <a:headEnd type="none" w="med" len="med"/>
+                      <a:tailEnd type="none" w="med" len="med"/>
+                    </a:lnB>
+                  </a:tcPr>
+                </a:tc>
+                <a:tc>
+                  <a:txBody>
+                    <a:bodyPr/>
+                    <a:lstStyle/>
+                    <a:p>
+                      <a:pPr algn="r" rtl="0" fontAlgn="b"/>
+                      <a:r>
+                        <a:rPr lang="en-US" sz="2800">
+                          <a:effectLst/>
+                        </a:rPr>
+                        <a:t>0.3375</a:t>
+                      </a:r>
+                    </a:p>
+                  </a:txBody>
+                  <a:tcPr marL="11430" marR="11430" marT="7620" marB="7620" anchor="b">
+                    <a:lnL w="12700" cap="flat" cmpd="sng" algn="ctr">
+                      <a:solidFill>
+                        <a:schemeClr val="tx1"/>
+                      </a:solidFill>
+                      <a:prstDash val="solid"/>
+                      <a:round/>
+                      <a:headEnd type="none" w="med" len="med"/>
+                      <a:tailEnd type="none" w="med" len="med"/>
+                    </a:lnL>
+                    <a:lnR w="12700" cap="flat" cmpd="sng" algn="ctr">
+                      <a:solidFill>
+                        <a:schemeClr val="tx1"/>
+                      </a:solidFill>
+                      <a:prstDash val="solid"/>
+                      <a:round/>
+                      <a:headEnd type="none" w="med" len="med"/>
+                      <a:tailEnd type="none" w="med" len="med"/>
+                    </a:lnR>
+                    <a:lnT w="12700" cap="flat" cmpd="sng" algn="ctr">
+                      <a:solidFill>
+                        <a:schemeClr val="tx1"/>
+                      </a:solidFill>
+                      <a:prstDash val="solid"/>
+                      <a:round/>
+                      <a:headEnd type="none" w="med" len="med"/>
+                      <a:tailEnd type="none" w="med" len="med"/>
+                    </a:lnT>
+                    <a:lnB w="12700" cap="flat" cmpd="sng" algn="ctr">
+                      <a:solidFill>
+                        <a:schemeClr val="tx1"/>
+                      </a:solidFill>
+                      <a:prstDash val="solid"/>
+                      <a:round/>
+                      <a:headEnd type="none" w="med" len="med"/>
+                      <a:tailEnd type="none" w="med" len="med"/>
+                    </a:lnB>
+                  </a:tcPr>
+                </a:tc>
+                <a:tc>
+                  <a:txBody>
+                    <a:bodyPr/>
+                    <a:lstStyle/>
+                    <a:p>
+                      <a:pPr algn="r" rtl="0" fontAlgn="b"/>
+                      <a:r>
+                        <a:rPr lang="en-US" sz="2800" dirty="0">
+                          <a:effectLst/>
+                        </a:rPr>
+                        <a:t>1</a:t>
+                      </a:r>
+                    </a:p>
+                  </a:txBody>
+                  <a:tcPr marL="11430" marR="11430" marT="7620" marB="7620" anchor="b">
+                    <a:lnL w="12700" cap="flat" cmpd="sng" algn="ctr">
+                      <a:solidFill>
+                        <a:schemeClr val="tx1"/>
+                      </a:solidFill>
+                      <a:prstDash val="solid"/>
+                      <a:round/>
+                      <a:headEnd type="none" w="med" len="med"/>
+                      <a:tailEnd type="none" w="med" len="med"/>
+                    </a:lnL>
+                    <a:lnR w="12700" cap="flat" cmpd="sng" algn="ctr">
+                      <a:solidFill>
+                        <a:schemeClr val="tx1"/>
+                      </a:solidFill>
+                      <a:prstDash val="solid"/>
+                      <a:round/>
+                      <a:headEnd type="none" w="med" len="med"/>
+                      <a:tailEnd type="none" w="med" len="med"/>
+                    </a:lnR>
+                    <a:lnT w="12700" cap="flat" cmpd="sng" algn="ctr">
+                      <a:solidFill>
+                        <a:schemeClr val="tx1"/>
+                      </a:solidFill>
+                      <a:prstDash val="solid"/>
+                      <a:round/>
+                      <a:headEnd type="none" w="med" len="med"/>
+                      <a:tailEnd type="none" w="med" len="med"/>
+                    </a:lnT>
+                    <a:lnB w="12700" cap="flat" cmpd="sng" algn="ctr">
+                      <a:solidFill>
+                        <a:schemeClr val="tx1"/>
+                      </a:solidFill>
+                      <a:prstDash val="solid"/>
+                      <a:round/>
+                      <a:headEnd type="none" w="med" len="med"/>
+                      <a:tailEnd type="none" w="med" len="med"/>
+                    </a:lnB>
+                  </a:tcPr>
+                </a:tc>
+                <a:extLst>
+                  <a:ext uri="{0D108BD9-81ED-4DB2-BD59-A6C34878D82A}">
+                    <a16:rowId xmlns:a16="http://schemas.microsoft.com/office/drawing/2014/main" val="2188656642"/>
+                  </a:ext>
+                </a:extLst>
+              </a:tr>
+            </a:tbl>
+          </a:graphicData>
+        </a:graphic>
+      </p:graphicFrame>
+      <p:sp>
+        <p:nvSpPr>
+          <p:cNvPr id="4" name="TextBox 3">
+            <a:extLst>
+              <a:ext uri="{FF2B5EF4-FFF2-40B4-BE49-F238E27FC236}">
+                <a16:creationId xmlns:a16="http://schemas.microsoft.com/office/drawing/2014/main" id="{7EA5951C-FBE6-40AE-902E-07FEF5A5771E}"/>
+              </a:ext>
+            </a:extLst>
+          </p:cNvPr>
+          <p:cNvSpPr txBox="1"/>
+          <p:nvPr/>
+        </p:nvSpPr>
+        <p:spPr>
+          <a:xfrm>
+            <a:off x="25283520" y="11953290"/>
+            <a:ext cx="9979920" cy="1815882"/>
+          </a:xfrm>
+          <a:prstGeom prst="rect">
+            <a:avLst/>
+          </a:prstGeom>
+          <a:noFill/>
+        </p:spPr>
+        <p:txBody>
+          <a:bodyPr wrap="square" rtlCol="0">
+            <a:spAutoFit/>
+          </a:bodyPr>
+          <a:lstStyle/>
+          <a:p>
+            <a:pPr marL="457200" indent="-457200">
+              <a:buFont typeface="Arial" panose="020B0604020202020204" pitchFamily="34" charset="0"/>
+              <a:buChar char="•"/>
+            </a:pPr>
+            <a:r>
+              <a:rPr lang="en-US" sz="2800" dirty="0"/>
+              <a:t>Language family identification was still accurate</a:t>
+            </a:r>
+          </a:p>
+          <a:p>
+            <a:pPr marL="457200" indent="-457200">
+              <a:buFont typeface="Arial" panose="020B0604020202020204" pitchFamily="34" charset="0"/>
+              <a:buChar char="•"/>
+            </a:pPr>
+            <a:endParaRPr lang="en-US" sz="2800" dirty="0"/>
+          </a:p>
+          <a:p>
+            <a:pPr marL="457200" indent="-457200">
+              <a:buFont typeface="Arial" panose="020B0604020202020204" pitchFamily="34" charset="0"/>
+              <a:buChar char="•"/>
+            </a:pPr>
+            <a:r>
+              <a:rPr lang="en-US" sz="2800" dirty="0"/>
+              <a:t>Individual language identification likely struggles due to significantly less training data compared to Wikipedia</a:t>
+            </a:r>
+          </a:p>
+        </p:txBody>
+      </p:sp>
     </p:spTree>
   </p:cSld>
+  <p:clrMapOvr>
+    <a:masterClrMapping/>
+  </p:clrMapOvr>
 </p:sld>
 </file>
 
@@ -4092,5 +6632,7 @@
       </a:bgFillStyleLst>
     </a:fmtScheme>
   </a:themeElements>
+  <a:objectDefaults/>
+  <a:extraClrSchemeLst/>
 </a:theme>
 </file>